--- a/hitchhiking express.pptx
+++ b/hitchhiking express.pptx
@@ -2,19 +2,21 @@
 <file path=ppt/presentation.xml><?xml version="1.0" encoding="utf-8"?>
 <p:presentation xmlns:a="http://schemas.openxmlformats.org/drawingml/2006/main" xmlns:r="http://schemas.openxmlformats.org/officeDocument/2006/relationships" xmlns:p="http://schemas.openxmlformats.org/presentationml/2006/main" saveSubsetFonts="1">
   <p:sldMasterIdLst>
-    <p:sldMasterId id="2147483648" r:id="rId1"/>
+    <p:sldMasterId id="2147483656" r:id="rId1"/>
   </p:sldMasterIdLst>
   <p:notesMasterIdLst>
-    <p:notesMasterId r:id="rId5"/>
+    <p:notesMasterId r:id="rId11"/>
   </p:notesMasterIdLst>
   <p:sldIdLst>
-    <p:sldId id="256" r:id="rId3"/>
-    <p:sldId id="257" r:id="rId4"/>
-    <p:sldId id="259" r:id="rId6"/>
-    <p:sldId id="260" r:id="rId7"/>
-    <p:sldId id="261" r:id="rId8"/>
-    <p:sldId id="262" r:id="rId9"/>
-    <p:sldId id="263" r:id="rId10"/>
+    <p:sldId id="263" r:id="rId2"/>
+    <p:sldId id="265" r:id="rId3"/>
+    <p:sldId id="268" r:id="rId4"/>
+    <p:sldId id="269" r:id="rId5"/>
+    <p:sldId id="270" r:id="rId6"/>
+    <p:sldId id="272" r:id="rId7"/>
+    <p:sldId id="271" r:id="rId8"/>
+    <p:sldId id="267" r:id="rId9"/>
+    <p:sldId id="273" r:id="rId10"/>
   </p:sldIdLst>
   <p:sldSz cx="9144000" cy="6858000" type="screen4x3"/>
   <p:notesSz cx="6858000" cy="9144000"/>
@@ -22,97 +24,143 @@
     <a:defPPr>
       <a:defRPr lang="en-US"/>
     </a:defPPr>
-    <a:lvl1pPr marL="0" algn="l" defTabSz="914400" rtl="0" eaLnBrk="1" latinLnBrk="0" hangingPunct="1">
-      <a:defRPr sz="1800" kern="1200">
+    <a:lvl1pPr algn="l" rtl="0" eaLnBrk="0" fontAlgn="base" hangingPunct="0">
+      <a:spcBef>
+        <a:spcPct val="0"/>
+      </a:spcBef>
+      <a:spcAft>
+        <a:spcPct val="0"/>
+      </a:spcAft>
+      <a:defRPr kern="1200">
         <a:solidFill>
           <a:schemeClr val="tx1"/>
         </a:solidFill>
-        <a:latin typeface="+mn-lt"/>
+        <a:latin typeface="Times New Roman" panose="02020603050405020304" pitchFamily="18" charset="0"/>
         <a:ea typeface="+mn-ea"/>
         <a:cs typeface="+mn-cs"/>
       </a:defRPr>
     </a:lvl1pPr>
-    <a:lvl2pPr marL="457200" algn="l" defTabSz="914400" rtl="0" eaLnBrk="1" latinLnBrk="0" hangingPunct="1">
-      <a:defRPr sz="1800" kern="1200">
+    <a:lvl2pPr marL="457200" algn="l" rtl="0" eaLnBrk="0" fontAlgn="base" hangingPunct="0">
+      <a:spcBef>
+        <a:spcPct val="0"/>
+      </a:spcBef>
+      <a:spcAft>
+        <a:spcPct val="0"/>
+      </a:spcAft>
+      <a:defRPr kern="1200">
         <a:solidFill>
           <a:schemeClr val="tx1"/>
         </a:solidFill>
-        <a:latin typeface="+mn-lt"/>
+        <a:latin typeface="Times New Roman" panose="02020603050405020304" pitchFamily="18" charset="0"/>
         <a:ea typeface="+mn-ea"/>
         <a:cs typeface="+mn-cs"/>
       </a:defRPr>
     </a:lvl2pPr>
-    <a:lvl3pPr marL="914400" algn="l" defTabSz="914400" rtl="0" eaLnBrk="1" latinLnBrk="0" hangingPunct="1">
-      <a:defRPr sz="1800" kern="1200">
+    <a:lvl3pPr marL="914400" algn="l" rtl="0" eaLnBrk="0" fontAlgn="base" hangingPunct="0">
+      <a:spcBef>
+        <a:spcPct val="0"/>
+      </a:spcBef>
+      <a:spcAft>
+        <a:spcPct val="0"/>
+      </a:spcAft>
+      <a:defRPr kern="1200">
         <a:solidFill>
           <a:schemeClr val="tx1"/>
         </a:solidFill>
-        <a:latin typeface="+mn-lt"/>
+        <a:latin typeface="Times New Roman" panose="02020603050405020304" pitchFamily="18" charset="0"/>
         <a:ea typeface="+mn-ea"/>
         <a:cs typeface="+mn-cs"/>
       </a:defRPr>
     </a:lvl3pPr>
-    <a:lvl4pPr marL="1371600" algn="l" defTabSz="914400" rtl="0" eaLnBrk="1" latinLnBrk="0" hangingPunct="1">
-      <a:defRPr sz="1800" kern="1200">
+    <a:lvl4pPr marL="1371600" algn="l" rtl="0" eaLnBrk="0" fontAlgn="base" hangingPunct="0">
+      <a:spcBef>
+        <a:spcPct val="0"/>
+      </a:spcBef>
+      <a:spcAft>
+        <a:spcPct val="0"/>
+      </a:spcAft>
+      <a:defRPr kern="1200">
         <a:solidFill>
           <a:schemeClr val="tx1"/>
         </a:solidFill>
-        <a:latin typeface="+mn-lt"/>
+        <a:latin typeface="Times New Roman" panose="02020603050405020304" pitchFamily="18" charset="0"/>
         <a:ea typeface="+mn-ea"/>
         <a:cs typeface="+mn-cs"/>
       </a:defRPr>
     </a:lvl4pPr>
-    <a:lvl5pPr marL="1828800" algn="l" defTabSz="914400" rtl="0" eaLnBrk="1" latinLnBrk="0" hangingPunct="1">
-      <a:defRPr sz="1800" kern="1200">
+    <a:lvl5pPr marL="1828800" algn="l" rtl="0" eaLnBrk="0" fontAlgn="base" hangingPunct="0">
+      <a:spcBef>
+        <a:spcPct val="0"/>
+      </a:spcBef>
+      <a:spcAft>
+        <a:spcPct val="0"/>
+      </a:spcAft>
+      <a:defRPr kern="1200">
         <a:solidFill>
           <a:schemeClr val="tx1"/>
         </a:solidFill>
-        <a:latin typeface="+mn-lt"/>
+        <a:latin typeface="Times New Roman" panose="02020603050405020304" pitchFamily="18" charset="0"/>
         <a:ea typeface="+mn-ea"/>
         <a:cs typeface="+mn-cs"/>
       </a:defRPr>
     </a:lvl5pPr>
     <a:lvl6pPr marL="2286000" algn="l" defTabSz="914400" rtl="0" eaLnBrk="1" latinLnBrk="0" hangingPunct="1">
-      <a:defRPr sz="1800" kern="1200">
+      <a:defRPr kern="1200">
         <a:solidFill>
           <a:schemeClr val="tx1"/>
         </a:solidFill>
-        <a:latin typeface="+mn-lt"/>
+        <a:latin typeface="Times New Roman" panose="02020603050405020304" pitchFamily="18" charset="0"/>
         <a:ea typeface="+mn-ea"/>
         <a:cs typeface="+mn-cs"/>
       </a:defRPr>
     </a:lvl6pPr>
     <a:lvl7pPr marL="2743200" algn="l" defTabSz="914400" rtl="0" eaLnBrk="1" latinLnBrk="0" hangingPunct="1">
-      <a:defRPr sz="1800" kern="1200">
+      <a:defRPr kern="1200">
         <a:solidFill>
           <a:schemeClr val="tx1"/>
         </a:solidFill>
-        <a:latin typeface="+mn-lt"/>
+        <a:latin typeface="Times New Roman" panose="02020603050405020304" pitchFamily="18" charset="0"/>
         <a:ea typeface="+mn-ea"/>
         <a:cs typeface="+mn-cs"/>
       </a:defRPr>
     </a:lvl7pPr>
     <a:lvl8pPr marL="3200400" algn="l" defTabSz="914400" rtl="0" eaLnBrk="1" latinLnBrk="0" hangingPunct="1">
-      <a:defRPr sz="1800" kern="1200">
+      <a:defRPr kern="1200">
         <a:solidFill>
           <a:schemeClr val="tx1"/>
         </a:solidFill>
-        <a:latin typeface="+mn-lt"/>
+        <a:latin typeface="Times New Roman" panose="02020603050405020304" pitchFamily="18" charset="0"/>
         <a:ea typeface="+mn-ea"/>
         <a:cs typeface="+mn-cs"/>
       </a:defRPr>
     </a:lvl8pPr>
     <a:lvl9pPr marL="3657600" algn="l" defTabSz="914400" rtl="0" eaLnBrk="1" latinLnBrk="0" hangingPunct="1">
-      <a:defRPr sz="1800" kern="1200">
+      <a:defRPr kern="1200">
         <a:solidFill>
           <a:schemeClr val="tx1"/>
         </a:solidFill>
-        <a:latin typeface="+mn-lt"/>
+        <a:latin typeface="Times New Roman" panose="02020603050405020304" pitchFamily="18" charset="0"/>
         <a:ea typeface="+mn-ea"/>
         <a:cs typeface="+mn-cs"/>
       </a:defRPr>
     </a:lvl9pPr>
   </p:defaultTextStyle>
+  <p:extLst>
+    <p:ext uri="{EFAFB233-063F-42B5-8137-9DF3F51BA10A}">
+      <p15:sldGuideLst xmlns:p15="http://schemas.microsoft.com/office/powerpoint/2012/main">
+        <p15:guide id="1" orient="horz" pos="2160" userDrawn="1">
+          <p15:clr>
+            <a:srgbClr val="A4A3A4"/>
+          </p15:clr>
+        </p15:guide>
+        <p15:guide id="2" pos="2880" userDrawn="1">
+          <p15:clr>
+            <a:srgbClr val="A4A3A4"/>
+          </p15:clr>
+        </p15:guide>
+      </p15:sldGuideLst>
+    </p:ext>
+  </p:extLst>
 </p:presentation>
 </file>
 
@@ -140,7 +188,7 @@
       </p:grpSpPr>
       <p:sp>
         <p:nvSpPr>
-          <p:cNvPr id="2" name="Header Placeholder 1"/>
+          <p:cNvPr id="2" name="页眉占位符 1"/>
           <p:cNvSpPr>
             <a:spLocks noGrp="1"/>
           </p:cNvSpPr>
@@ -171,7 +219,7 @@
       </p:sp>
       <p:sp>
         <p:nvSpPr>
-          <p:cNvPr id="3" name="Date Placeholder 2"/>
+          <p:cNvPr id="3" name="日期占位符 2"/>
           <p:cNvSpPr>
             <a:spLocks noGrp="1"/>
           </p:cNvSpPr>
@@ -196,8 +244,9 @@
             </a:lvl1pPr>
           </a:lstStyle>
           <a:p>
-            <a:fld id="{3EFD42F7-718C-4B98-AAEC-167E6DDD60A7}" type="datetimeFigureOut">
+            <a:fld id="{01AC9C6E-F9EF-477C-B5E4-277B6BA0573A}" type="datetimeFigureOut">
               <a:rPr lang="en-US" smtClean="0"/>
+              <a:t>2/9/2018</a:t>
             </a:fld>
             <a:endParaRPr lang="en-US"/>
           </a:p>
@@ -205,7 +254,7 @@
       </p:sp>
       <p:sp>
         <p:nvSpPr>
-          <p:cNvPr id="4" name="Slide Image Placeholder 3"/>
+          <p:cNvPr id="4" name="幻灯片图像占位符 3"/>
           <p:cNvSpPr>
             <a:spLocks noGrp="1" noRot="1" noChangeAspect="1"/>
           </p:cNvSpPr>
@@ -238,7 +287,7 @@
       </p:sp>
       <p:sp>
         <p:nvSpPr>
-          <p:cNvPr id="5" name="Notes Placeholder 4"/>
+          <p:cNvPr id="5" name="备注占位符 4"/>
           <p:cNvSpPr>
             <a:spLocks noGrp="1"/>
           </p:cNvSpPr>
@@ -261,40 +310,36 @@
           <a:p>
             <a:pPr lvl="0"/>
             <a:r>
-              <a:rPr lang="en-US" smtClean="0"/>
-              <a:t>Click to edit Master text styles</a:t>
-            </a:r>
-            <a:endParaRPr lang="en-US" smtClean="0"/>
+              <a:rPr lang="zh-CN" altLang="en-US" smtClean="0"/>
+              <a:t>编辑母版文本样式</a:t>
+            </a:r>
           </a:p>
           <a:p>
             <a:pPr lvl="1"/>
             <a:r>
-              <a:rPr lang="en-US" smtClean="0"/>
-              <a:t>Second level</a:t>
-            </a:r>
-            <a:endParaRPr lang="en-US" smtClean="0"/>
+              <a:rPr lang="zh-CN" altLang="en-US" smtClean="0"/>
+              <a:t>第二级</a:t>
+            </a:r>
           </a:p>
           <a:p>
             <a:pPr lvl="2"/>
             <a:r>
-              <a:rPr lang="en-US" smtClean="0"/>
-              <a:t>Third level</a:t>
-            </a:r>
-            <a:endParaRPr lang="en-US" smtClean="0"/>
+              <a:rPr lang="zh-CN" altLang="en-US" smtClean="0"/>
+              <a:t>第三级</a:t>
+            </a:r>
           </a:p>
           <a:p>
             <a:pPr lvl="3"/>
             <a:r>
-              <a:rPr lang="en-US" smtClean="0"/>
-              <a:t>Fourth level</a:t>
-            </a:r>
-            <a:endParaRPr lang="en-US" smtClean="0"/>
+              <a:rPr lang="zh-CN" altLang="en-US" smtClean="0"/>
+              <a:t>第四级</a:t>
+            </a:r>
           </a:p>
           <a:p>
             <a:pPr lvl="4"/>
             <a:r>
-              <a:rPr lang="en-US" smtClean="0"/>
-              <a:t>Fifth level</a:t>
+              <a:rPr lang="zh-CN" altLang="en-US" smtClean="0"/>
+              <a:t>第五级</a:t>
             </a:r>
             <a:endParaRPr lang="en-US"/>
           </a:p>
@@ -302,7 +347,7 @@
       </p:sp>
       <p:sp>
         <p:nvSpPr>
-          <p:cNvPr id="6" name="Footer Placeholder 5"/>
+          <p:cNvPr id="6" name="页脚占位符 5"/>
           <p:cNvSpPr>
             <a:spLocks noGrp="1"/>
           </p:cNvSpPr>
@@ -333,7 +378,7 @@
       </p:sp>
       <p:sp>
         <p:nvSpPr>
-          <p:cNvPr id="7" name="Slide Number Placeholder 6"/>
+          <p:cNvPr id="7" name="灯片编号占位符 6"/>
           <p:cNvSpPr>
             <a:spLocks noGrp="1"/>
           </p:cNvSpPr>
@@ -358,14 +403,20 @@
             </a:lvl1pPr>
           </a:lstStyle>
           <a:p>
-            <a:fld id="{21B2AA4F-B828-4D7C-AFD3-893933DAFCB4}" type="slidenum">
+            <a:fld id="{23475734-3C8C-47F2-B23E-652209638050}" type="slidenum">
               <a:rPr lang="en-US" smtClean="0"/>
+              <a:t>‹#›</a:t>
             </a:fld>
             <a:endParaRPr lang="en-US"/>
           </a:p>
         </p:txBody>
       </p:sp>
     </p:spTree>
+    <p:extLst>
+      <p:ext uri="{BB962C8B-B14F-4D97-AF65-F5344CB8AC3E}">
+        <p14:creationId xmlns:p14="http://schemas.microsoft.com/office/powerpoint/2010/main" val="1102257639"/>
+      </p:ext>
+    </p:extLst>
   </p:cSld>
   <p:clrMap bg1="lt1" tx1="dk1" bg2="lt2" tx2="dk2" accent1="accent1" accent2="accent2" accent3="accent3" accent4="accent4" accent5="accent5" accent6="accent6" hlink="hlink" folHlink="folHlink"/>
   <p:notesStyle>
@@ -472,59 +523,74 @@
         <p:cNvGrpSpPr/>
         <p:nvPr/>
       </p:nvGrpSpPr>
-      <p:grpSpPr/>
+      <p:grpSpPr>
+        <a:xfrm>
+          <a:off x="0" y="0"/>
+          <a:ext cx="0" cy="0"/>
+          <a:chOff x="0" y="0"/>
+          <a:chExt cx="0" cy="0"/>
+        </a:xfrm>
+      </p:grpSpPr>
       <p:sp>
         <p:nvSpPr>
-          <p:cNvPr id="2" name="Slide Image Placeholder 1"/>
-          <p:cNvSpPr/>
+          <p:cNvPr id="2" name="幻灯片图像占位符 1"/>
+          <p:cNvSpPr>
+            <a:spLocks noGrp="1" noRot="1" noChangeAspect="1"/>
+          </p:cNvSpPr>
           <p:nvPr>
-            <p:ph type="sldImg" idx="2"/>
+            <p:ph type="sldImg"/>
           </p:nvPr>
         </p:nvSpPr>
         <p:spPr/>
       </p:sp>
       <p:sp>
         <p:nvSpPr>
-          <p:cNvPr id="3" name="Text Placeholder 2"/>
-          <p:cNvSpPr/>
+          <p:cNvPr id="3" name="备注占位符 2"/>
+          <p:cNvSpPr>
+            <a:spLocks noGrp="1"/>
+          </p:cNvSpPr>
           <p:nvPr>
-            <p:ph type="body" idx="3"/>
+            <p:ph type="body" idx="1"/>
           </p:nvPr>
         </p:nvSpPr>
         <p:spPr/>
         <p:txBody>
           <a:bodyPr/>
-          <a:p>
-            <a:r>
-              <a:rPr lang="x-none" altLang=""/>
-              <a:t>what</a:t>
-            </a:r>
-            <a:endParaRPr lang="x-none" altLang=""/>
+          <a:lstStyle/>
+          <a:p>
+            <a:endParaRPr lang="en-US" dirty="0"/>
           </a:p>
         </p:txBody>
       </p:sp>
       <p:sp>
         <p:nvSpPr>
-          <p:cNvPr id="4" name="Slide Number Placeholder 3"/>
+          <p:cNvPr id="4" name="灯片编号占位符 3"/>
           <p:cNvSpPr>
             <a:spLocks noGrp="1"/>
           </p:cNvSpPr>
           <p:nvPr>
-            <p:ph type="sldNum" sz="quarter" idx="5"/>
+            <p:ph type="sldNum" sz="quarter" idx="10"/>
           </p:nvPr>
         </p:nvSpPr>
         <p:spPr/>
         <p:txBody>
           <a:bodyPr/>
-          <a:p>
-            <a:fld id="{21B2AA4F-B828-4D7C-AFD3-893933DAFCB4}" type="slidenum">
+          <a:lstStyle/>
+          <a:p>
+            <a:fld id="{23475734-3C8C-47F2-B23E-652209638050}" type="slidenum">
               <a:rPr lang="en-US" smtClean="0"/>
+              <a:t>2</a:t>
             </a:fld>
             <a:endParaRPr lang="en-US"/>
           </a:p>
         </p:txBody>
       </p:sp>
     </p:spTree>
+    <p:extLst>
+      <p:ext uri="{BB962C8B-B14F-4D97-AF65-F5344CB8AC3E}">
+        <p14:creationId xmlns:p14="http://schemas.microsoft.com/office/powerpoint/2010/main" val="3550389040"/>
+      </p:ext>
+    </p:extLst>
   </p:cSld>
   <p:clrMapOvr>
     <a:masterClrMapping/>
@@ -541,59 +607,74 @@
         <p:cNvGrpSpPr/>
         <p:nvPr/>
       </p:nvGrpSpPr>
-      <p:grpSpPr/>
+      <p:grpSpPr>
+        <a:xfrm>
+          <a:off x="0" y="0"/>
+          <a:ext cx="0" cy="0"/>
+          <a:chOff x="0" y="0"/>
+          <a:chExt cx="0" cy="0"/>
+        </a:xfrm>
+      </p:grpSpPr>
       <p:sp>
         <p:nvSpPr>
-          <p:cNvPr id="2" name="Slide Image Placeholder 1"/>
-          <p:cNvSpPr/>
+          <p:cNvPr id="2" name="幻灯片图像占位符 1"/>
+          <p:cNvSpPr>
+            <a:spLocks noGrp="1" noRot="1" noChangeAspect="1"/>
+          </p:cNvSpPr>
           <p:nvPr>
-            <p:ph type="sldImg" idx="2"/>
+            <p:ph type="sldImg"/>
           </p:nvPr>
         </p:nvSpPr>
         <p:spPr/>
       </p:sp>
       <p:sp>
         <p:nvSpPr>
-          <p:cNvPr id="3" name="Text Placeholder 2"/>
-          <p:cNvSpPr/>
+          <p:cNvPr id="3" name="备注占位符 2"/>
+          <p:cNvSpPr>
+            <a:spLocks noGrp="1"/>
+          </p:cNvSpPr>
           <p:nvPr>
-            <p:ph type="body" idx="3"/>
+            <p:ph type="body" idx="1"/>
           </p:nvPr>
         </p:nvSpPr>
         <p:spPr/>
         <p:txBody>
           <a:bodyPr/>
-          <a:p>
-            <a:r>
-              <a:rPr lang="x-none" altLang=""/>
-              <a:t>why</a:t>
-            </a:r>
-            <a:endParaRPr lang="x-none" altLang=""/>
+          <a:lstStyle/>
+          <a:p>
+            <a:endParaRPr lang="en-US" dirty="0"/>
           </a:p>
         </p:txBody>
       </p:sp>
       <p:sp>
         <p:nvSpPr>
-          <p:cNvPr id="4" name="Slide Number Placeholder 3"/>
+          <p:cNvPr id="4" name="灯片编号占位符 3"/>
           <p:cNvSpPr>
             <a:spLocks noGrp="1"/>
           </p:cNvSpPr>
           <p:nvPr>
-            <p:ph type="sldNum" sz="quarter" idx="5"/>
+            <p:ph type="sldNum" sz="quarter" idx="10"/>
           </p:nvPr>
         </p:nvSpPr>
         <p:spPr/>
         <p:txBody>
           <a:bodyPr/>
-          <a:p>
-            <a:fld id="{21B2AA4F-B828-4D7C-AFD3-893933DAFCB4}" type="slidenum">
+          <a:lstStyle/>
+          <a:p>
+            <a:fld id="{23475734-3C8C-47F2-B23E-652209638050}" type="slidenum">
               <a:rPr lang="en-US" smtClean="0"/>
+              <a:t>6</a:t>
             </a:fld>
             <a:endParaRPr lang="en-US"/>
           </a:p>
         </p:txBody>
       </p:sp>
     </p:spTree>
+    <p:extLst>
+      <p:ext uri="{BB962C8B-B14F-4D97-AF65-F5344CB8AC3E}">
+        <p14:creationId xmlns:p14="http://schemas.microsoft.com/office/powerpoint/2010/main" val="4206816084"/>
+      </p:ext>
+    </p:extLst>
   </p:cSld>
   <p:clrMapOvr>
     <a:masterClrMapping/>
@@ -601,9 +682,9 @@
 </p:notes>
 </file>
 
-<file path=ppt/slideLayouts/slideLayout1.xml><?xml version="1.0" encoding="utf-8"?>
-<p:sldLayout xmlns:a="http://schemas.openxmlformats.org/drawingml/2006/main" xmlns:r="http://schemas.openxmlformats.org/officeDocument/2006/relationships" xmlns:p="http://schemas.openxmlformats.org/presentationml/2006/main" type="title" preserve="1">
-  <p:cSld name="Title Slide">
+<file path=ppt/notesSlides/notesSlide3.xml><?xml version="1.0" encoding="utf-8"?>
+<p:notes xmlns:a="http://schemas.openxmlformats.org/drawingml/2006/main" xmlns:r="http://schemas.openxmlformats.org/officeDocument/2006/relationships" xmlns:p="http://schemas.openxmlformats.org/presentationml/2006/main">
+  <p:cSld>
     <p:spTree>
       <p:nvGrpSpPr>
         <p:cNvPr id="1" name=""/>
@@ -620,161 +701,346 @@
       </p:grpSpPr>
       <p:sp>
         <p:nvSpPr>
-          <p:cNvPr id="2" name="Title 1"/>
+          <p:cNvPr id="2" name="幻灯片图像占位符 1"/>
+          <p:cNvSpPr>
+            <a:spLocks noGrp="1" noRot="1" noChangeAspect="1"/>
+          </p:cNvSpPr>
+          <p:nvPr>
+            <p:ph type="sldImg"/>
+          </p:nvPr>
+        </p:nvSpPr>
+        <p:spPr/>
+      </p:sp>
+      <p:sp>
+        <p:nvSpPr>
+          <p:cNvPr id="3" name="备注占位符 2"/>
           <p:cNvSpPr>
             <a:spLocks noGrp="1"/>
           </p:cNvSpPr>
           <p:nvPr>
-            <p:ph type="ctrTitle"/>
+            <p:ph type="body" idx="1"/>
+          </p:nvPr>
+        </p:nvSpPr>
+        <p:spPr/>
+        <p:txBody>
+          <a:bodyPr/>
+          <a:lstStyle/>
+          <a:p>
+            <a:r>
+              <a:rPr lang="en-US" dirty="0" smtClean="0"/>
+              <a:t>Driver Profit</a:t>
+            </a:r>
+          </a:p>
+          <a:p>
+            <a:endParaRPr lang="en-US" dirty="0" smtClean="0"/>
+          </a:p>
+          <a:p>
+            <a:endParaRPr lang="en-US" dirty="0"/>
+          </a:p>
+        </p:txBody>
+      </p:sp>
+      <p:sp>
+        <p:nvSpPr>
+          <p:cNvPr id="4" name="灯片编号占位符 3"/>
+          <p:cNvSpPr>
+            <a:spLocks noGrp="1"/>
+          </p:cNvSpPr>
+          <p:nvPr>
+            <p:ph type="sldNum" sz="quarter" idx="10"/>
+          </p:nvPr>
+        </p:nvSpPr>
+        <p:spPr/>
+        <p:txBody>
+          <a:bodyPr/>
+          <a:lstStyle/>
+          <a:p>
+            <a:fld id="{23475734-3C8C-47F2-B23E-652209638050}" type="slidenum">
+              <a:rPr lang="en-US" smtClean="0"/>
+              <a:t>9</a:t>
+            </a:fld>
+            <a:endParaRPr lang="en-US"/>
+          </a:p>
+        </p:txBody>
+      </p:sp>
+    </p:spTree>
+    <p:extLst>
+      <p:ext uri="{BB962C8B-B14F-4D97-AF65-F5344CB8AC3E}">
+        <p14:creationId xmlns:p14="http://schemas.microsoft.com/office/powerpoint/2010/main" val="3091910192"/>
+      </p:ext>
+    </p:extLst>
+  </p:cSld>
+  <p:clrMapOvr>
+    <a:masterClrMapping/>
+  </p:clrMapOvr>
+</p:notes>
+</file>
+
+<file path=ppt/slideLayouts/slideLayout1.xml><?xml version="1.0" encoding="utf-8"?>
+<p:sldLayout xmlns:a="http://schemas.openxmlformats.org/drawingml/2006/main" xmlns:r="http://schemas.openxmlformats.org/officeDocument/2006/relationships" xmlns:p="http://schemas.openxmlformats.org/presentationml/2006/main" showMasterSp="0" type="title" preserve="1">
+  <p:cSld name="标题幻灯片">
+    <p:bg bwMode="gray">
+      <p:bgPr>
+        <a:solidFill>
+          <a:schemeClr val="bg1"/>
+        </a:solidFill>
+        <a:effectLst/>
+      </p:bgPr>
+    </p:bg>
+    <p:spTree>
+      <p:nvGrpSpPr>
+        <p:cNvPr id="1" name=""/>
+        <p:cNvGrpSpPr/>
+        <p:nvPr/>
+      </p:nvGrpSpPr>
+      <p:grpSpPr>
+        <a:xfrm>
+          <a:off x="0" y="0"/>
+          <a:ext cx="0" cy="0"/>
+          <a:chOff x="0" y="0"/>
+          <a:chExt cx="0" cy="0"/>
+        </a:xfrm>
+      </p:grpSpPr>
+      <p:graphicFrame>
+        <p:nvGraphicFramePr>
+          <p:cNvPr id="13345" name="Object 33"/>
+          <p:cNvGraphicFramePr>
+            <a:graphicFrameLocks noChangeAspect="1"/>
+          </p:cNvGraphicFramePr>
+          <p:nvPr/>
+        </p:nvGraphicFramePr>
+        <p:xfrm>
+          <a:off x="0" y="0"/>
+          <a:ext cx="9144000" cy="5172075"/>
+        </p:xfrm>
+        <a:graphic>
+          <a:graphicData uri="http://schemas.openxmlformats.org/presentationml/2006/ole">
+            <mc:AlternateContent xmlns:mc="http://schemas.openxmlformats.org/markup-compatibility/2006">
+              <mc:Choice xmlns:v="urn:schemas-microsoft-com:vml" Requires="v">
+                <p:oleObj spid="_x0000_s13376" name="Image" r:id="rId3" imgW="5663492" imgH="3326984" progId="Photoshop.Image.7">
+                  <p:embed/>
+                </p:oleObj>
+              </mc:Choice>
+              <mc:Fallback>
+                <p:oleObj name="Image" r:id="rId3" imgW="5663492" imgH="3326984" progId="Photoshop.Image.7">
+                  <p:embed/>
+                  <p:pic>
+                    <p:nvPicPr>
+                      <p:cNvPr id="0" name="Object 33"/>
+                      <p:cNvPicPr>
+                        <a:picLocks noChangeAspect="1" noChangeArrowheads="1"/>
+                      </p:cNvPicPr>
+                      <p:nvPr/>
+                    </p:nvPicPr>
+                    <p:blipFill>
+                      <a:blip r:embed="rId4">
+                        <a:extLst>
+                          <a:ext uri="{28A0092B-C50C-407E-A947-70E740481C1C}">
+                            <a14:useLocalDpi xmlns:a14="http://schemas.microsoft.com/office/drawing/2010/main" val="0"/>
+                          </a:ext>
+                        </a:extLst>
+                      </a:blip>
+                      <a:srcRect/>
+                      <a:stretch>
+                        <a:fillRect/>
+                      </a:stretch>
+                    </p:blipFill>
+                    <p:spPr bwMode="ltGray">
+                      <a:xfrm>
+                        <a:off x="0" y="0"/>
+                        <a:ext cx="9144000" cy="5172075"/>
+                      </a:xfrm>
+                      <a:prstGeom prst="rect">
+                        <a:avLst/>
+                      </a:prstGeom>
+                      <a:noFill/>
+                      <a:ln>
+                        <a:noFill/>
+                      </a:ln>
+                      <a:effectLst/>
+                      <a:extLst>
+                        <a:ext uri="{909E8E84-426E-40DD-AFC4-6F175D3DCCD1}">
+                          <a14:hiddenFill xmlns:a14="http://schemas.microsoft.com/office/drawing/2010/main">
+                            <a:solidFill>
+                              <a:schemeClr val="accent1"/>
+                            </a:solidFill>
+                          </a14:hiddenFill>
+                        </a:ext>
+                        <a:ext uri="{91240B29-F687-4F45-9708-019B960494DF}">
+                          <a14:hiddenLine xmlns:a14="http://schemas.microsoft.com/office/drawing/2010/main" w="9525">
+                            <a:solidFill>
+                              <a:schemeClr val="tx1"/>
+                            </a:solidFill>
+                            <a:miter lim="800000"/>
+                            <a:headEnd/>
+                            <a:tailEnd/>
+                          </a14:hiddenLine>
+                        </a:ext>
+                        <a:ext uri="{AF507438-7753-43E0-B8FC-AC1667EBCBE1}">
+                          <a14:hiddenEffects xmlns:a14="http://schemas.microsoft.com/office/drawing/2010/main">
+                            <a:effectLst>
+                              <a:outerShdw dist="35921" dir="2700000" algn="ctr" rotWithShape="0">
+                                <a:schemeClr val="bg2"/>
+                              </a:outerShdw>
+                            </a:effectLst>
+                          </a14:hiddenEffects>
+                        </a:ext>
+                      </a:extLst>
+                    </p:spPr>
+                  </p:pic>
+                </p:oleObj>
+              </mc:Fallback>
+            </mc:AlternateContent>
+          </a:graphicData>
+        </a:graphic>
+      </p:graphicFrame>
+      <p:sp>
+        <p:nvSpPr>
+          <p:cNvPr id="13346" name="Rectangle 34"/>
+          <p:cNvSpPr>
+            <a:spLocks noChangeArrowheads="1"/>
+          </p:cNvSpPr>
+          <p:nvPr/>
+        </p:nvSpPr>
+        <p:spPr bwMode="ltGray">
+          <a:xfrm>
+            <a:off x="0" y="6611938"/>
+            <a:ext cx="9144000" cy="260350"/>
+          </a:xfrm>
+          <a:prstGeom prst="rect">
+            <a:avLst/>
+          </a:prstGeom>
+          <a:gradFill rotWithShape="1">
+            <a:gsLst>
+              <a:gs pos="0">
+                <a:schemeClr val="accent2">
+                  <a:gamma/>
+                  <a:shade val="46275"/>
+                  <a:invGamma/>
+                </a:schemeClr>
+              </a:gs>
+              <a:gs pos="50000">
+                <a:schemeClr val="accent2"/>
+              </a:gs>
+              <a:gs pos="100000">
+                <a:schemeClr val="accent2">
+                  <a:gamma/>
+                  <a:shade val="46275"/>
+                  <a:invGamma/>
+                </a:schemeClr>
+              </a:gs>
+            </a:gsLst>
+            <a:lin ang="5400000" scaled="1"/>
+          </a:gradFill>
+          <a:ln>
+            <a:noFill/>
+          </a:ln>
+          <a:effectLst/>
+          <a:extLst>
+            <a:ext uri="{91240B29-F687-4F45-9708-019B960494DF}">
+              <a14:hiddenLine xmlns:a14="http://schemas.microsoft.com/office/drawing/2010/main" w="9525">
+                <a:solidFill>
+                  <a:schemeClr val="tx1"/>
+                </a:solidFill>
+                <a:miter lim="800000"/>
+                <a:headEnd/>
+                <a:tailEnd/>
+              </a14:hiddenLine>
+            </a:ext>
+            <a:ext uri="{AF507438-7753-43E0-B8FC-AC1667EBCBE1}">
+              <a14:hiddenEffects xmlns:a14="http://schemas.microsoft.com/office/drawing/2010/main">
+                <a:effectLst>
+                  <a:outerShdw dist="35921" dir="2700000" algn="ctr" rotWithShape="0">
+                    <a:schemeClr val="bg2"/>
+                  </a:outerShdw>
+                </a:effectLst>
+              </a14:hiddenEffects>
+            </a:ext>
+          </a:extLst>
+        </p:spPr>
+        <p:txBody>
+          <a:bodyPr wrap="none" anchor="ctr"/>
+          <a:lstStyle/>
+          <a:p>
+            <a:endParaRPr lang="en-US"/>
+          </a:p>
+        </p:txBody>
+      </p:sp>
+      <p:sp>
+        <p:nvSpPr>
+          <p:cNvPr id="13333" name="Rectangle 21"/>
+          <p:cNvSpPr>
+            <a:spLocks noGrp="1" noChangeArrowheads="1"/>
+          </p:cNvSpPr>
+          <p:nvPr>
+            <p:ph type="ctrTitle" sz="quarter"/>
+          </p:nvPr>
+        </p:nvSpPr>
+        <p:spPr bwMode="black">
+          <a:xfrm>
+            <a:off x="179388" y="4149725"/>
+            <a:ext cx="8785225" cy="1028700"/>
+          </a:xfrm>
+          <a:effectLst>
+            <a:outerShdw dist="81320" dir="3080412" algn="ctr" rotWithShape="0">
+              <a:schemeClr val="tx2">
+                <a:alpha val="50000"/>
+              </a:schemeClr>
+            </a:outerShdw>
+          </a:effectLst>
+        </p:spPr>
+        <p:txBody>
+          <a:bodyPr/>
+          <a:lstStyle>
+            <a:lvl1pPr>
+              <a:defRPr sz="4800"/>
+            </a:lvl1pPr>
+          </a:lstStyle>
+          <a:p>
+            <a:pPr lvl="0"/>
+            <a:r>
+              <a:rPr lang="zh-CN" altLang="en-US" noProof="0" smtClean="0"/>
+              <a:t>单击此处编辑母版标题样式</a:t>
+            </a:r>
+            <a:endParaRPr lang="en-US" altLang="ko-KR" noProof="0" smtClean="0"/>
+          </a:p>
+        </p:txBody>
+      </p:sp>
+      <p:sp>
+        <p:nvSpPr>
+          <p:cNvPr id="13334" name="Rectangle 22"/>
+          <p:cNvSpPr>
+            <a:spLocks noGrp="1" noChangeArrowheads="1"/>
+          </p:cNvSpPr>
+          <p:nvPr>
+            <p:ph type="subTitle" sz="quarter" idx="1"/>
           </p:nvPr>
         </p:nvSpPr>
         <p:spPr>
           <a:xfrm>
-            <a:off x="1143002" y="1122365"/>
-            <a:ext cx="6858010" cy="2387603"/>
-          </a:xfrm>
-        </p:spPr>
-        <p:txBody>
-          <a:bodyPr anchor="b"/>
-          <a:lstStyle>
-            <a:lvl1pPr algn="ctr">
-              <a:defRPr sz="6000"/>
-            </a:lvl1pPr>
-          </a:lstStyle>
-          <a:p>
-            <a:r>
-              <a:rPr lang="en-US" smtClean="0"/>
-              <a:t>Click to edit Master title style</a:t>
-            </a:r>
-            <a:endParaRPr lang="en-US"/>
-          </a:p>
-        </p:txBody>
-      </p:sp>
-      <p:sp>
-        <p:nvSpPr>
-          <p:cNvPr id="3" name="Subtitle 2"/>
-          <p:cNvSpPr>
-            <a:spLocks noGrp="1"/>
-          </p:cNvSpPr>
-          <p:nvPr>
-            <p:ph type="subTitle" idx="1"/>
-          </p:nvPr>
-        </p:nvSpPr>
-        <p:spPr>
-          <a:xfrm>
-            <a:off x="1143002" y="3602043"/>
-            <a:ext cx="6858010" cy="1655764"/>
+            <a:off x="1403350" y="5516563"/>
+            <a:ext cx="6400800" cy="533400"/>
           </a:xfrm>
         </p:spPr>
         <p:txBody>
           <a:bodyPr/>
           <a:lstStyle>
             <a:lvl1pPr marL="0" indent="0" algn="ctr">
+              <a:buFont typeface="Wingdings" panose="05000000000000000000" pitchFamily="2" charset="2"/>
               <a:buNone/>
-              <a:defRPr sz="2400"/>
+              <a:defRPr sz="1800">
+                <a:solidFill>
+                  <a:schemeClr val="tx2"/>
+                </a:solidFill>
+              </a:defRPr>
             </a:lvl1pPr>
-            <a:lvl2pPr marL="457200" indent="0" algn="ctr">
-              <a:buNone/>
-              <a:defRPr sz="2000"/>
-            </a:lvl2pPr>
-            <a:lvl3pPr marL="914400" indent="0" algn="ctr">
-              <a:buNone/>
-              <a:defRPr sz="1800"/>
-            </a:lvl3pPr>
-            <a:lvl4pPr marL="1371600" indent="0" algn="ctr">
-              <a:buNone/>
-              <a:defRPr sz="1600"/>
-            </a:lvl4pPr>
-            <a:lvl5pPr marL="1828800" indent="0" algn="ctr">
-              <a:buNone/>
-              <a:defRPr sz="1600"/>
-            </a:lvl5pPr>
-            <a:lvl6pPr marL="2286000" indent="0" algn="ctr">
-              <a:buNone/>
-              <a:defRPr sz="1600"/>
-            </a:lvl6pPr>
-            <a:lvl7pPr marL="2743200" indent="0" algn="ctr">
-              <a:buNone/>
-              <a:defRPr sz="1600"/>
-            </a:lvl7pPr>
-            <a:lvl8pPr marL="3200400" indent="0" algn="ctr">
-              <a:buNone/>
-              <a:defRPr sz="1600"/>
-            </a:lvl8pPr>
-            <a:lvl9pPr marL="3657600" indent="0" algn="ctr">
-              <a:buNone/>
-              <a:defRPr sz="1600"/>
-            </a:lvl9pPr>
           </a:lstStyle>
           <a:p>
-            <a:r>
-              <a:rPr lang="en-US" smtClean="0"/>
-              <a:t>Click to edit Master subtitle style</a:t>
-            </a:r>
-            <a:endParaRPr lang="en-US"/>
-          </a:p>
-        </p:txBody>
-      </p:sp>
-      <p:sp>
-        <p:nvSpPr>
-          <p:cNvPr id="4" name="Date Placeholder 3"/>
-          <p:cNvSpPr>
-            <a:spLocks noGrp="1"/>
-          </p:cNvSpPr>
-          <p:nvPr>
-            <p:ph type="dt" sz="half" idx="10"/>
-          </p:nvPr>
-        </p:nvSpPr>
-        <p:spPr/>
-        <p:txBody>
-          <a:bodyPr/>
-          <a:lstStyle/>
-          <a:p>
-            <a:fld id="{FDE934FF-F4E1-47C5-9CA5-30A81DDE2BE4}" type="datetimeFigureOut">
-              <a:rPr lang="en-US" smtClean="0"/>
-            </a:fld>
-            <a:endParaRPr lang="en-US"/>
-          </a:p>
-        </p:txBody>
-      </p:sp>
-      <p:sp>
-        <p:nvSpPr>
-          <p:cNvPr id="5" name="Footer Placeholder 4"/>
-          <p:cNvSpPr>
-            <a:spLocks noGrp="1"/>
-          </p:cNvSpPr>
-          <p:nvPr>
-            <p:ph type="ftr" sz="quarter" idx="11"/>
-          </p:nvPr>
-        </p:nvSpPr>
-        <p:spPr/>
-        <p:txBody>
-          <a:bodyPr/>
-          <a:lstStyle/>
-          <a:p>
-            <a:endParaRPr lang="en-US"/>
-          </a:p>
-        </p:txBody>
-      </p:sp>
-      <p:sp>
-        <p:nvSpPr>
-          <p:cNvPr id="6" name="Slide Number Placeholder 5"/>
-          <p:cNvSpPr>
-            <a:spLocks noGrp="1"/>
-          </p:cNvSpPr>
-          <p:nvPr>
-            <p:ph type="sldNum" sz="quarter" idx="12"/>
-          </p:nvPr>
-        </p:nvSpPr>
-        <p:spPr/>
-        <p:txBody>
-          <a:bodyPr/>
-          <a:lstStyle/>
-          <a:p>
-            <a:fld id="{B3561BA9-CDCF-4958-B8AB-66F3BF063E13}" type="slidenum">
-              <a:rPr lang="en-US" smtClean="0"/>
-            </a:fld>
-            <a:endParaRPr lang="en-US"/>
+            <a:pPr lvl="0"/>
+            <a:r>
+              <a:rPr lang="zh-CN" altLang="en-US" noProof="0" smtClean="0"/>
+              <a:t>单击以编辑母版副标题样式</a:t>
+            </a:r>
+            <a:endParaRPr lang="en-US" altLang="ko-KR" noProof="0" smtClean="0"/>
           </a:p>
         </p:txBody>
       </p:sp>
@@ -783,12 +1049,19 @@
   <p:clrMapOvr>
     <a:masterClrMapping/>
   </p:clrMapOvr>
+  <p:timing>
+    <p:tnLst>
+      <p:par>
+        <p:cTn id="1" dur="indefinite" restart="never" nodeType="tmRoot"/>
+      </p:par>
+    </p:tnLst>
+  </p:timing>
 </p:sldLayout>
 </file>
 
-<file path=ppt/slideLayouts/slideLayout10.xml><?xml version="1.0" encoding="utf-8"?>
-<p:sldLayout xmlns:a="http://schemas.openxmlformats.org/drawingml/2006/main" xmlns:r="http://schemas.openxmlformats.org/officeDocument/2006/relationships" xmlns:p="http://schemas.openxmlformats.org/presentationml/2006/main" type="vertTx" preserve="1">
-  <p:cSld name="Title and Vertical Text">
+<file path=ppt/slideLayouts/slideLayout2.xml><?xml version="1.0" encoding="utf-8"?>
+<p:sldLayout xmlns:a="http://schemas.openxmlformats.org/drawingml/2006/main" xmlns:r="http://schemas.openxmlformats.org/officeDocument/2006/relationships" xmlns:p="http://schemas.openxmlformats.org/presentationml/2006/main" type="obj" preserve="1">
+  <p:cSld name="标题和内容">
     <p:spTree>
       <p:nvGrpSpPr>
         <p:cNvPr id="1" name=""/>
@@ -805,7 +1078,7 @@
       </p:grpSpPr>
       <p:sp>
         <p:nvSpPr>
-          <p:cNvPr id="2" name="Title 1"/>
+          <p:cNvPr id="2" name="标题 1"/>
           <p:cNvSpPr>
             <a:spLocks noGrp="1"/>
           </p:cNvSpPr>
@@ -819,8 +1092,8 @@
           <a:lstStyle/>
           <a:p>
             <a:r>
-              <a:rPr lang="en-US" smtClean="0"/>
-              <a:t>Click to edit Master title style</a:t>
+              <a:rPr lang="zh-CN" altLang="en-US" smtClean="0"/>
+              <a:t>单击此处编辑母版标题样式</a:t>
             </a:r>
             <a:endParaRPr lang="en-US"/>
           </a:p>
@@ -828,68 +1101,12 @@
       </p:sp>
       <p:sp>
         <p:nvSpPr>
-          <p:cNvPr id="3" name="Vertical Text Placeholder 2"/>
+          <p:cNvPr id="3" name="内容占位符 2"/>
           <p:cNvSpPr>
             <a:spLocks noGrp="1"/>
           </p:cNvSpPr>
           <p:nvPr>
-            <p:ph type="body" orient="vert" idx="1"/>
-          </p:nvPr>
-        </p:nvSpPr>
-        <p:spPr/>
-        <p:txBody>
-          <a:bodyPr vert="eaVert"/>
-          <a:lstStyle/>
-          <a:p>
-            <a:pPr lvl="0"/>
-            <a:r>
-              <a:rPr lang="en-US" smtClean="0"/>
-              <a:t>Click to edit Master text styles</a:t>
-            </a:r>
-            <a:endParaRPr lang="en-US" smtClean="0"/>
-          </a:p>
-          <a:p>
-            <a:pPr lvl="1"/>
-            <a:r>
-              <a:rPr lang="en-US" smtClean="0"/>
-              <a:t>Second level</a:t>
-            </a:r>
-            <a:endParaRPr lang="en-US" smtClean="0"/>
-          </a:p>
-          <a:p>
-            <a:pPr lvl="2"/>
-            <a:r>
-              <a:rPr lang="en-US" smtClean="0"/>
-              <a:t>Third level</a:t>
-            </a:r>
-            <a:endParaRPr lang="en-US" smtClean="0"/>
-          </a:p>
-          <a:p>
-            <a:pPr lvl="3"/>
-            <a:r>
-              <a:rPr lang="en-US" smtClean="0"/>
-              <a:t>Fourth level</a:t>
-            </a:r>
-            <a:endParaRPr lang="en-US" smtClean="0"/>
-          </a:p>
-          <a:p>
-            <a:pPr lvl="4"/>
-            <a:r>
-              <a:rPr lang="en-US" smtClean="0"/>
-              <a:t>Fifth level</a:t>
-            </a:r>
-            <a:endParaRPr lang="en-US"/>
-          </a:p>
-        </p:txBody>
-      </p:sp>
-      <p:sp>
-        <p:nvSpPr>
-          <p:cNvPr id="4" name="Date Placeholder 3"/>
-          <p:cNvSpPr>
-            <a:spLocks noGrp="1"/>
-          </p:cNvSpPr>
-          <p:nvPr>
-            <p:ph type="dt" sz="half" idx="10"/>
+            <p:ph idx="1"/>
           </p:nvPr>
         </p:nvSpPr>
         <p:spPr/>
@@ -897,16 +1114,46 @@
           <a:bodyPr/>
           <a:lstStyle/>
           <a:p>
-            <a:fld id="{FDE934FF-F4E1-47C5-9CA5-30A81DDE2BE4}" type="datetimeFigureOut">
-              <a:rPr lang="en-US" smtClean="0"/>
-            </a:fld>
+            <a:pPr lvl="0"/>
+            <a:r>
+              <a:rPr lang="zh-CN" altLang="en-US" smtClean="0"/>
+              <a:t>编辑母版文本样式</a:t>
+            </a:r>
+          </a:p>
+          <a:p>
+            <a:pPr lvl="1"/>
+            <a:r>
+              <a:rPr lang="zh-CN" altLang="en-US" smtClean="0"/>
+              <a:t>第二级</a:t>
+            </a:r>
+          </a:p>
+          <a:p>
+            <a:pPr lvl="2"/>
+            <a:r>
+              <a:rPr lang="zh-CN" altLang="en-US" smtClean="0"/>
+              <a:t>第三级</a:t>
+            </a:r>
+          </a:p>
+          <a:p>
+            <a:pPr lvl="3"/>
+            <a:r>
+              <a:rPr lang="zh-CN" altLang="en-US" smtClean="0"/>
+              <a:t>第四级</a:t>
+            </a:r>
+          </a:p>
+          <a:p>
+            <a:pPr lvl="4"/>
+            <a:r>
+              <a:rPr lang="zh-CN" altLang="en-US" smtClean="0"/>
+              <a:t>第五级</a:t>
+            </a:r>
             <a:endParaRPr lang="en-US"/>
           </a:p>
         </p:txBody>
       </p:sp>
       <p:sp>
         <p:nvSpPr>
-          <p:cNvPr id="5" name="Footer Placeholder 4"/>
+          <p:cNvPr id="5" name="页脚占位符 4"/>
           <p:cNvSpPr>
             <a:spLocks noGrp="1"/>
           </p:cNvSpPr>
@@ -917,15 +1164,22 @@
         <p:spPr/>
         <p:txBody>
           <a:bodyPr/>
-          <a:lstStyle/>
-          <a:p>
-            <a:endParaRPr lang="en-US"/>
+          <a:lstStyle>
+            <a:lvl1pPr>
+              <a:defRPr/>
+            </a:lvl1pPr>
+          </a:lstStyle>
+          <a:p>
+            <a:r>
+              <a:rPr lang="en-US" altLang="ko-KR"/>
+              <a:t>Company Logo</a:t>
+            </a:r>
           </a:p>
         </p:txBody>
       </p:sp>
       <p:sp>
         <p:nvSpPr>
-          <p:cNvPr id="6" name="Slide Number Placeholder 5"/>
+          <p:cNvPr id="6" name="灯片编号占位符 5"/>
           <p:cNvSpPr>
             <a:spLocks noGrp="1"/>
           </p:cNvSpPr>
@@ -936,26 +1190,44 @@
         <p:spPr/>
         <p:txBody>
           <a:bodyPr/>
-          <a:lstStyle/>
-          <a:p>
-            <a:fld id="{B3561BA9-CDCF-4958-B8AB-66F3BF063E13}" type="slidenum">
-              <a:rPr lang="en-US" smtClean="0"/>
+          <a:lstStyle>
+            <a:lvl1pPr>
+              <a:defRPr/>
+            </a:lvl1pPr>
+          </a:lstStyle>
+          <a:p>
+            <a:fld id="{1100FA7A-A937-4A00-85C4-F797F02504A4}" type="slidenum">
+              <a:rPr lang="ko-KR" altLang="en-US"/>
+              <a:pPr/>
+              <a:t>‹#›</a:t>
             </a:fld>
-            <a:endParaRPr lang="en-US"/>
+            <a:endParaRPr lang="en-US" altLang="ko-KR"/>
           </a:p>
         </p:txBody>
       </p:sp>
     </p:spTree>
+    <p:extLst>
+      <p:ext uri="{BB962C8B-B14F-4D97-AF65-F5344CB8AC3E}">
+        <p14:creationId xmlns:p14="http://schemas.microsoft.com/office/powerpoint/2010/main" val="3220352050"/>
+      </p:ext>
+    </p:extLst>
   </p:cSld>
   <p:clrMapOvr>
     <a:masterClrMapping/>
   </p:clrMapOvr>
+  <p:timing>
+    <p:tnLst>
+      <p:par>
+        <p:cTn id="1" dur="indefinite" restart="never" nodeType="tmRoot"/>
+      </p:par>
+    </p:tnLst>
+  </p:timing>
 </p:sldLayout>
 </file>
 
-<file path=ppt/slideLayouts/slideLayout11.xml><?xml version="1.0" encoding="utf-8"?>
-<p:sldLayout xmlns:a="http://schemas.openxmlformats.org/drawingml/2006/main" xmlns:r="http://schemas.openxmlformats.org/officeDocument/2006/relationships" xmlns:p="http://schemas.openxmlformats.org/presentationml/2006/main" type="vertTitleAndTx" preserve="1">
-  <p:cSld name="Vertical Title and Text">
+<file path=ppt/slideLayouts/slideLayout3.xml><?xml version="1.0" encoding="utf-8"?>
+<p:sldLayout xmlns:a="http://schemas.openxmlformats.org/drawingml/2006/main" xmlns:r="http://schemas.openxmlformats.org/officeDocument/2006/relationships" xmlns:p="http://schemas.openxmlformats.org/presentationml/2006/main" type="secHead" preserve="1">
+  <p:cSld name="节标题">
     <p:spTree>
       <p:nvGrpSpPr>
         <p:cNvPr id="1" name=""/>
@@ -972,27 +1244,31 @@
       </p:grpSpPr>
       <p:sp>
         <p:nvSpPr>
-          <p:cNvPr id="2" name="Vertical Title 1"/>
+          <p:cNvPr id="2" name="标题 1"/>
           <p:cNvSpPr>
             <a:spLocks noGrp="1"/>
           </p:cNvSpPr>
           <p:nvPr>
-            <p:ph type="title" orient="vert"/>
+            <p:ph type="title"/>
           </p:nvPr>
         </p:nvSpPr>
         <p:spPr>
           <a:xfrm>
-            <a:off x="6543685" y="365126"/>
-            <a:ext cx="1971678" cy="5811846"/>
+            <a:off x="623888" y="1709738"/>
+            <a:ext cx="7886700" cy="2852737"/>
           </a:xfrm>
         </p:spPr>
         <p:txBody>
-          <a:bodyPr vert="eaVert"/>
-          <a:lstStyle/>
-          <a:p>
-            <a:r>
-              <a:rPr lang="en-US" smtClean="0"/>
-              <a:t>Click to edit Master title style</a:t>
+          <a:bodyPr anchor="b"/>
+          <a:lstStyle>
+            <a:lvl1pPr>
+              <a:defRPr sz="6000"/>
+            </a:lvl1pPr>
+          </a:lstStyle>
+          <a:p>
+            <a:r>
+              <a:rPr lang="zh-CN" altLang="en-US" smtClean="0"/>
+              <a:t>单击此处编辑母版标题样式</a:t>
             </a:r>
             <a:endParaRPr lang="en-US"/>
           </a:p>
@@ -1000,90 +1276,72 @@
       </p:sp>
       <p:sp>
         <p:nvSpPr>
-          <p:cNvPr id="3" name="Vertical Text Placeholder 2"/>
+          <p:cNvPr id="3" name="文本占位符 2"/>
           <p:cNvSpPr>
             <a:spLocks noGrp="1"/>
           </p:cNvSpPr>
           <p:nvPr>
-            <p:ph type="body" orient="vert" idx="1"/>
+            <p:ph type="body" idx="1"/>
           </p:nvPr>
         </p:nvSpPr>
         <p:spPr>
           <a:xfrm>
-            <a:off x="628651" y="365126"/>
-            <a:ext cx="5800734" cy="5811846"/>
+            <a:off x="623888" y="4589463"/>
+            <a:ext cx="7886700" cy="1500187"/>
           </a:xfrm>
         </p:spPr>
         <p:txBody>
-          <a:bodyPr vert="eaVert"/>
-          <a:lstStyle/>
+          <a:bodyPr/>
+          <a:lstStyle>
+            <a:lvl1pPr marL="0" indent="0">
+              <a:buNone/>
+              <a:defRPr sz="2400"/>
+            </a:lvl1pPr>
+            <a:lvl2pPr marL="457200" indent="0">
+              <a:buNone/>
+              <a:defRPr sz="2000"/>
+            </a:lvl2pPr>
+            <a:lvl3pPr marL="914400" indent="0">
+              <a:buNone/>
+              <a:defRPr sz="1800"/>
+            </a:lvl3pPr>
+            <a:lvl4pPr marL="1371600" indent="0">
+              <a:buNone/>
+              <a:defRPr sz="1600"/>
+            </a:lvl4pPr>
+            <a:lvl5pPr marL="1828800" indent="0">
+              <a:buNone/>
+              <a:defRPr sz="1600"/>
+            </a:lvl5pPr>
+            <a:lvl6pPr marL="2286000" indent="0">
+              <a:buNone/>
+              <a:defRPr sz="1600"/>
+            </a:lvl6pPr>
+            <a:lvl7pPr marL="2743200" indent="0">
+              <a:buNone/>
+              <a:defRPr sz="1600"/>
+            </a:lvl7pPr>
+            <a:lvl8pPr marL="3200400" indent="0">
+              <a:buNone/>
+              <a:defRPr sz="1600"/>
+            </a:lvl8pPr>
+            <a:lvl9pPr marL="3657600" indent="0">
+              <a:buNone/>
+              <a:defRPr sz="1600"/>
+            </a:lvl9pPr>
+          </a:lstStyle>
           <a:p>
             <a:pPr lvl="0"/>
             <a:r>
-              <a:rPr lang="en-US" smtClean="0"/>
-              <a:t>Click to edit Master text styles</a:t>
-            </a:r>
-            <a:endParaRPr lang="en-US" smtClean="0"/>
-          </a:p>
-          <a:p>
-            <a:pPr lvl="1"/>
-            <a:r>
-              <a:rPr lang="en-US" smtClean="0"/>
-              <a:t>Second level</a:t>
-            </a:r>
-            <a:endParaRPr lang="en-US" smtClean="0"/>
-          </a:p>
-          <a:p>
-            <a:pPr lvl="2"/>
-            <a:r>
-              <a:rPr lang="en-US" smtClean="0"/>
-              <a:t>Third level</a:t>
-            </a:r>
-            <a:endParaRPr lang="en-US" smtClean="0"/>
-          </a:p>
-          <a:p>
-            <a:pPr lvl="3"/>
-            <a:r>
-              <a:rPr lang="en-US" smtClean="0"/>
-              <a:t>Fourth level</a:t>
-            </a:r>
-            <a:endParaRPr lang="en-US" smtClean="0"/>
-          </a:p>
-          <a:p>
-            <a:pPr lvl="4"/>
-            <a:r>
-              <a:rPr lang="en-US" smtClean="0"/>
-              <a:t>Fifth level</a:t>
-            </a:r>
-            <a:endParaRPr lang="en-US"/>
+              <a:rPr lang="zh-CN" altLang="en-US" smtClean="0"/>
+              <a:t>编辑母版文本样式</a:t>
+            </a:r>
           </a:p>
         </p:txBody>
       </p:sp>
       <p:sp>
         <p:nvSpPr>
-          <p:cNvPr id="4" name="Date Placeholder 3"/>
-          <p:cNvSpPr>
-            <a:spLocks noGrp="1"/>
-          </p:cNvSpPr>
-          <p:nvPr>
-            <p:ph type="dt" sz="half" idx="10"/>
-          </p:nvPr>
-        </p:nvSpPr>
-        <p:spPr/>
-        <p:txBody>
-          <a:bodyPr/>
-          <a:lstStyle/>
-          <a:p>
-            <a:fld id="{FDE934FF-F4E1-47C5-9CA5-30A81DDE2BE4}" type="datetimeFigureOut">
-              <a:rPr lang="en-US" smtClean="0"/>
-            </a:fld>
-            <a:endParaRPr lang="en-US"/>
-          </a:p>
-        </p:txBody>
-      </p:sp>
-      <p:sp>
-        <p:nvSpPr>
-          <p:cNvPr id="5" name="Footer Placeholder 4"/>
+          <p:cNvPr id="5" name="页脚占位符 4"/>
           <p:cNvSpPr>
             <a:spLocks noGrp="1"/>
           </p:cNvSpPr>
@@ -1094,15 +1352,22 @@
         <p:spPr/>
         <p:txBody>
           <a:bodyPr/>
-          <a:lstStyle/>
-          <a:p>
-            <a:endParaRPr lang="en-US"/>
+          <a:lstStyle>
+            <a:lvl1pPr>
+              <a:defRPr/>
+            </a:lvl1pPr>
+          </a:lstStyle>
+          <a:p>
+            <a:r>
+              <a:rPr lang="en-US" altLang="ko-KR"/>
+              <a:t>Company Logo</a:t>
+            </a:r>
           </a:p>
         </p:txBody>
       </p:sp>
       <p:sp>
         <p:nvSpPr>
-          <p:cNvPr id="6" name="Slide Number Placeholder 5"/>
+          <p:cNvPr id="6" name="灯片编号占位符 5"/>
           <p:cNvSpPr>
             <a:spLocks noGrp="1"/>
           </p:cNvSpPr>
@@ -1113,26 +1378,44 @@
         <p:spPr/>
         <p:txBody>
           <a:bodyPr/>
-          <a:lstStyle/>
-          <a:p>
-            <a:fld id="{B3561BA9-CDCF-4958-B8AB-66F3BF063E13}" type="slidenum">
-              <a:rPr lang="en-US" smtClean="0"/>
+          <a:lstStyle>
+            <a:lvl1pPr>
+              <a:defRPr/>
+            </a:lvl1pPr>
+          </a:lstStyle>
+          <a:p>
+            <a:fld id="{6925B5DE-C689-473E-BE54-3FEBBBC39FB3}" type="slidenum">
+              <a:rPr lang="ko-KR" altLang="en-US"/>
+              <a:pPr/>
+              <a:t>‹#›</a:t>
             </a:fld>
-            <a:endParaRPr lang="en-US"/>
+            <a:endParaRPr lang="en-US" altLang="ko-KR"/>
           </a:p>
         </p:txBody>
       </p:sp>
     </p:spTree>
+    <p:extLst>
+      <p:ext uri="{BB962C8B-B14F-4D97-AF65-F5344CB8AC3E}">
+        <p14:creationId xmlns:p14="http://schemas.microsoft.com/office/powerpoint/2010/main" val="133738985"/>
+      </p:ext>
+    </p:extLst>
   </p:cSld>
   <p:clrMapOvr>
     <a:masterClrMapping/>
   </p:clrMapOvr>
+  <p:timing>
+    <p:tnLst>
+      <p:par>
+        <p:cTn id="1" dur="indefinite" restart="never" nodeType="tmRoot"/>
+      </p:par>
+    </p:tnLst>
+  </p:timing>
 </p:sldLayout>
 </file>
 
-<file path=ppt/slideLayouts/slideLayout2.xml><?xml version="1.0" encoding="utf-8"?>
-<p:sldLayout xmlns:a="http://schemas.openxmlformats.org/drawingml/2006/main" xmlns:r="http://schemas.openxmlformats.org/officeDocument/2006/relationships" xmlns:p="http://schemas.openxmlformats.org/presentationml/2006/main" type="obj" preserve="1">
-  <p:cSld name="Title and Content">
+<file path=ppt/slideLayouts/slideLayout4.xml><?xml version="1.0" encoding="utf-8"?>
+<p:sldLayout xmlns:a="http://schemas.openxmlformats.org/drawingml/2006/main" xmlns:r="http://schemas.openxmlformats.org/officeDocument/2006/relationships" xmlns:p="http://schemas.openxmlformats.org/presentationml/2006/main" type="twoObj" preserve="1">
+  <p:cSld name="两栏内容">
     <p:spTree>
       <p:nvGrpSpPr>
         <p:cNvPr id="1" name=""/>
@@ -1149,7 +1432,7 @@
       </p:grpSpPr>
       <p:sp>
         <p:nvSpPr>
-          <p:cNvPr id="2" name="Title 1"/>
+          <p:cNvPr id="2" name="标题 1"/>
           <p:cNvSpPr>
             <a:spLocks noGrp="1"/>
           </p:cNvSpPr>
@@ -1163,8 +1446,8 @@
           <a:lstStyle/>
           <a:p>
             <a:r>
-              <a:rPr lang="en-US" smtClean="0"/>
-              <a:t>Click to edit Master title style</a:t>
+              <a:rPr lang="zh-CN" altLang="en-US" smtClean="0"/>
+              <a:t>单击此处编辑母版标题样式</a:t>
             </a:r>
             <a:endParaRPr lang="en-US"/>
           </a:p>
@@ -1172,55 +1455,56 @@
       </p:sp>
       <p:sp>
         <p:nvSpPr>
-          <p:cNvPr id="3" name="Content Placeholder 2"/>
+          <p:cNvPr id="3" name="内容占位符 2"/>
           <p:cNvSpPr>
             <a:spLocks noGrp="1"/>
           </p:cNvSpPr>
           <p:nvPr>
-            <p:ph idx="1"/>
+            <p:ph sz="half" idx="1"/>
           </p:nvPr>
         </p:nvSpPr>
-        <p:spPr/>
+        <p:spPr>
+          <a:xfrm>
+            <a:off x="457200" y="1268413"/>
+            <a:ext cx="4038600" cy="5056187"/>
+          </a:xfrm>
+        </p:spPr>
         <p:txBody>
           <a:bodyPr/>
           <a:lstStyle/>
           <a:p>
             <a:pPr lvl="0"/>
             <a:r>
-              <a:rPr lang="en-US" smtClean="0"/>
-              <a:t>Click to edit Master text styles</a:t>
-            </a:r>
-            <a:endParaRPr lang="en-US" smtClean="0"/>
+              <a:rPr lang="zh-CN" altLang="en-US" smtClean="0"/>
+              <a:t>编辑母版文本样式</a:t>
+            </a:r>
           </a:p>
           <a:p>
             <a:pPr lvl="1"/>
             <a:r>
-              <a:rPr lang="en-US" smtClean="0"/>
-              <a:t>Second level</a:t>
-            </a:r>
-            <a:endParaRPr lang="en-US" smtClean="0"/>
+              <a:rPr lang="zh-CN" altLang="en-US" smtClean="0"/>
+              <a:t>第二级</a:t>
+            </a:r>
           </a:p>
           <a:p>
             <a:pPr lvl="2"/>
             <a:r>
-              <a:rPr lang="en-US" smtClean="0"/>
-              <a:t>Third level</a:t>
-            </a:r>
-            <a:endParaRPr lang="en-US" smtClean="0"/>
+              <a:rPr lang="zh-CN" altLang="en-US" smtClean="0"/>
+              <a:t>第三级</a:t>
+            </a:r>
           </a:p>
           <a:p>
             <a:pPr lvl="3"/>
             <a:r>
-              <a:rPr lang="en-US" smtClean="0"/>
-              <a:t>Fourth level</a:t>
-            </a:r>
-            <a:endParaRPr lang="en-US" smtClean="0"/>
+              <a:rPr lang="zh-CN" altLang="en-US" smtClean="0"/>
+              <a:t>第四级</a:t>
+            </a:r>
           </a:p>
           <a:p>
             <a:pPr lvl="4"/>
             <a:r>
-              <a:rPr lang="en-US" smtClean="0"/>
-              <a:t>Fifth level</a:t>
+              <a:rPr lang="zh-CN" altLang="en-US" smtClean="0"/>
+              <a:t>第五级</a:t>
             </a:r>
             <a:endParaRPr lang="en-US"/>
           </a:p>
@@ -1228,29 +1512,64 @@
       </p:sp>
       <p:sp>
         <p:nvSpPr>
-          <p:cNvPr id="4" name="Date Placeholder 3"/>
+          <p:cNvPr id="4" name="内容占位符 3"/>
           <p:cNvSpPr>
             <a:spLocks noGrp="1"/>
           </p:cNvSpPr>
           <p:nvPr>
-            <p:ph type="dt" sz="half" idx="10"/>
+            <p:ph sz="half" idx="2"/>
           </p:nvPr>
         </p:nvSpPr>
-        <p:spPr/>
+        <p:spPr>
+          <a:xfrm>
+            <a:off x="4648200" y="1268413"/>
+            <a:ext cx="4038600" cy="5056187"/>
+          </a:xfrm>
+        </p:spPr>
         <p:txBody>
           <a:bodyPr/>
           <a:lstStyle/>
           <a:p>
-            <a:fld id="{FDE934FF-F4E1-47C5-9CA5-30A81DDE2BE4}" type="datetimeFigureOut">
-              <a:rPr lang="en-US" smtClean="0"/>
-            </a:fld>
+            <a:pPr lvl="0"/>
+            <a:r>
+              <a:rPr lang="zh-CN" altLang="en-US" smtClean="0"/>
+              <a:t>编辑母版文本样式</a:t>
+            </a:r>
+          </a:p>
+          <a:p>
+            <a:pPr lvl="1"/>
+            <a:r>
+              <a:rPr lang="zh-CN" altLang="en-US" smtClean="0"/>
+              <a:t>第二级</a:t>
+            </a:r>
+          </a:p>
+          <a:p>
+            <a:pPr lvl="2"/>
+            <a:r>
+              <a:rPr lang="zh-CN" altLang="en-US" smtClean="0"/>
+              <a:t>第三级</a:t>
+            </a:r>
+          </a:p>
+          <a:p>
+            <a:pPr lvl="3"/>
+            <a:r>
+              <a:rPr lang="zh-CN" altLang="en-US" smtClean="0"/>
+              <a:t>第四级</a:t>
+            </a:r>
+          </a:p>
+          <a:p>
+            <a:pPr lvl="4"/>
+            <a:r>
+              <a:rPr lang="zh-CN" altLang="en-US" smtClean="0"/>
+              <a:t>第五级</a:t>
+            </a:r>
             <a:endParaRPr lang="en-US"/>
           </a:p>
         </p:txBody>
       </p:sp>
       <p:sp>
         <p:nvSpPr>
-          <p:cNvPr id="5" name="Footer Placeholder 4"/>
+          <p:cNvPr id="6" name="页脚占位符 5"/>
           <p:cNvSpPr>
             <a:spLocks noGrp="1"/>
           </p:cNvSpPr>
@@ -1261,15 +1580,22 @@
         <p:spPr/>
         <p:txBody>
           <a:bodyPr/>
-          <a:lstStyle/>
-          <a:p>
-            <a:endParaRPr lang="en-US"/>
+          <a:lstStyle>
+            <a:lvl1pPr>
+              <a:defRPr/>
+            </a:lvl1pPr>
+          </a:lstStyle>
+          <a:p>
+            <a:r>
+              <a:rPr lang="en-US" altLang="ko-KR"/>
+              <a:t>Company Logo</a:t>
+            </a:r>
           </a:p>
         </p:txBody>
       </p:sp>
       <p:sp>
         <p:nvSpPr>
-          <p:cNvPr id="6" name="Slide Number Placeholder 5"/>
+          <p:cNvPr id="7" name="灯片编号占位符 6"/>
           <p:cNvSpPr>
             <a:spLocks noGrp="1"/>
           </p:cNvSpPr>
@@ -1280,26 +1606,44 @@
         <p:spPr/>
         <p:txBody>
           <a:bodyPr/>
-          <a:lstStyle/>
-          <a:p>
-            <a:fld id="{B3561BA9-CDCF-4958-B8AB-66F3BF063E13}" type="slidenum">
-              <a:rPr lang="en-US" smtClean="0"/>
+          <a:lstStyle>
+            <a:lvl1pPr>
+              <a:defRPr/>
+            </a:lvl1pPr>
+          </a:lstStyle>
+          <a:p>
+            <a:fld id="{5884EDA6-8308-41E9-847C-324B96841243}" type="slidenum">
+              <a:rPr lang="ko-KR" altLang="en-US"/>
+              <a:pPr/>
+              <a:t>‹#›</a:t>
             </a:fld>
-            <a:endParaRPr lang="en-US"/>
+            <a:endParaRPr lang="en-US" altLang="ko-KR"/>
           </a:p>
         </p:txBody>
       </p:sp>
     </p:spTree>
+    <p:extLst>
+      <p:ext uri="{BB962C8B-B14F-4D97-AF65-F5344CB8AC3E}">
+        <p14:creationId xmlns:p14="http://schemas.microsoft.com/office/powerpoint/2010/main" val="2033677480"/>
+      </p:ext>
+    </p:extLst>
   </p:cSld>
   <p:clrMapOvr>
     <a:masterClrMapping/>
   </p:clrMapOvr>
+  <p:timing>
+    <p:tnLst>
+      <p:par>
+        <p:cTn id="1" dur="indefinite" restart="never" nodeType="tmRoot"/>
+      </p:par>
+    </p:tnLst>
+  </p:timing>
 </p:sldLayout>
 </file>
 
-<file path=ppt/slideLayouts/slideLayout3.xml><?xml version="1.0" encoding="utf-8"?>
-<p:sldLayout xmlns:a="http://schemas.openxmlformats.org/drawingml/2006/main" xmlns:r="http://schemas.openxmlformats.org/officeDocument/2006/relationships" xmlns:p="http://schemas.openxmlformats.org/presentationml/2006/main" type="secHead" preserve="1">
-  <p:cSld name="Section Header">
+<file path=ppt/slideLayouts/slideLayout5.xml><?xml version="1.0" encoding="utf-8"?>
+<p:sldLayout xmlns:a="http://schemas.openxmlformats.org/drawingml/2006/main" xmlns:r="http://schemas.openxmlformats.org/officeDocument/2006/relationships" xmlns:p="http://schemas.openxmlformats.org/presentationml/2006/main" type="twoTxTwoObj" preserve="1">
+  <p:cSld name="比较">
     <p:spTree>
       <p:nvGrpSpPr>
         <p:cNvPr id="1" name=""/>
@@ -1316,7 +1660,7 @@
       </p:grpSpPr>
       <p:sp>
         <p:nvSpPr>
-          <p:cNvPr id="2" name="Title 1"/>
+          <p:cNvPr id="2" name="标题 1"/>
           <p:cNvSpPr>
             <a:spLocks noGrp="1"/>
           </p:cNvSpPr>
@@ -1326,21 +1670,17 @@
         </p:nvSpPr>
         <p:spPr>
           <a:xfrm>
-            <a:off x="623888" y="1709740"/>
-            <a:ext cx="7886712" cy="2852741"/>
+            <a:off x="630238" y="365125"/>
+            <a:ext cx="7886700" cy="1325563"/>
           </a:xfrm>
         </p:spPr>
         <p:txBody>
-          <a:bodyPr anchor="b"/>
-          <a:lstStyle>
-            <a:lvl1pPr>
-              <a:defRPr sz="6000"/>
-            </a:lvl1pPr>
-          </a:lstStyle>
-          <a:p>
-            <a:r>
-              <a:rPr lang="en-US" smtClean="0"/>
-              <a:t>Click to edit Master title style</a:t>
+          <a:bodyPr/>
+          <a:lstStyle/>
+          <a:p>
+            <a:r>
+              <a:rPr lang="zh-CN" altLang="en-US" smtClean="0"/>
+              <a:t>单击此处编辑母版标题样式</a:t>
             </a:r>
             <a:endParaRPr lang="en-US"/>
           </a:p>
@@ -1348,7 +1688,7 @@
       </p:sp>
       <p:sp>
         <p:nvSpPr>
-          <p:cNvPr id="3" name="Text Placeholder 2"/>
+          <p:cNvPr id="3" name="文本占位符 2"/>
           <p:cNvSpPr>
             <a:spLocks noGrp="1"/>
           </p:cNvSpPr>
@@ -1358,476 +1698,8 @@
         </p:nvSpPr>
         <p:spPr>
           <a:xfrm>
-            <a:off x="623888" y="4589470"/>
-            <a:ext cx="7886712" cy="1500189"/>
-          </a:xfrm>
-        </p:spPr>
-        <p:txBody>
-          <a:bodyPr/>
-          <a:lstStyle>
-            <a:lvl1pPr marL="0" indent="0">
-              <a:buNone/>
-              <a:defRPr sz="2400">
-                <a:solidFill>
-                  <a:schemeClr val="tx1">
-                    <a:tint val="75000"/>
-                  </a:schemeClr>
-                </a:solidFill>
-              </a:defRPr>
-            </a:lvl1pPr>
-            <a:lvl2pPr marL="457200" indent="0">
-              <a:buNone/>
-              <a:defRPr sz="2000">
-                <a:solidFill>
-                  <a:schemeClr val="tx1">
-                    <a:tint val="75000"/>
-                  </a:schemeClr>
-                </a:solidFill>
-              </a:defRPr>
-            </a:lvl2pPr>
-            <a:lvl3pPr marL="914400" indent="0">
-              <a:buNone/>
-              <a:defRPr sz="1800">
-                <a:solidFill>
-                  <a:schemeClr val="tx1">
-                    <a:tint val="75000"/>
-                  </a:schemeClr>
-                </a:solidFill>
-              </a:defRPr>
-            </a:lvl3pPr>
-            <a:lvl4pPr marL="1371600" indent="0">
-              <a:buNone/>
-              <a:defRPr sz="1600">
-                <a:solidFill>
-                  <a:schemeClr val="tx1">
-                    <a:tint val="75000"/>
-                  </a:schemeClr>
-                </a:solidFill>
-              </a:defRPr>
-            </a:lvl4pPr>
-            <a:lvl5pPr marL="1828800" indent="0">
-              <a:buNone/>
-              <a:defRPr sz="1600">
-                <a:solidFill>
-                  <a:schemeClr val="tx1">
-                    <a:tint val="75000"/>
-                  </a:schemeClr>
-                </a:solidFill>
-              </a:defRPr>
-            </a:lvl5pPr>
-            <a:lvl6pPr marL="2286000" indent="0">
-              <a:buNone/>
-              <a:defRPr sz="1600">
-                <a:solidFill>
-                  <a:schemeClr val="tx1">
-                    <a:tint val="75000"/>
-                  </a:schemeClr>
-                </a:solidFill>
-              </a:defRPr>
-            </a:lvl6pPr>
-            <a:lvl7pPr marL="2743200" indent="0">
-              <a:buNone/>
-              <a:defRPr sz="1600">
-                <a:solidFill>
-                  <a:schemeClr val="tx1">
-                    <a:tint val="75000"/>
-                  </a:schemeClr>
-                </a:solidFill>
-              </a:defRPr>
-            </a:lvl7pPr>
-            <a:lvl8pPr marL="3200400" indent="0">
-              <a:buNone/>
-              <a:defRPr sz="1600">
-                <a:solidFill>
-                  <a:schemeClr val="tx1">
-                    <a:tint val="75000"/>
-                  </a:schemeClr>
-                </a:solidFill>
-              </a:defRPr>
-            </a:lvl8pPr>
-            <a:lvl9pPr marL="3657600" indent="0">
-              <a:buNone/>
-              <a:defRPr sz="1600">
-                <a:solidFill>
-                  <a:schemeClr val="tx1">
-                    <a:tint val="75000"/>
-                  </a:schemeClr>
-                </a:solidFill>
-              </a:defRPr>
-            </a:lvl9pPr>
-          </a:lstStyle>
-          <a:p>
-            <a:pPr lvl="0"/>
-            <a:r>
-              <a:rPr lang="en-US" smtClean="0"/>
-              <a:t>Click to edit Master text styles</a:t>
-            </a:r>
-          </a:p>
-        </p:txBody>
-      </p:sp>
-      <p:sp>
-        <p:nvSpPr>
-          <p:cNvPr id="4" name="Date Placeholder 3"/>
-          <p:cNvSpPr>
-            <a:spLocks noGrp="1"/>
-          </p:cNvSpPr>
-          <p:nvPr>
-            <p:ph type="dt" sz="half" idx="10"/>
-          </p:nvPr>
-        </p:nvSpPr>
-        <p:spPr/>
-        <p:txBody>
-          <a:bodyPr/>
-          <a:lstStyle/>
-          <a:p>
-            <a:fld id="{FDE934FF-F4E1-47C5-9CA5-30A81DDE2BE4}" type="datetimeFigureOut">
-              <a:rPr lang="en-US" smtClean="0"/>
-            </a:fld>
-            <a:endParaRPr lang="en-US"/>
-          </a:p>
-        </p:txBody>
-      </p:sp>
-      <p:sp>
-        <p:nvSpPr>
-          <p:cNvPr id="5" name="Footer Placeholder 4"/>
-          <p:cNvSpPr>
-            <a:spLocks noGrp="1"/>
-          </p:cNvSpPr>
-          <p:nvPr>
-            <p:ph type="ftr" sz="quarter" idx="11"/>
-          </p:nvPr>
-        </p:nvSpPr>
-        <p:spPr/>
-        <p:txBody>
-          <a:bodyPr/>
-          <a:lstStyle/>
-          <a:p>
-            <a:endParaRPr lang="en-US"/>
-          </a:p>
-        </p:txBody>
-      </p:sp>
-      <p:sp>
-        <p:nvSpPr>
-          <p:cNvPr id="6" name="Slide Number Placeholder 5"/>
-          <p:cNvSpPr>
-            <a:spLocks noGrp="1"/>
-          </p:cNvSpPr>
-          <p:nvPr>
-            <p:ph type="sldNum" sz="quarter" idx="12"/>
-          </p:nvPr>
-        </p:nvSpPr>
-        <p:spPr/>
-        <p:txBody>
-          <a:bodyPr/>
-          <a:lstStyle/>
-          <a:p>
-            <a:fld id="{B3561BA9-CDCF-4958-B8AB-66F3BF063E13}" type="slidenum">
-              <a:rPr lang="en-US" smtClean="0"/>
-            </a:fld>
-            <a:endParaRPr lang="en-US"/>
-          </a:p>
-        </p:txBody>
-      </p:sp>
-    </p:spTree>
-  </p:cSld>
-  <p:clrMapOvr>
-    <a:masterClrMapping/>
-  </p:clrMapOvr>
-</p:sldLayout>
-</file>
-
-<file path=ppt/slideLayouts/slideLayout4.xml><?xml version="1.0" encoding="utf-8"?>
-<p:sldLayout xmlns:a="http://schemas.openxmlformats.org/drawingml/2006/main" xmlns:r="http://schemas.openxmlformats.org/officeDocument/2006/relationships" xmlns:p="http://schemas.openxmlformats.org/presentationml/2006/main" type="twoObj" preserve="1">
-  <p:cSld name="Two Content">
-    <p:spTree>
-      <p:nvGrpSpPr>
-        <p:cNvPr id="1" name=""/>
-        <p:cNvGrpSpPr/>
-        <p:nvPr/>
-      </p:nvGrpSpPr>
-      <p:grpSpPr>
-        <a:xfrm>
-          <a:off x="0" y="0"/>
-          <a:ext cx="0" cy="0"/>
-          <a:chOff x="0" y="0"/>
-          <a:chExt cx="0" cy="0"/>
-        </a:xfrm>
-      </p:grpSpPr>
-      <p:sp>
-        <p:nvSpPr>
-          <p:cNvPr id="2" name="Title 1"/>
-          <p:cNvSpPr>
-            <a:spLocks noGrp="1"/>
-          </p:cNvSpPr>
-          <p:nvPr>
-            <p:ph type="title"/>
-          </p:nvPr>
-        </p:nvSpPr>
-        <p:spPr/>
-        <p:txBody>
-          <a:bodyPr/>
-          <a:lstStyle/>
-          <a:p>
-            <a:r>
-              <a:rPr lang="en-US" smtClean="0"/>
-              <a:t>Click to edit Master title style</a:t>
-            </a:r>
-            <a:endParaRPr lang="en-US"/>
-          </a:p>
-        </p:txBody>
-      </p:sp>
-      <p:sp>
-        <p:nvSpPr>
-          <p:cNvPr id="3" name="Content Placeholder 2"/>
-          <p:cNvSpPr>
-            <a:spLocks noGrp="1"/>
-          </p:cNvSpPr>
-          <p:nvPr>
-            <p:ph sz="half" idx="1"/>
-          </p:nvPr>
-        </p:nvSpPr>
-        <p:spPr>
-          <a:xfrm>
-            <a:off x="628651" y="1825628"/>
-            <a:ext cx="3886206" cy="4351344"/>
-          </a:xfrm>
-        </p:spPr>
-        <p:txBody>
-          <a:bodyPr/>
-          <a:lstStyle/>
-          <a:p>
-            <a:pPr lvl="0"/>
-            <a:r>
-              <a:rPr lang="en-US" smtClean="0"/>
-              <a:t>Click to edit Master text styles</a:t>
-            </a:r>
-            <a:endParaRPr lang="en-US" smtClean="0"/>
-          </a:p>
-          <a:p>
-            <a:pPr lvl="1"/>
-            <a:r>
-              <a:rPr lang="en-US" smtClean="0"/>
-              <a:t>Second level</a:t>
-            </a:r>
-            <a:endParaRPr lang="en-US" smtClean="0"/>
-          </a:p>
-          <a:p>
-            <a:pPr lvl="2"/>
-            <a:r>
-              <a:rPr lang="en-US" smtClean="0"/>
-              <a:t>Third level</a:t>
-            </a:r>
-            <a:endParaRPr lang="en-US" smtClean="0"/>
-          </a:p>
-          <a:p>
-            <a:pPr lvl="3"/>
-            <a:r>
-              <a:rPr lang="en-US" smtClean="0"/>
-              <a:t>Fourth level</a:t>
-            </a:r>
-            <a:endParaRPr lang="en-US" smtClean="0"/>
-          </a:p>
-          <a:p>
-            <a:pPr lvl="4"/>
-            <a:r>
-              <a:rPr lang="en-US" smtClean="0"/>
-              <a:t>Fifth level</a:t>
-            </a:r>
-            <a:endParaRPr lang="en-US"/>
-          </a:p>
-        </p:txBody>
-      </p:sp>
-      <p:sp>
-        <p:nvSpPr>
-          <p:cNvPr id="4" name="Content Placeholder 3"/>
-          <p:cNvSpPr>
-            <a:spLocks noGrp="1"/>
-          </p:cNvSpPr>
-          <p:nvPr>
-            <p:ph sz="half" idx="2"/>
-          </p:nvPr>
-        </p:nvSpPr>
-        <p:spPr>
-          <a:xfrm>
-            <a:off x="4629157" y="1825628"/>
-            <a:ext cx="3886206" cy="4351344"/>
-          </a:xfrm>
-        </p:spPr>
-        <p:txBody>
-          <a:bodyPr/>
-          <a:lstStyle/>
-          <a:p>
-            <a:pPr lvl="0"/>
-            <a:r>
-              <a:rPr lang="en-US" smtClean="0"/>
-              <a:t>Click to edit Master text styles</a:t>
-            </a:r>
-            <a:endParaRPr lang="en-US" smtClean="0"/>
-          </a:p>
-          <a:p>
-            <a:pPr lvl="1"/>
-            <a:r>
-              <a:rPr lang="en-US" smtClean="0"/>
-              <a:t>Second level</a:t>
-            </a:r>
-            <a:endParaRPr lang="en-US" smtClean="0"/>
-          </a:p>
-          <a:p>
-            <a:pPr lvl="2"/>
-            <a:r>
-              <a:rPr lang="en-US" smtClean="0"/>
-              <a:t>Third level</a:t>
-            </a:r>
-            <a:endParaRPr lang="en-US" smtClean="0"/>
-          </a:p>
-          <a:p>
-            <a:pPr lvl="3"/>
-            <a:r>
-              <a:rPr lang="en-US" smtClean="0"/>
-              <a:t>Fourth level</a:t>
-            </a:r>
-            <a:endParaRPr lang="en-US" smtClean="0"/>
-          </a:p>
-          <a:p>
-            <a:pPr lvl="4"/>
-            <a:r>
-              <a:rPr lang="en-US" smtClean="0"/>
-              <a:t>Fifth level</a:t>
-            </a:r>
-            <a:endParaRPr lang="en-US"/>
-          </a:p>
-        </p:txBody>
-      </p:sp>
-      <p:sp>
-        <p:nvSpPr>
-          <p:cNvPr id="5" name="Date Placeholder 4"/>
-          <p:cNvSpPr>
-            <a:spLocks noGrp="1"/>
-          </p:cNvSpPr>
-          <p:nvPr>
-            <p:ph type="dt" sz="half" idx="10"/>
-          </p:nvPr>
-        </p:nvSpPr>
-        <p:spPr/>
-        <p:txBody>
-          <a:bodyPr/>
-          <a:lstStyle/>
-          <a:p>
-            <a:fld id="{FDE934FF-F4E1-47C5-9CA5-30A81DDE2BE4}" type="datetimeFigureOut">
-              <a:rPr lang="en-US" smtClean="0"/>
-            </a:fld>
-            <a:endParaRPr lang="en-US"/>
-          </a:p>
-        </p:txBody>
-      </p:sp>
-      <p:sp>
-        <p:nvSpPr>
-          <p:cNvPr id="6" name="Footer Placeholder 5"/>
-          <p:cNvSpPr>
-            <a:spLocks noGrp="1"/>
-          </p:cNvSpPr>
-          <p:nvPr>
-            <p:ph type="ftr" sz="quarter" idx="11"/>
-          </p:nvPr>
-        </p:nvSpPr>
-        <p:spPr/>
-        <p:txBody>
-          <a:bodyPr/>
-          <a:lstStyle/>
-          <a:p>
-            <a:endParaRPr lang="en-US"/>
-          </a:p>
-        </p:txBody>
-      </p:sp>
-      <p:sp>
-        <p:nvSpPr>
-          <p:cNvPr id="7" name="Slide Number Placeholder 6"/>
-          <p:cNvSpPr>
-            <a:spLocks noGrp="1"/>
-          </p:cNvSpPr>
-          <p:nvPr>
-            <p:ph type="sldNum" sz="quarter" idx="12"/>
-          </p:nvPr>
-        </p:nvSpPr>
-        <p:spPr/>
-        <p:txBody>
-          <a:bodyPr/>
-          <a:lstStyle/>
-          <a:p>
-            <a:fld id="{B3561BA9-CDCF-4958-B8AB-66F3BF063E13}" type="slidenum">
-              <a:rPr lang="en-US" smtClean="0"/>
-            </a:fld>
-            <a:endParaRPr lang="en-US"/>
-          </a:p>
-        </p:txBody>
-      </p:sp>
-    </p:spTree>
-  </p:cSld>
-  <p:clrMapOvr>
-    <a:masterClrMapping/>
-  </p:clrMapOvr>
-</p:sldLayout>
-</file>
-
-<file path=ppt/slideLayouts/slideLayout5.xml><?xml version="1.0" encoding="utf-8"?>
-<p:sldLayout xmlns:a="http://schemas.openxmlformats.org/drawingml/2006/main" xmlns:r="http://schemas.openxmlformats.org/officeDocument/2006/relationships" xmlns:p="http://schemas.openxmlformats.org/presentationml/2006/main" type="twoTxTwoObj" preserve="1">
-  <p:cSld name="Comparison">
-    <p:spTree>
-      <p:nvGrpSpPr>
-        <p:cNvPr id="1" name=""/>
-        <p:cNvGrpSpPr/>
-        <p:nvPr/>
-      </p:nvGrpSpPr>
-      <p:grpSpPr>
-        <a:xfrm>
-          <a:off x="0" y="0"/>
-          <a:ext cx="0" cy="0"/>
-          <a:chOff x="0" y="0"/>
-          <a:chExt cx="0" cy="0"/>
-        </a:xfrm>
-      </p:grpSpPr>
-      <p:sp>
-        <p:nvSpPr>
-          <p:cNvPr id="2" name="Title 1"/>
-          <p:cNvSpPr>
-            <a:spLocks noGrp="1"/>
-          </p:cNvSpPr>
-          <p:nvPr>
-            <p:ph type="title"/>
-          </p:nvPr>
-        </p:nvSpPr>
-        <p:spPr>
-          <a:xfrm>
-            <a:off x="629842" y="365126"/>
-            <a:ext cx="7886712" cy="1325565"/>
-          </a:xfrm>
-        </p:spPr>
-        <p:txBody>
-          <a:bodyPr/>
-          <a:lstStyle/>
-          <a:p>
-            <a:r>
-              <a:rPr lang="en-US" smtClean="0"/>
-              <a:t>Click to edit Master title style</a:t>
-            </a:r>
-            <a:endParaRPr lang="en-US"/>
-          </a:p>
-        </p:txBody>
-      </p:sp>
-      <p:sp>
-        <p:nvSpPr>
-          <p:cNvPr id="3" name="Text Placeholder 2"/>
-          <p:cNvSpPr>
-            <a:spLocks noGrp="1"/>
-          </p:cNvSpPr>
-          <p:nvPr>
-            <p:ph type="body" idx="1"/>
-          </p:nvPr>
-        </p:nvSpPr>
-        <p:spPr>
-          <a:xfrm>
-            <a:off x="629842" y="1681165"/>
-            <a:ext cx="3868346" cy="823913"/>
+            <a:off x="630238" y="1681163"/>
+            <a:ext cx="3868737" cy="823912"/>
           </a:xfrm>
         </p:spPr>
         <p:txBody>
@@ -1873,15 +1745,15 @@
           <a:p>
             <a:pPr lvl="0"/>
             <a:r>
-              <a:rPr lang="en-US" smtClean="0"/>
-              <a:t>Click to edit Master text styles</a:t>
+              <a:rPr lang="zh-CN" altLang="en-US" smtClean="0"/>
+              <a:t>编辑母版文本样式</a:t>
             </a:r>
           </a:p>
         </p:txBody>
       </p:sp>
       <p:sp>
         <p:nvSpPr>
-          <p:cNvPr id="4" name="Content Placeholder 3"/>
+          <p:cNvPr id="4" name="内容占位符 3"/>
           <p:cNvSpPr>
             <a:spLocks noGrp="1"/>
           </p:cNvSpPr>
@@ -1891,8 +1763,8 @@
         </p:nvSpPr>
         <p:spPr>
           <a:xfrm>
-            <a:off x="629842" y="2505079"/>
-            <a:ext cx="3868346" cy="3684593"/>
+            <a:off x="630238" y="2505075"/>
+            <a:ext cx="3868737" cy="3684588"/>
           </a:xfrm>
         </p:spPr>
         <p:txBody>
@@ -1901,40 +1773,36 @@
           <a:p>
             <a:pPr lvl="0"/>
             <a:r>
-              <a:rPr lang="en-US" smtClean="0"/>
-              <a:t>Click to edit Master text styles</a:t>
-            </a:r>
-            <a:endParaRPr lang="en-US" smtClean="0"/>
+              <a:rPr lang="zh-CN" altLang="en-US" smtClean="0"/>
+              <a:t>编辑母版文本样式</a:t>
+            </a:r>
           </a:p>
           <a:p>
             <a:pPr lvl="1"/>
             <a:r>
-              <a:rPr lang="en-US" smtClean="0"/>
-              <a:t>Second level</a:t>
-            </a:r>
-            <a:endParaRPr lang="en-US" smtClean="0"/>
+              <a:rPr lang="zh-CN" altLang="en-US" smtClean="0"/>
+              <a:t>第二级</a:t>
+            </a:r>
           </a:p>
           <a:p>
             <a:pPr lvl="2"/>
             <a:r>
-              <a:rPr lang="en-US" smtClean="0"/>
-              <a:t>Third level</a:t>
-            </a:r>
-            <a:endParaRPr lang="en-US" smtClean="0"/>
+              <a:rPr lang="zh-CN" altLang="en-US" smtClean="0"/>
+              <a:t>第三级</a:t>
+            </a:r>
           </a:p>
           <a:p>
             <a:pPr lvl="3"/>
             <a:r>
-              <a:rPr lang="en-US" smtClean="0"/>
-              <a:t>Fourth level</a:t>
-            </a:r>
-            <a:endParaRPr lang="en-US" smtClean="0"/>
+              <a:rPr lang="zh-CN" altLang="en-US" smtClean="0"/>
+              <a:t>第四级</a:t>
+            </a:r>
           </a:p>
           <a:p>
             <a:pPr lvl="4"/>
             <a:r>
-              <a:rPr lang="en-US" smtClean="0"/>
-              <a:t>Fifth level</a:t>
+              <a:rPr lang="zh-CN" altLang="en-US" smtClean="0"/>
+              <a:t>第五级</a:t>
             </a:r>
             <a:endParaRPr lang="en-US"/>
           </a:p>
@@ -1942,7 +1810,7 @@
       </p:sp>
       <p:sp>
         <p:nvSpPr>
-          <p:cNvPr id="5" name="Text Placeholder 4"/>
+          <p:cNvPr id="5" name="文本占位符 4"/>
           <p:cNvSpPr>
             <a:spLocks noGrp="1"/>
           </p:cNvSpPr>
@@ -1952,8 +1820,8 @@
         </p:nvSpPr>
         <p:spPr>
           <a:xfrm>
-            <a:off x="4629157" y="1681165"/>
-            <a:ext cx="3887397" cy="823913"/>
+            <a:off x="4629150" y="1681163"/>
+            <a:ext cx="3887788" cy="823912"/>
           </a:xfrm>
         </p:spPr>
         <p:txBody>
@@ -1999,15 +1867,15 @@
           <a:p>
             <a:pPr lvl="0"/>
             <a:r>
-              <a:rPr lang="en-US" smtClean="0"/>
-              <a:t>Click to edit Master text styles</a:t>
+              <a:rPr lang="zh-CN" altLang="en-US" smtClean="0"/>
+              <a:t>编辑母版文本样式</a:t>
             </a:r>
           </a:p>
         </p:txBody>
       </p:sp>
       <p:sp>
         <p:nvSpPr>
-          <p:cNvPr id="6" name="Content Placeholder 5"/>
+          <p:cNvPr id="6" name="内容占位符 5"/>
           <p:cNvSpPr>
             <a:spLocks noGrp="1"/>
           </p:cNvSpPr>
@@ -2017,8 +1885,8 @@
         </p:nvSpPr>
         <p:spPr>
           <a:xfrm>
-            <a:off x="4629157" y="2505079"/>
-            <a:ext cx="3887397" cy="3684593"/>
+            <a:off x="4629150" y="2505075"/>
+            <a:ext cx="3887788" cy="3684588"/>
           </a:xfrm>
         </p:spPr>
         <p:txBody>
@@ -2027,40 +1895,36 @@
           <a:p>
             <a:pPr lvl="0"/>
             <a:r>
-              <a:rPr lang="en-US" smtClean="0"/>
-              <a:t>Click to edit Master text styles</a:t>
-            </a:r>
-            <a:endParaRPr lang="en-US" smtClean="0"/>
+              <a:rPr lang="zh-CN" altLang="en-US" smtClean="0"/>
+              <a:t>编辑母版文本样式</a:t>
+            </a:r>
           </a:p>
           <a:p>
             <a:pPr lvl="1"/>
             <a:r>
-              <a:rPr lang="en-US" smtClean="0"/>
-              <a:t>Second level</a:t>
-            </a:r>
-            <a:endParaRPr lang="en-US" smtClean="0"/>
+              <a:rPr lang="zh-CN" altLang="en-US" smtClean="0"/>
+              <a:t>第二级</a:t>
+            </a:r>
           </a:p>
           <a:p>
             <a:pPr lvl="2"/>
             <a:r>
-              <a:rPr lang="en-US" smtClean="0"/>
-              <a:t>Third level</a:t>
-            </a:r>
-            <a:endParaRPr lang="en-US" smtClean="0"/>
+              <a:rPr lang="zh-CN" altLang="en-US" smtClean="0"/>
+              <a:t>第三级</a:t>
+            </a:r>
           </a:p>
           <a:p>
             <a:pPr lvl="3"/>
             <a:r>
-              <a:rPr lang="en-US" smtClean="0"/>
-              <a:t>Fourth level</a:t>
-            </a:r>
-            <a:endParaRPr lang="en-US" smtClean="0"/>
+              <a:rPr lang="zh-CN" altLang="en-US" smtClean="0"/>
+              <a:t>第四级</a:t>
+            </a:r>
           </a:p>
           <a:p>
             <a:pPr lvl="4"/>
             <a:r>
-              <a:rPr lang="en-US" smtClean="0"/>
-              <a:t>Fifth level</a:t>
+              <a:rPr lang="zh-CN" altLang="en-US" smtClean="0"/>
+              <a:t>第五级</a:t>
             </a:r>
             <a:endParaRPr lang="en-US"/>
           </a:p>
@@ -2068,29 +1932,7 @@
       </p:sp>
       <p:sp>
         <p:nvSpPr>
-          <p:cNvPr id="7" name="Date Placeholder 6"/>
-          <p:cNvSpPr>
-            <a:spLocks noGrp="1"/>
-          </p:cNvSpPr>
-          <p:nvPr>
-            <p:ph type="dt" sz="half" idx="10"/>
-          </p:nvPr>
-        </p:nvSpPr>
-        <p:spPr/>
-        <p:txBody>
-          <a:bodyPr/>
-          <a:lstStyle/>
-          <a:p>
-            <a:fld id="{FDE934FF-F4E1-47C5-9CA5-30A81DDE2BE4}" type="datetimeFigureOut">
-              <a:rPr lang="en-US" smtClean="0"/>
-            </a:fld>
-            <a:endParaRPr lang="en-US"/>
-          </a:p>
-        </p:txBody>
-      </p:sp>
-      <p:sp>
-        <p:nvSpPr>
-          <p:cNvPr id="8" name="Footer Placeholder 7"/>
+          <p:cNvPr id="8" name="页脚占位符 7"/>
           <p:cNvSpPr>
             <a:spLocks noGrp="1"/>
           </p:cNvSpPr>
@@ -2101,15 +1943,22 @@
         <p:spPr/>
         <p:txBody>
           <a:bodyPr/>
-          <a:lstStyle/>
-          <a:p>
-            <a:endParaRPr lang="en-US"/>
+          <a:lstStyle>
+            <a:lvl1pPr>
+              <a:defRPr/>
+            </a:lvl1pPr>
+          </a:lstStyle>
+          <a:p>
+            <a:r>
+              <a:rPr lang="en-US" altLang="ko-KR"/>
+              <a:t>Company Logo</a:t>
+            </a:r>
           </a:p>
         </p:txBody>
       </p:sp>
       <p:sp>
         <p:nvSpPr>
-          <p:cNvPr id="9" name="Slide Number Placeholder 8"/>
+          <p:cNvPr id="9" name="灯片编号占位符 8"/>
           <p:cNvSpPr>
             <a:spLocks noGrp="1"/>
           </p:cNvSpPr>
@@ -2120,26 +1969,44 @@
         <p:spPr/>
         <p:txBody>
           <a:bodyPr/>
-          <a:lstStyle/>
-          <a:p>
-            <a:fld id="{B3561BA9-CDCF-4958-B8AB-66F3BF063E13}" type="slidenum">
-              <a:rPr lang="en-US" smtClean="0"/>
+          <a:lstStyle>
+            <a:lvl1pPr>
+              <a:defRPr/>
+            </a:lvl1pPr>
+          </a:lstStyle>
+          <a:p>
+            <a:fld id="{1B4D4F69-FBC8-4DA0-AE71-6C8DB20E4A1D}" type="slidenum">
+              <a:rPr lang="ko-KR" altLang="en-US"/>
+              <a:pPr/>
+              <a:t>‹#›</a:t>
             </a:fld>
-            <a:endParaRPr lang="en-US"/>
+            <a:endParaRPr lang="en-US" altLang="ko-KR"/>
           </a:p>
         </p:txBody>
       </p:sp>
     </p:spTree>
+    <p:extLst>
+      <p:ext uri="{BB962C8B-B14F-4D97-AF65-F5344CB8AC3E}">
+        <p14:creationId xmlns:p14="http://schemas.microsoft.com/office/powerpoint/2010/main" val="3734062547"/>
+      </p:ext>
+    </p:extLst>
   </p:cSld>
   <p:clrMapOvr>
     <a:masterClrMapping/>
   </p:clrMapOvr>
+  <p:timing>
+    <p:tnLst>
+      <p:par>
+        <p:cTn id="1" dur="indefinite" restart="never" nodeType="tmRoot"/>
+      </p:par>
+    </p:tnLst>
+  </p:timing>
 </p:sldLayout>
 </file>
 
 <file path=ppt/slideLayouts/slideLayout6.xml><?xml version="1.0" encoding="utf-8"?>
 <p:sldLayout xmlns:a="http://schemas.openxmlformats.org/drawingml/2006/main" xmlns:r="http://schemas.openxmlformats.org/officeDocument/2006/relationships" xmlns:p="http://schemas.openxmlformats.org/presentationml/2006/main" type="titleOnly" preserve="1">
-  <p:cSld name="Title Only">
+  <p:cSld name="仅标题">
     <p:spTree>
       <p:nvGrpSpPr>
         <p:cNvPr id="1" name=""/>
@@ -2156,7 +2023,7 @@
       </p:grpSpPr>
       <p:sp>
         <p:nvSpPr>
-          <p:cNvPr id="2" name="Title 1"/>
+          <p:cNvPr id="2" name="标题 1"/>
           <p:cNvSpPr>
             <a:spLocks noGrp="1"/>
           </p:cNvSpPr>
@@ -2170,8 +2037,8 @@
           <a:lstStyle/>
           <a:p>
             <a:r>
-              <a:rPr lang="en-US" smtClean="0"/>
-              <a:t>Click to edit Master title style</a:t>
+              <a:rPr lang="zh-CN" altLang="en-US" smtClean="0"/>
+              <a:t>单击此处编辑母版标题样式</a:t>
             </a:r>
             <a:endParaRPr lang="en-US"/>
           </a:p>
@@ -2179,29 +2046,7 @@
       </p:sp>
       <p:sp>
         <p:nvSpPr>
-          <p:cNvPr id="3" name="Date Placeholder 2"/>
-          <p:cNvSpPr>
-            <a:spLocks noGrp="1"/>
-          </p:cNvSpPr>
-          <p:nvPr>
-            <p:ph type="dt" sz="half" idx="10"/>
-          </p:nvPr>
-        </p:nvSpPr>
-        <p:spPr/>
-        <p:txBody>
-          <a:bodyPr/>
-          <a:lstStyle/>
-          <a:p>
-            <a:fld id="{FDE934FF-F4E1-47C5-9CA5-30A81DDE2BE4}" type="datetimeFigureOut">
-              <a:rPr lang="en-US" smtClean="0"/>
-            </a:fld>
-            <a:endParaRPr lang="en-US"/>
-          </a:p>
-        </p:txBody>
-      </p:sp>
-      <p:sp>
-        <p:nvSpPr>
-          <p:cNvPr id="4" name="Footer Placeholder 3"/>
+          <p:cNvPr id="4" name="页脚占位符 3"/>
           <p:cNvSpPr>
             <a:spLocks noGrp="1"/>
           </p:cNvSpPr>
@@ -2212,15 +2057,22 @@
         <p:spPr/>
         <p:txBody>
           <a:bodyPr/>
-          <a:lstStyle/>
-          <a:p>
-            <a:endParaRPr lang="en-US"/>
+          <a:lstStyle>
+            <a:lvl1pPr>
+              <a:defRPr/>
+            </a:lvl1pPr>
+          </a:lstStyle>
+          <a:p>
+            <a:r>
+              <a:rPr lang="en-US" altLang="ko-KR"/>
+              <a:t>Company Logo</a:t>
+            </a:r>
           </a:p>
         </p:txBody>
       </p:sp>
       <p:sp>
         <p:nvSpPr>
-          <p:cNvPr id="5" name="Slide Number Placeholder 4"/>
+          <p:cNvPr id="5" name="灯片编号占位符 4"/>
           <p:cNvSpPr>
             <a:spLocks noGrp="1"/>
           </p:cNvSpPr>
@@ -2231,26 +2083,44 @@
         <p:spPr/>
         <p:txBody>
           <a:bodyPr/>
-          <a:lstStyle/>
-          <a:p>
-            <a:fld id="{B3561BA9-CDCF-4958-B8AB-66F3BF063E13}" type="slidenum">
-              <a:rPr lang="en-US" smtClean="0"/>
+          <a:lstStyle>
+            <a:lvl1pPr>
+              <a:defRPr/>
+            </a:lvl1pPr>
+          </a:lstStyle>
+          <a:p>
+            <a:fld id="{5216E20F-1CA5-4C32-B6DD-7A3A9D472D7E}" type="slidenum">
+              <a:rPr lang="ko-KR" altLang="en-US"/>
+              <a:pPr/>
+              <a:t>‹#›</a:t>
             </a:fld>
-            <a:endParaRPr lang="en-US"/>
+            <a:endParaRPr lang="en-US" altLang="ko-KR"/>
           </a:p>
         </p:txBody>
       </p:sp>
     </p:spTree>
+    <p:extLst>
+      <p:ext uri="{BB962C8B-B14F-4D97-AF65-F5344CB8AC3E}">
+        <p14:creationId xmlns:p14="http://schemas.microsoft.com/office/powerpoint/2010/main" val="3938437948"/>
+      </p:ext>
+    </p:extLst>
   </p:cSld>
   <p:clrMapOvr>
     <a:masterClrMapping/>
   </p:clrMapOvr>
+  <p:timing>
+    <p:tnLst>
+      <p:par>
+        <p:cTn id="1" dur="indefinite" restart="never" nodeType="tmRoot"/>
+      </p:par>
+    </p:tnLst>
+  </p:timing>
 </p:sldLayout>
 </file>
 
 <file path=ppt/slideLayouts/slideLayout7.xml><?xml version="1.0" encoding="utf-8"?>
 <p:sldLayout xmlns:a="http://schemas.openxmlformats.org/drawingml/2006/main" xmlns:r="http://schemas.openxmlformats.org/officeDocument/2006/relationships" xmlns:p="http://schemas.openxmlformats.org/presentationml/2006/main" type="blank" preserve="1">
-  <p:cSld name="Blank">
+  <p:cSld name="空白">
     <p:spTree>
       <p:nvGrpSpPr>
         <p:cNvPr id="1" name=""/>
@@ -2267,29 +2137,7 @@
       </p:grpSpPr>
       <p:sp>
         <p:nvSpPr>
-          <p:cNvPr id="2" name="Date Placeholder 1"/>
-          <p:cNvSpPr>
-            <a:spLocks noGrp="1"/>
-          </p:cNvSpPr>
-          <p:nvPr>
-            <p:ph type="dt" sz="half" idx="10"/>
-          </p:nvPr>
-        </p:nvSpPr>
-        <p:spPr/>
-        <p:txBody>
-          <a:bodyPr/>
-          <a:lstStyle/>
-          <a:p>
-            <a:fld id="{FDE934FF-F4E1-47C5-9CA5-30A81DDE2BE4}" type="datetimeFigureOut">
-              <a:rPr lang="en-US" smtClean="0"/>
-            </a:fld>
-            <a:endParaRPr lang="en-US"/>
-          </a:p>
-        </p:txBody>
-      </p:sp>
-      <p:sp>
-        <p:nvSpPr>
-          <p:cNvPr id="3" name="Footer Placeholder 2"/>
+          <p:cNvPr id="3" name="页脚占位符 2"/>
           <p:cNvSpPr>
             <a:spLocks noGrp="1"/>
           </p:cNvSpPr>
@@ -2300,15 +2148,22 @@
         <p:spPr/>
         <p:txBody>
           <a:bodyPr/>
-          <a:lstStyle/>
-          <a:p>
-            <a:endParaRPr lang="en-US"/>
+          <a:lstStyle>
+            <a:lvl1pPr>
+              <a:defRPr/>
+            </a:lvl1pPr>
+          </a:lstStyle>
+          <a:p>
+            <a:r>
+              <a:rPr lang="en-US" altLang="ko-KR"/>
+              <a:t>Company Logo</a:t>
+            </a:r>
           </a:p>
         </p:txBody>
       </p:sp>
       <p:sp>
         <p:nvSpPr>
-          <p:cNvPr id="4" name="Slide Number Placeholder 3"/>
+          <p:cNvPr id="4" name="灯片编号占位符 3"/>
           <p:cNvSpPr>
             <a:spLocks noGrp="1"/>
           </p:cNvSpPr>
@@ -2319,26 +2174,44 @@
         <p:spPr/>
         <p:txBody>
           <a:bodyPr/>
-          <a:lstStyle/>
-          <a:p>
-            <a:fld id="{B3561BA9-CDCF-4958-B8AB-66F3BF063E13}" type="slidenum">
-              <a:rPr lang="en-US" smtClean="0"/>
+          <a:lstStyle>
+            <a:lvl1pPr>
+              <a:defRPr/>
+            </a:lvl1pPr>
+          </a:lstStyle>
+          <a:p>
+            <a:fld id="{A563C6D3-55A5-4686-AE25-9B181F805C4B}" type="slidenum">
+              <a:rPr lang="ko-KR" altLang="en-US"/>
+              <a:pPr/>
+              <a:t>‹#›</a:t>
             </a:fld>
-            <a:endParaRPr lang="en-US"/>
+            <a:endParaRPr lang="en-US" altLang="ko-KR"/>
           </a:p>
         </p:txBody>
       </p:sp>
     </p:spTree>
+    <p:extLst>
+      <p:ext uri="{BB962C8B-B14F-4D97-AF65-F5344CB8AC3E}">
+        <p14:creationId xmlns:p14="http://schemas.microsoft.com/office/powerpoint/2010/main" val="3186248721"/>
+      </p:ext>
+    </p:extLst>
   </p:cSld>
   <p:clrMapOvr>
     <a:masterClrMapping/>
   </p:clrMapOvr>
+  <p:timing>
+    <p:tnLst>
+      <p:par>
+        <p:cTn id="1" dur="indefinite" restart="never" nodeType="tmRoot"/>
+      </p:par>
+    </p:tnLst>
+  </p:timing>
 </p:sldLayout>
 </file>
 
 <file path=ppt/slideLayouts/slideLayout8.xml><?xml version="1.0" encoding="utf-8"?>
 <p:sldLayout xmlns:a="http://schemas.openxmlformats.org/drawingml/2006/main" xmlns:r="http://schemas.openxmlformats.org/officeDocument/2006/relationships" xmlns:p="http://schemas.openxmlformats.org/presentationml/2006/main" type="objTx" preserve="1">
-  <p:cSld name="Content with Caption">
+  <p:cSld name="内容与标题">
     <p:spTree>
       <p:nvGrpSpPr>
         <p:cNvPr id="1" name=""/>
@@ -2355,7 +2228,7 @@
       </p:grpSpPr>
       <p:sp>
         <p:nvSpPr>
-          <p:cNvPr id="2" name="Title 1"/>
+          <p:cNvPr id="2" name="标题 1"/>
           <p:cNvSpPr>
             <a:spLocks noGrp="1"/>
           </p:cNvSpPr>
@@ -2365,8 +2238,8 @@
         </p:nvSpPr>
         <p:spPr>
           <a:xfrm>
-            <a:off x="629842" y="457201"/>
-            <a:ext cx="2949182" cy="1600202"/>
+            <a:off x="630238" y="457200"/>
+            <a:ext cx="2949575" cy="1600200"/>
           </a:xfrm>
         </p:spPr>
         <p:txBody>
@@ -2378,8 +2251,8 @@
           </a:lstStyle>
           <a:p>
             <a:r>
-              <a:rPr lang="en-US" smtClean="0"/>
-              <a:t>Click to edit Master title style</a:t>
+              <a:rPr lang="zh-CN" altLang="en-US" smtClean="0"/>
+              <a:t>单击此处编辑母版标题样式</a:t>
             </a:r>
             <a:endParaRPr lang="en-US"/>
           </a:p>
@@ -2387,7 +2260,7 @@
       </p:sp>
       <p:sp>
         <p:nvSpPr>
-          <p:cNvPr id="3" name="Content Placeholder 2"/>
+          <p:cNvPr id="3" name="内容占位符 2"/>
           <p:cNvSpPr>
             <a:spLocks noGrp="1"/>
           </p:cNvSpPr>
@@ -2397,8 +2270,8 @@
         </p:nvSpPr>
         <p:spPr>
           <a:xfrm>
-            <a:off x="3887397" y="987426"/>
-            <a:ext cx="4629157" cy="4873632"/>
+            <a:off x="3887788" y="987425"/>
+            <a:ext cx="4629150" cy="4873625"/>
           </a:xfrm>
         </p:spPr>
         <p:txBody>
@@ -2435,40 +2308,36 @@
           <a:p>
             <a:pPr lvl="0"/>
             <a:r>
-              <a:rPr lang="en-US" smtClean="0"/>
-              <a:t>Click to edit Master text styles</a:t>
-            </a:r>
-            <a:endParaRPr lang="en-US" smtClean="0"/>
+              <a:rPr lang="zh-CN" altLang="en-US" smtClean="0"/>
+              <a:t>编辑母版文本样式</a:t>
+            </a:r>
           </a:p>
           <a:p>
             <a:pPr lvl="1"/>
             <a:r>
-              <a:rPr lang="en-US" smtClean="0"/>
-              <a:t>Second level</a:t>
-            </a:r>
-            <a:endParaRPr lang="en-US" smtClean="0"/>
+              <a:rPr lang="zh-CN" altLang="en-US" smtClean="0"/>
+              <a:t>第二级</a:t>
+            </a:r>
           </a:p>
           <a:p>
             <a:pPr lvl="2"/>
             <a:r>
-              <a:rPr lang="en-US" smtClean="0"/>
-              <a:t>Third level</a:t>
-            </a:r>
-            <a:endParaRPr lang="en-US" smtClean="0"/>
+              <a:rPr lang="zh-CN" altLang="en-US" smtClean="0"/>
+              <a:t>第三级</a:t>
+            </a:r>
           </a:p>
           <a:p>
             <a:pPr lvl="3"/>
             <a:r>
-              <a:rPr lang="en-US" smtClean="0"/>
-              <a:t>Fourth level</a:t>
-            </a:r>
-            <a:endParaRPr lang="en-US" smtClean="0"/>
+              <a:rPr lang="zh-CN" altLang="en-US" smtClean="0"/>
+              <a:t>第四级</a:t>
+            </a:r>
           </a:p>
           <a:p>
             <a:pPr lvl="4"/>
             <a:r>
-              <a:rPr lang="en-US" smtClean="0"/>
-              <a:t>Fifth level</a:t>
+              <a:rPr lang="zh-CN" altLang="en-US" smtClean="0"/>
+              <a:t>第五级</a:t>
             </a:r>
             <a:endParaRPr lang="en-US"/>
           </a:p>
@@ -2476,7 +2345,7 @@
       </p:sp>
       <p:sp>
         <p:nvSpPr>
-          <p:cNvPr id="4" name="Text Placeholder 3"/>
+          <p:cNvPr id="4" name="文本占位符 3"/>
           <p:cNvSpPr>
             <a:spLocks noGrp="1"/>
           </p:cNvSpPr>
@@ -2486,8 +2355,8 @@
         </p:nvSpPr>
         <p:spPr>
           <a:xfrm>
-            <a:off x="629842" y="2057403"/>
-            <a:ext cx="2949182" cy="3811594"/>
+            <a:off x="630238" y="2057400"/>
+            <a:ext cx="2949575" cy="3811588"/>
           </a:xfrm>
         </p:spPr>
         <p:txBody>
@@ -2533,37 +2402,15 @@
           <a:p>
             <a:pPr lvl="0"/>
             <a:r>
-              <a:rPr lang="en-US" smtClean="0"/>
-              <a:t>Click to edit Master text styles</a:t>
+              <a:rPr lang="zh-CN" altLang="en-US" smtClean="0"/>
+              <a:t>编辑母版文本样式</a:t>
             </a:r>
           </a:p>
         </p:txBody>
       </p:sp>
       <p:sp>
         <p:nvSpPr>
-          <p:cNvPr id="5" name="Date Placeholder 4"/>
-          <p:cNvSpPr>
-            <a:spLocks noGrp="1"/>
-          </p:cNvSpPr>
-          <p:nvPr>
-            <p:ph type="dt" sz="half" idx="10"/>
-          </p:nvPr>
-        </p:nvSpPr>
-        <p:spPr/>
-        <p:txBody>
-          <a:bodyPr/>
-          <a:lstStyle/>
-          <a:p>
-            <a:fld id="{FDE934FF-F4E1-47C5-9CA5-30A81DDE2BE4}" type="datetimeFigureOut">
-              <a:rPr lang="en-US" smtClean="0"/>
-            </a:fld>
-            <a:endParaRPr lang="en-US"/>
-          </a:p>
-        </p:txBody>
-      </p:sp>
-      <p:sp>
-        <p:nvSpPr>
-          <p:cNvPr id="6" name="Footer Placeholder 5"/>
+          <p:cNvPr id="6" name="页脚占位符 5"/>
           <p:cNvSpPr>
             <a:spLocks noGrp="1"/>
           </p:cNvSpPr>
@@ -2574,15 +2421,22 @@
         <p:spPr/>
         <p:txBody>
           <a:bodyPr/>
-          <a:lstStyle/>
-          <a:p>
-            <a:endParaRPr lang="en-US"/>
+          <a:lstStyle>
+            <a:lvl1pPr>
+              <a:defRPr/>
+            </a:lvl1pPr>
+          </a:lstStyle>
+          <a:p>
+            <a:r>
+              <a:rPr lang="en-US" altLang="ko-KR"/>
+              <a:t>Company Logo</a:t>
+            </a:r>
           </a:p>
         </p:txBody>
       </p:sp>
       <p:sp>
         <p:nvSpPr>
-          <p:cNvPr id="7" name="Slide Number Placeholder 6"/>
+          <p:cNvPr id="7" name="灯片编号占位符 6"/>
           <p:cNvSpPr>
             <a:spLocks noGrp="1"/>
           </p:cNvSpPr>
@@ -2593,262 +2447,27 @@
         <p:spPr/>
         <p:txBody>
           <a:bodyPr/>
-          <a:lstStyle/>
-          <a:p>
-            <a:fld id="{B3561BA9-CDCF-4958-B8AB-66F3BF063E13}" type="slidenum">
-              <a:rPr lang="en-US" smtClean="0"/>
+          <a:lstStyle>
+            <a:lvl1pPr>
+              <a:defRPr/>
+            </a:lvl1pPr>
+          </a:lstStyle>
+          <a:p>
+            <a:fld id="{E93D797B-23EB-45B9-8E41-B6E6D5982F74}" type="slidenum">
+              <a:rPr lang="ko-KR" altLang="en-US"/>
+              <a:pPr/>
+              <a:t>‹#›</a:t>
             </a:fld>
-            <a:endParaRPr lang="en-US"/>
+            <a:endParaRPr lang="en-US" altLang="ko-KR"/>
           </a:p>
         </p:txBody>
       </p:sp>
     </p:spTree>
-  </p:cSld>
-  <p:clrMapOvr>
-    <a:masterClrMapping/>
-  </p:clrMapOvr>
-</p:sldLayout>
-</file>
-
-<file path=ppt/slideLayouts/slideLayout9.xml><?xml version="1.0" encoding="utf-8"?>
-<p:sldLayout xmlns:a="http://schemas.openxmlformats.org/drawingml/2006/main" xmlns:r="http://schemas.openxmlformats.org/officeDocument/2006/relationships" xmlns:p="http://schemas.openxmlformats.org/presentationml/2006/main" type="picTx" preserve="1">
-  <p:cSld name="Picture with Caption">
-    <p:spTree>
-      <p:nvGrpSpPr>
-        <p:cNvPr id="1" name=""/>
-        <p:cNvGrpSpPr/>
-        <p:nvPr/>
-      </p:nvGrpSpPr>
-      <p:grpSpPr>
-        <a:xfrm>
-          <a:off x="0" y="0"/>
-          <a:ext cx="0" cy="0"/>
-          <a:chOff x="0" y="0"/>
-          <a:chExt cx="0" cy="0"/>
-        </a:xfrm>
-      </p:grpSpPr>
-      <p:sp>
-        <p:nvSpPr>
-          <p:cNvPr id="2" name="Title 1"/>
-          <p:cNvSpPr>
-            <a:spLocks noGrp="1"/>
-          </p:cNvSpPr>
-          <p:nvPr>
-            <p:ph type="title"/>
-          </p:nvPr>
-        </p:nvSpPr>
-        <p:spPr>
-          <a:xfrm>
-            <a:off x="629842" y="457201"/>
-            <a:ext cx="2949182" cy="1600202"/>
-          </a:xfrm>
-        </p:spPr>
-        <p:txBody>
-          <a:bodyPr anchor="b"/>
-          <a:lstStyle>
-            <a:lvl1pPr>
-              <a:defRPr sz="3200"/>
-            </a:lvl1pPr>
-          </a:lstStyle>
-          <a:p>
-            <a:r>
-              <a:rPr lang="en-US" smtClean="0"/>
-              <a:t>Click to edit Master title style</a:t>
-            </a:r>
-            <a:endParaRPr lang="en-US"/>
-          </a:p>
-        </p:txBody>
-      </p:sp>
-      <p:sp>
-        <p:nvSpPr>
-          <p:cNvPr id="3" name="Picture Placeholder 2"/>
-          <p:cNvSpPr>
-            <a:spLocks noGrp="1"/>
-          </p:cNvSpPr>
-          <p:nvPr>
-            <p:ph type="pic" idx="1"/>
-          </p:nvPr>
-        </p:nvSpPr>
-        <p:spPr>
-          <a:xfrm>
-            <a:off x="3887397" y="987426"/>
-            <a:ext cx="4629157" cy="4873632"/>
-          </a:xfrm>
-        </p:spPr>
-        <p:txBody>
-          <a:bodyPr/>
-          <a:lstStyle>
-            <a:lvl1pPr marL="0" indent="0">
-              <a:buNone/>
-              <a:defRPr sz="3200"/>
-            </a:lvl1pPr>
-            <a:lvl2pPr marL="457200" indent="0">
-              <a:buNone/>
-              <a:defRPr sz="2800"/>
-            </a:lvl2pPr>
-            <a:lvl3pPr marL="914400" indent="0">
-              <a:buNone/>
-              <a:defRPr sz="2400"/>
-            </a:lvl3pPr>
-            <a:lvl4pPr marL="1371600" indent="0">
-              <a:buNone/>
-              <a:defRPr sz="2000"/>
-            </a:lvl4pPr>
-            <a:lvl5pPr marL="1828800" indent="0">
-              <a:buNone/>
-              <a:defRPr sz="2000"/>
-            </a:lvl5pPr>
-            <a:lvl6pPr marL="2286000" indent="0">
-              <a:buNone/>
-              <a:defRPr sz="2000"/>
-            </a:lvl6pPr>
-            <a:lvl7pPr marL="2743200" indent="0">
-              <a:buNone/>
-              <a:defRPr sz="2000"/>
-            </a:lvl7pPr>
-            <a:lvl8pPr marL="3200400" indent="0">
-              <a:buNone/>
-              <a:defRPr sz="2000"/>
-            </a:lvl8pPr>
-            <a:lvl9pPr marL="3657600" indent="0">
-              <a:buNone/>
-              <a:defRPr sz="2000"/>
-            </a:lvl9pPr>
-          </a:lstStyle>
-          <a:p>
-            <a:endParaRPr lang="en-US"/>
-          </a:p>
-        </p:txBody>
-      </p:sp>
-      <p:sp>
-        <p:nvSpPr>
-          <p:cNvPr id="4" name="Text Placeholder 3"/>
-          <p:cNvSpPr>
-            <a:spLocks noGrp="1"/>
-          </p:cNvSpPr>
-          <p:nvPr>
-            <p:ph type="body" sz="half" idx="2"/>
-          </p:nvPr>
-        </p:nvSpPr>
-        <p:spPr>
-          <a:xfrm>
-            <a:off x="629842" y="2057403"/>
-            <a:ext cx="2949182" cy="3811594"/>
-          </a:xfrm>
-        </p:spPr>
-        <p:txBody>
-          <a:bodyPr/>
-          <a:lstStyle>
-            <a:lvl1pPr marL="0" indent="0">
-              <a:buNone/>
-              <a:defRPr sz="1600"/>
-            </a:lvl1pPr>
-            <a:lvl2pPr marL="457200" indent="0">
-              <a:buNone/>
-              <a:defRPr sz="1400"/>
-            </a:lvl2pPr>
-            <a:lvl3pPr marL="914400" indent="0">
-              <a:buNone/>
-              <a:defRPr sz="1200"/>
-            </a:lvl3pPr>
-            <a:lvl4pPr marL="1371600" indent="0">
-              <a:buNone/>
-              <a:defRPr sz="1000"/>
-            </a:lvl4pPr>
-            <a:lvl5pPr marL="1828800" indent="0">
-              <a:buNone/>
-              <a:defRPr sz="1000"/>
-            </a:lvl5pPr>
-            <a:lvl6pPr marL="2286000" indent="0">
-              <a:buNone/>
-              <a:defRPr sz="1000"/>
-            </a:lvl6pPr>
-            <a:lvl7pPr marL="2743200" indent="0">
-              <a:buNone/>
-              <a:defRPr sz="1000"/>
-            </a:lvl7pPr>
-            <a:lvl8pPr marL="3200400" indent="0">
-              <a:buNone/>
-              <a:defRPr sz="1000"/>
-            </a:lvl8pPr>
-            <a:lvl9pPr marL="3657600" indent="0">
-              <a:buNone/>
-              <a:defRPr sz="1000"/>
-            </a:lvl9pPr>
-          </a:lstStyle>
-          <a:p>
-            <a:pPr lvl="0"/>
-            <a:r>
-              <a:rPr lang="en-US" smtClean="0"/>
-              <a:t>Click to edit Master text styles</a:t>
-            </a:r>
-          </a:p>
-        </p:txBody>
-      </p:sp>
-      <p:sp>
-        <p:nvSpPr>
-          <p:cNvPr id="5" name="Date Placeholder 4"/>
-          <p:cNvSpPr>
-            <a:spLocks noGrp="1"/>
-          </p:cNvSpPr>
-          <p:nvPr>
-            <p:ph type="dt" sz="half" idx="10"/>
-          </p:nvPr>
-        </p:nvSpPr>
-        <p:spPr/>
-        <p:txBody>
-          <a:bodyPr/>
-          <a:lstStyle/>
-          <a:p>
-            <a:fld id="{FDE934FF-F4E1-47C5-9CA5-30A81DDE2BE4}" type="datetimeFigureOut">
-              <a:rPr lang="en-US" smtClean="0"/>
-            </a:fld>
-            <a:endParaRPr lang="en-US"/>
-          </a:p>
-        </p:txBody>
-      </p:sp>
-      <p:sp>
-        <p:nvSpPr>
-          <p:cNvPr id="6" name="Footer Placeholder 5"/>
-          <p:cNvSpPr>
-            <a:spLocks noGrp="1"/>
-          </p:cNvSpPr>
-          <p:nvPr>
-            <p:ph type="ftr" sz="quarter" idx="11"/>
-          </p:nvPr>
-        </p:nvSpPr>
-        <p:spPr/>
-        <p:txBody>
-          <a:bodyPr/>
-          <a:lstStyle/>
-          <a:p>
-            <a:endParaRPr lang="en-US"/>
-          </a:p>
-        </p:txBody>
-      </p:sp>
-      <p:sp>
-        <p:nvSpPr>
-          <p:cNvPr id="7" name="Slide Number Placeholder 6"/>
-          <p:cNvSpPr>
-            <a:spLocks noGrp="1"/>
-          </p:cNvSpPr>
-          <p:nvPr>
-            <p:ph type="sldNum" sz="quarter" idx="12"/>
-          </p:nvPr>
-        </p:nvSpPr>
-        <p:spPr/>
-        <p:txBody>
-          <a:bodyPr/>
-          <a:lstStyle/>
-          <a:p>
-            <a:fld id="{B3561BA9-CDCF-4958-B8AB-66F3BF063E13}" type="slidenum">
-              <a:rPr lang="en-US" smtClean="0"/>
-            </a:fld>
-            <a:endParaRPr lang="en-US"/>
-          </a:p>
-        </p:txBody>
-      </p:sp>
-    </p:spTree>
+    <p:extLst>
+      <p:ext uri="{BB962C8B-B14F-4D97-AF65-F5344CB8AC3E}">
+        <p14:creationId xmlns:p14="http://schemas.microsoft.com/office/powerpoint/2010/main" val="2599791139"/>
+      </p:ext>
+    </p:extLst>
   </p:cSld>
   <p:clrMapOvr>
     <a:masterClrMapping/>
@@ -2867,9 +2486,12 @@
 <p:sldMaster xmlns:a="http://schemas.openxmlformats.org/drawingml/2006/main" xmlns:r="http://schemas.openxmlformats.org/officeDocument/2006/relationships" xmlns:p="http://schemas.openxmlformats.org/presentationml/2006/main">
   <p:cSld>
     <p:bg>
-      <p:bgRef idx="1001">
-        <a:schemeClr val="bg1"/>
-      </p:bgRef>
+      <p:bgPr>
+        <a:solidFill>
+          <a:schemeClr val="bg1"/>
+        </a:solidFill>
+        <a:effectLst/>
+      </p:bgPr>
     </p:bg>
     <p:spTree>
       <p:nvGrpSpPr>
@@ -2885,219 +2507,701 @@
           <a:chExt cx="0" cy="0"/>
         </a:xfrm>
       </p:grpSpPr>
+      <p:graphicFrame>
+        <p:nvGraphicFramePr>
+          <p:cNvPr id="12321" name="Object 33"/>
+          <p:cNvGraphicFramePr>
+            <a:graphicFrameLocks noChangeAspect="1"/>
+          </p:cNvGraphicFramePr>
+          <p:nvPr/>
+        </p:nvGraphicFramePr>
+        <p:xfrm>
+          <a:off x="2484438" y="2354263"/>
+          <a:ext cx="6659562" cy="4503737"/>
+        </p:xfrm>
+        <a:graphic>
+          <a:graphicData uri="http://schemas.openxmlformats.org/presentationml/2006/ole">
+            <mc:AlternateContent xmlns:mc="http://schemas.openxmlformats.org/markup-compatibility/2006">
+              <mc:Choice xmlns:v="urn:schemas-microsoft-com:vml" Requires="v">
+                <p:oleObj spid="_x0000_s12356" name="Image" r:id="rId11" imgW="5663492" imgH="3326984" progId="Photoshop.Image.7">
+                  <p:embed/>
+                </p:oleObj>
+              </mc:Choice>
+              <mc:Fallback>
+                <p:oleObj name="Image" r:id="rId11" imgW="5663492" imgH="3326984" progId="Photoshop.Image.7">
+                  <p:embed/>
+                  <p:pic>
+                    <p:nvPicPr>
+                      <p:cNvPr id="0" name="Object 33"/>
+                      <p:cNvPicPr>
+                        <a:picLocks noChangeAspect="1" noChangeArrowheads="1"/>
+                      </p:cNvPicPr>
+                      <p:nvPr/>
+                    </p:nvPicPr>
+                    <p:blipFill>
+                      <a:blip r:embed="rId12">
+                        <a:extLst>
+                          <a:ext uri="{28A0092B-C50C-407E-A947-70E740481C1C}">
+                            <a14:useLocalDpi xmlns:a14="http://schemas.microsoft.com/office/drawing/2010/main" val="0"/>
+                          </a:ext>
+                        </a:extLst>
+                      </a:blip>
+                      <a:srcRect/>
+                      <a:stretch>
+                        <a:fillRect/>
+                      </a:stretch>
+                    </p:blipFill>
+                    <p:spPr bwMode="auto">
+                      <a:xfrm>
+                        <a:off x="2484438" y="2354263"/>
+                        <a:ext cx="6659562" cy="4503737"/>
+                      </a:xfrm>
+                      <a:prstGeom prst="rect">
+                        <a:avLst/>
+                      </a:prstGeom>
+                      <a:noFill/>
+                      <a:ln>
+                        <a:noFill/>
+                      </a:ln>
+                      <a:effectLst/>
+                      <a:extLst>
+                        <a:ext uri="{909E8E84-426E-40DD-AFC4-6F175D3DCCD1}">
+                          <a14:hiddenFill xmlns:a14="http://schemas.microsoft.com/office/drawing/2010/main">
+                            <a:solidFill>
+                              <a:schemeClr val="accent1"/>
+                            </a:solidFill>
+                          </a14:hiddenFill>
+                        </a:ext>
+                        <a:ext uri="{91240B29-F687-4F45-9708-019B960494DF}">
+                          <a14:hiddenLine xmlns:a14="http://schemas.microsoft.com/office/drawing/2010/main" w="9525">
+                            <a:solidFill>
+                              <a:schemeClr val="tx1"/>
+                            </a:solidFill>
+                            <a:miter lim="800000"/>
+                            <a:headEnd/>
+                            <a:tailEnd/>
+                          </a14:hiddenLine>
+                        </a:ext>
+                        <a:ext uri="{AF507438-7753-43E0-B8FC-AC1667EBCBE1}">
+                          <a14:hiddenEffects xmlns:a14="http://schemas.microsoft.com/office/drawing/2010/main">
+                            <a:effectLst>
+                              <a:outerShdw dist="35921" dir="2700000" algn="ctr" rotWithShape="0">
+                                <a:schemeClr val="bg2"/>
+                              </a:outerShdw>
+                            </a:effectLst>
+                          </a14:hiddenEffects>
+                        </a:ext>
+                      </a:extLst>
+                    </p:spPr>
+                  </p:pic>
+                </p:oleObj>
+              </mc:Fallback>
+            </mc:AlternateContent>
+          </a:graphicData>
+        </a:graphic>
+      </p:graphicFrame>
       <p:sp>
         <p:nvSpPr>
-          <p:cNvPr id="2" name="Title Placeholder 1"/>
+          <p:cNvPr id="12322" name="Rectangle 34"/>
           <p:cNvSpPr>
-            <a:spLocks noGrp="1"/>
+            <a:spLocks noChangeArrowheads="1"/>
+          </p:cNvSpPr>
+          <p:nvPr/>
+        </p:nvSpPr>
+        <p:spPr bwMode="ltGray">
+          <a:xfrm>
+            <a:off x="0" y="-1588"/>
+            <a:ext cx="9144000" cy="838201"/>
+          </a:xfrm>
+          <a:prstGeom prst="rect">
+            <a:avLst/>
+          </a:prstGeom>
+          <a:gradFill rotWithShape="1">
+            <a:gsLst>
+              <a:gs pos="0">
+                <a:schemeClr val="tx1"/>
+              </a:gs>
+              <a:gs pos="100000">
+                <a:schemeClr val="tx1">
+                  <a:gamma/>
+                  <a:shade val="46275"/>
+                  <a:invGamma/>
+                </a:schemeClr>
+              </a:gs>
+            </a:gsLst>
+            <a:lin ang="5400000" scaled="1"/>
+          </a:gradFill>
+          <a:ln>
+            <a:noFill/>
+          </a:ln>
+          <a:effectLst/>
+          <a:extLst>
+            <a:ext uri="{91240B29-F687-4F45-9708-019B960494DF}">
+              <a14:hiddenLine xmlns:a14="http://schemas.microsoft.com/office/drawing/2010/main" w="9525">
+                <a:solidFill>
+                  <a:schemeClr val="tx1"/>
+                </a:solidFill>
+                <a:miter lim="800000"/>
+                <a:headEnd/>
+                <a:tailEnd/>
+              </a14:hiddenLine>
+            </a:ext>
+            <a:ext uri="{AF507438-7753-43E0-B8FC-AC1667EBCBE1}">
+              <a14:hiddenEffects xmlns:a14="http://schemas.microsoft.com/office/drawing/2010/main">
+                <a:effectLst>
+                  <a:outerShdw dist="35921" dir="2700000" algn="ctr" rotWithShape="0">
+                    <a:schemeClr val="bg2"/>
+                  </a:outerShdw>
+                </a:effectLst>
+              </a14:hiddenEffects>
+            </a:ext>
+          </a:extLst>
+        </p:spPr>
+        <p:txBody>
+          <a:bodyPr wrap="none" anchor="ctr"/>
+          <a:lstStyle/>
+          <a:p>
+            <a:endParaRPr lang="en-US"/>
+          </a:p>
+        </p:txBody>
+      </p:sp>
+      <p:sp>
+        <p:nvSpPr>
+          <p:cNvPr id="12323" name="Rectangle 35"/>
+          <p:cNvSpPr>
+            <a:spLocks noChangeArrowheads="1"/>
+          </p:cNvSpPr>
+          <p:nvPr/>
+        </p:nvSpPr>
+        <p:spPr bwMode="ltGray">
+          <a:xfrm flipV="1">
+            <a:off x="0" y="844550"/>
+            <a:ext cx="9144000" cy="87313"/>
+          </a:xfrm>
+          <a:prstGeom prst="rect">
+            <a:avLst/>
+          </a:prstGeom>
+          <a:solidFill>
+            <a:schemeClr val="accent2"/>
+          </a:solidFill>
+          <a:ln>
+            <a:noFill/>
+          </a:ln>
+          <a:effectLst/>
+          <a:extLst>
+            <a:ext uri="{91240B29-F687-4F45-9708-019B960494DF}">
+              <a14:hiddenLine xmlns:a14="http://schemas.microsoft.com/office/drawing/2010/main" w="9525">
+                <a:solidFill>
+                  <a:schemeClr val="tx1"/>
+                </a:solidFill>
+                <a:miter lim="800000"/>
+                <a:headEnd/>
+                <a:tailEnd/>
+              </a14:hiddenLine>
+            </a:ext>
+            <a:ext uri="{AF507438-7753-43E0-B8FC-AC1667EBCBE1}">
+              <a14:hiddenEffects xmlns:a14="http://schemas.microsoft.com/office/drawing/2010/main">
+                <a:effectLst>
+                  <a:outerShdw dist="35921" dir="2700000" algn="ctr" rotWithShape="0">
+                    <a:schemeClr val="bg2"/>
+                  </a:outerShdw>
+                </a:effectLst>
+              </a14:hiddenEffects>
+            </a:ext>
+          </a:extLst>
+        </p:spPr>
+        <p:txBody>
+          <a:bodyPr wrap="none" anchor="ctr"/>
+          <a:lstStyle/>
+          <a:p>
+            <a:endParaRPr lang="en-US"/>
+          </a:p>
+        </p:txBody>
+      </p:sp>
+      <p:sp>
+        <p:nvSpPr>
+          <p:cNvPr id="12324" name="Line 36"/>
+          <p:cNvSpPr>
+            <a:spLocks noChangeShapeType="1"/>
+          </p:cNvSpPr>
+          <p:nvPr/>
+        </p:nvSpPr>
+        <p:spPr bwMode="ltGray">
+          <a:xfrm>
+            <a:off x="0" y="876300"/>
+            <a:ext cx="9144000" cy="0"/>
+          </a:xfrm>
+          <a:prstGeom prst="line">
+            <a:avLst/>
+          </a:prstGeom>
+          <a:noFill/>
+          <a:ln w="9525">
+            <a:solidFill>
+              <a:schemeClr val="bg1"/>
+            </a:solidFill>
+            <a:round/>
+            <a:headEnd/>
+            <a:tailEnd/>
+          </a:ln>
+          <a:effectLst/>
+          <a:extLst>
+            <a:ext uri="{909E8E84-426E-40DD-AFC4-6F175D3DCCD1}">
+              <a14:hiddenFill xmlns:a14="http://schemas.microsoft.com/office/drawing/2010/main">
+                <a:noFill/>
+              </a14:hiddenFill>
+            </a:ext>
+            <a:ext uri="{AF507438-7753-43E0-B8FC-AC1667EBCBE1}">
+              <a14:hiddenEffects xmlns:a14="http://schemas.microsoft.com/office/drawing/2010/main">
+                <a:effectLst>
+                  <a:outerShdw dist="35921" dir="2700000" algn="ctr" rotWithShape="0">
+                    <a:schemeClr val="bg2"/>
+                  </a:outerShdw>
+                </a:effectLst>
+              </a14:hiddenEffects>
+            </a:ext>
+          </a:extLst>
+        </p:spPr>
+        <p:txBody>
+          <a:bodyPr/>
+          <a:lstStyle/>
+          <a:p>
+            <a:endParaRPr lang="en-US"/>
+          </a:p>
+        </p:txBody>
+      </p:sp>
+      <p:sp>
+        <p:nvSpPr>
+          <p:cNvPr id="12325" name="Rectangle 37"/>
+          <p:cNvSpPr>
+            <a:spLocks noChangeArrowheads="1"/>
+          </p:cNvSpPr>
+          <p:nvPr/>
+        </p:nvSpPr>
+        <p:spPr bwMode="ltGray">
+          <a:xfrm>
+            <a:off x="0" y="188913"/>
+            <a:ext cx="9144000" cy="127000"/>
+          </a:xfrm>
+          <a:prstGeom prst="rect">
+            <a:avLst/>
+          </a:prstGeom>
+          <a:gradFill rotWithShape="1">
+            <a:gsLst>
+              <a:gs pos="0">
+                <a:schemeClr val="tx1"/>
+              </a:gs>
+              <a:gs pos="100000">
+                <a:schemeClr val="tx1">
+                  <a:gamma/>
+                  <a:shade val="46275"/>
+                  <a:invGamma/>
+                </a:schemeClr>
+              </a:gs>
+            </a:gsLst>
+            <a:lin ang="5400000" scaled="1"/>
+          </a:gradFill>
+          <a:ln w="9525">
+            <a:solidFill>
+              <a:schemeClr val="tx1"/>
+            </a:solidFill>
+            <a:miter lim="800000"/>
+            <a:headEnd/>
+            <a:tailEnd/>
+          </a:ln>
+          <a:effectLst/>
+          <a:extLst>
+            <a:ext uri="{AF507438-7753-43E0-B8FC-AC1667EBCBE1}">
+              <a14:hiddenEffects xmlns:a14="http://schemas.microsoft.com/office/drawing/2010/main">
+                <a:effectLst>
+                  <a:outerShdw dist="35921" dir="2700000" algn="ctr" rotWithShape="0">
+                    <a:schemeClr val="bg2"/>
+                  </a:outerShdw>
+                </a:effectLst>
+              </a14:hiddenEffects>
+            </a:ext>
+          </a:extLst>
+        </p:spPr>
+        <p:txBody>
+          <a:bodyPr wrap="none" anchor="ctr"/>
+          <a:lstStyle/>
+          <a:p>
+            <a:endParaRPr lang="en-US"/>
+          </a:p>
+        </p:txBody>
+      </p:sp>
+      <p:sp>
+        <p:nvSpPr>
+          <p:cNvPr id="12326" name="Rectangle 38"/>
+          <p:cNvSpPr>
+            <a:spLocks noChangeArrowheads="1"/>
+          </p:cNvSpPr>
+          <p:nvPr/>
+        </p:nvSpPr>
+        <p:spPr bwMode="ltGray">
+          <a:xfrm>
+            <a:off x="0" y="350838"/>
+            <a:ext cx="9144000" cy="69850"/>
+          </a:xfrm>
+          <a:prstGeom prst="rect">
+            <a:avLst/>
+          </a:prstGeom>
+          <a:gradFill rotWithShape="1">
+            <a:gsLst>
+              <a:gs pos="0">
+                <a:schemeClr val="tx1"/>
+              </a:gs>
+              <a:gs pos="100000">
+                <a:schemeClr val="tx1">
+                  <a:gamma/>
+                  <a:shade val="46275"/>
+                  <a:invGamma/>
+                </a:schemeClr>
+              </a:gs>
+            </a:gsLst>
+            <a:lin ang="5400000" scaled="1"/>
+          </a:gradFill>
+          <a:ln w="9525">
+            <a:solidFill>
+              <a:schemeClr val="tx1"/>
+            </a:solidFill>
+            <a:miter lim="800000"/>
+            <a:headEnd/>
+            <a:tailEnd/>
+          </a:ln>
+          <a:effectLst/>
+          <a:extLst>
+            <a:ext uri="{AF507438-7753-43E0-B8FC-AC1667EBCBE1}">
+              <a14:hiddenEffects xmlns:a14="http://schemas.microsoft.com/office/drawing/2010/main">
+                <a:effectLst>
+                  <a:outerShdw dist="35921" dir="2700000" algn="ctr" rotWithShape="0">
+                    <a:schemeClr val="bg2"/>
+                  </a:outerShdw>
+                </a:effectLst>
+              </a14:hiddenEffects>
+            </a:ext>
+          </a:extLst>
+        </p:spPr>
+        <p:txBody>
+          <a:bodyPr wrap="none" anchor="ctr"/>
+          <a:lstStyle/>
+          <a:p>
+            <a:endParaRPr lang="en-US"/>
+          </a:p>
+        </p:txBody>
+      </p:sp>
+      <p:sp>
+        <p:nvSpPr>
+          <p:cNvPr id="12309" name="Rectangle 21"/>
+          <p:cNvSpPr>
+            <a:spLocks noGrp="1" noChangeArrowheads="1"/>
           </p:cNvSpPr>
           <p:nvPr>
             <p:ph type="title"/>
           </p:nvPr>
         </p:nvSpPr>
-        <p:spPr>
+        <p:spPr bwMode="white">
           <a:xfrm>
-            <a:off x="628651" y="365126"/>
-            <a:ext cx="7886712" cy="1325565"/>
+            <a:off x="179388" y="188913"/>
+            <a:ext cx="8785225" cy="725487"/>
           </a:xfrm>
           <a:prstGeom prst="rect">
             <a:avLst/>
           </a:prstGeom>
+          <a:noFill/>
+          <a:ln>
+            <a:noFill/>
+          </a:ln>
+          <a:effectLst/>
+          <a:extLst>
+            <a:ext uri="{909E8E84-426E-40DD-AFC4-6F175D3DCCD1}">
+              <a14:hiddenFill xmlns:a14="http://schemas.microsoft.com/office/drawing/2010/main">
+                <a:solidFill>
+                  <a:schemeClr val="accent1"/>
+                </a:solidFill>
+              </a14:hiddenFill>
+            </a:ext>
+            <a:ext uri="{91240B29-F687-4F45-9708-019B960494DF}">
+              <a14:hiddenLine xmlns:a14="http://schemas.microsoft.com/office/drawing/2010/main" w="9525">
+                <a:solidFill>
+                  <a:schemeClr val="tx1"/>
+                </a:solidFill>
+                <a:miter lim="800000"/>
+                <a:headEnd/>
+                <a:tailEnd/>
+              </a14:hiddenLine>
+            </a:ext>
+            <a:ext uri="{AF507438-7753-43E0-B8FC-AC1667EBCBE1}">
+              <a14:hiddenEffects xmlns:a14="http://schemas.microsoft.com/office/drawing/2010/main">
+                <a:effectLst>
+                  <a:outerShdw dist="35921" dir="2700000" algn="ctr" rotWithShape="0">
+                    <a:schemeClr val="bg2"/>
+                  </a:outerShdw>
+                </a:effectLst>
+              </a14:hiddenEffects>
+            </a:ext>
+          </a:extLst>
         </p:spPr>
         <p:txBody>
-          <a:bodyPr vert="horz" lIns="91440" tIns="45720" rIns="91440" bIns="45720" rtlCol="0" anchor="ctr">
-            <a:normAutofit/>
+          <a:bodyPr vert="horz" wrap="square" lIns="91440" tIns="45720" rIns="91440" bIns="45720" numCol="1" anchor="ctr" anchorCtr="0" compatLnSpc="1">
+            <a:prstTxWarp prst="textNoShape">
+              <a:avLst/>
+            </a:prstTxWarp>
           </a:bodyPr>
           <a:lstStyle/>
           <a:p>
-            <a:r>
-              <a:rPr lang="en-US" smtClean="0"/>
-              <a:t>Click to edit Master title style</a:t>
-            </a:r>
-            <a:endParaRPr lang="en-US"/>
+            <a:pPr lvl="0"/>
+            <a:r>
+              <a:rPr lang="zh-CN" altLang="en-US" smtClean="0"/>
+              <a:t>单击此处编辑母版标题样式</a:t>
+            </a:r>
+            <a:endParaRPr lang="en-US" altLang="ko-KR" smtClean="0"/>
           </a:p>
         </p:txBody>
       </p:sp>
       <p:sp>
         <p:nvSpPr>
-          <p:cNvPr id="3" name="Text Placeholder 2"/>
+          <p:cNvPr id="12310" name="Rectangle 22"/>
           <p:cNvSpPr>
-            <a:spLocks noGrp="1"/>
+            <a:spLocks noGrp="1" noChangeArrowheads="1"/>
           </p:cNvSpPr>
           <p:nvPr>
             <p:ph type="body" idx="1"/>
           </p:nvPr>
         </p:nvSpPr>
-        <p:spPr>
+        <p:spPr bwMode="auto">
           <a:xfrm>
-            <a:off x="628651" y="1825628"/>
-            <a:ext cx="7886712" cy="4351344"/>
+            <a:off x="457200" y="1268413"/>
+            <a:ext cx="8229600" cy="5056187"/>
           </a:xfrm>
           <a:prstGeom prst="rect">
             <a:avLst/>
           </a:prstGeom>
+          <a:noFill/>
+          <a:ln>
+            <a:noFill/>
+          </a:ln>
+          <a:effectLst/>
+          <a:extLst>
+            <a:ext uri="{909E8E84-426E-40DD-AFC4-6F175D3DCCD1}">
+              <a14:hiddenFill xmlns:a14="http://schemas.microsoft.com/office/drawing/2010/main">
+                <a:solidFill>
+                  <a:schemeClr val="accent1"/>
+                </a:solidFill>
+              </a14:hiddenFill>
+            </a:ext>
+            <a:ext uri="{91240B29-F687-4F45-9708-019B960494DF}">
+              <a14:hiddenLine xmlns:a14="http://schemas.microsoft.com/office/drawing/2010/main" w="9525">
+                <a:solidFill>
+                  <a:schemeClr val="tx1"/>
+                </a:solidFill>
+                <a:miter lim="800000"/>
+                <a:headEnd/>
+                <a:tailEnd/>
+              </a14:hiddenLine>
+            </a:ext>
+            <a:ext uri="{AF507438-7753-43E0-B8FC-AC1667EBCBE1}">
+              <a14:hiddenEffects xmlns:a14="http://schemas.microsoft.com/office/drawing/2010/main">
+                <a:effectLst>
+                  <a:outerShdw dist="35921" dir="2700000" algn="ctr" rotWithShape="0">
+                    <a:schemeClr val="bg2"/>
+                  </a:outerShdw>
+                </a:effectLst>
+              </a14:hiddenEffects>
+            </a:ext>
+          </a:extLst>
         </p:spPr>
         <p:txBody>
-          <a:bodyPr vert="horz" lIns="91440" tIns="45720" rIns="91440" bIns="45720" rtlCol="0">
-            <a:normAutofit/>
+          <a:bodyPr vert="horz" wrap="square" lIns="91440" tIns="45720" rIns="91440" bIns="45720" numCol="1" anchor="t" anchorCtr="0" compatLnSpc="1">
+            <a:prstTxWarp prst="textNoShape">
+              <a:avLst/>
+            </a:prstTxWarp>
           </a:bodyPr>
           <a:lstStyle/>
           <a:p>
             <a:pPr lvl="0"/>
             <a:r>
-              <a:rPr lang="en-US" smtClean="0"/>
-              <a:t>Click to edit Master text styles</a:t>
-            </a:r>
-            <a:endParaRPr lang="en-US" smtClean="0"/>
+              <a:rPr lang="zh-CN" altLang="en-US" smtClean="0"/>
+              <a:t>编辑母版文本样式</a:t>
+            </a:r>
           </a:p>
           <a:p>
             <a:pPr lvl="1"/>
             <a:r>
-              <a:rPr lang="en-US" smtClean="0"/>
-              <a:t>Second level</a:t>
-            </a:r>
-            <a:endParaRPr lang="en-US" smtClean="0"/>
+              <a:rPr lang="zh-CN" altLang="en-US" smtClean="0"/>
+              <a:t>第二级</a:t>
+            </a:r>
           </a:p>
           <a:p>
             <a:pPr lvl="2"/>
             <a:r>
-              <a:rPr lang="en-US" smtClean="0"/>
-              <a:t>Third level</a:t>
-            </a:r>
-            <a:endParaRPr lang="en-US" smtClean="0"/>
+              <a:rPr lang="zh-CN" altLang="en-US" smtClean="0"/>
+              <a:t>第三级</a:t>
+            </a:r>
           </a:p>
           <a:p>
             <a:pPr lvl="3"/>
             <a:r>
-              <a:rPr lang="en-US" smtClean="0"/>
-              <a:t>Fourth level</a:t>
-            </a:r>
-            <a:endParaRPr lang="en-US" smtClean="0"/>
+              <a:rPr lang="zh-CN" altLang="en-US" smtClean="0"/>
+              <a:t>第四级</a:t>
+            </a:r>
           </a:p>
           <a:p>
             <a:pPr lvl="4"/>
             <a:r>
-              <a:rPr lang="en-US" smtClean="0"/>
-              <a:t>Fifth level</a:t>
-            </a:r>
-            <a:endParaRPr lang="en-US"/>
+              <a:rPr lang="zh-CN" altLang="en-US" smtClean="0"/>
+              <a:t>第五级</a:t>
+            </a:r>
+            <a:endParaRPr lang="en-US" altLang="ko-KR" smtClean="0"/>
           </a:p>
         </p:txBody>
       </p:sp>
       <p:sp>
         <p:nvSpPr>
-          <p:cNvPr id="4" name="Date Placeholder 3"/>
+          <p:cNvPr id="12312" name="Rectangle 24"/>
           <p:cNvSpPr>
-            <a:spLocks noGrp="1"/>
-          </p:cNvSpPr>
-          <p:nvPr>
-            <p:ph type="dt" sz="half" idx="2"/>
-          </p:nvPr>
-        </p:nvSpPr>
-        <p:spPr>
-          <a:xfrm>
-            <a:off x="628651" y="6356359"/>
-            <a:ext cx="2057403" cy="365126"/>
-          </a:xfrm>
-          <a:prstGeom prst="rect">
-            <a:avLst/>
-          </a:prstGeom>
-        </p:spPr>
-        <p:txBody>
-          <a:bodyPr vert="horz" lIns="91440" tIns="45720" rIns="91440" bIns="45720" rtlCol="0" anchor="ctr"/>
-          <a:lstStyle>
-            <a:lvl1pPr algn="l">
-              <a:defRPr sz="1200">
-                <a:solidFill>
-                  <a:schemeClr val="tx1">
-                    <a:tint val="75000"/>
-                  </a:schemeClr>
-                </a:solidFill>
-              </a:defRPr>
-            </a:lvl1pPr>
-          </a:lstStyle>
-          <a:p>
-            <a:fld id="{FDE934FF-F4E1-47C5-9CA5-30A81DDE2BE4}" type="datetimeFigureOut">
-              <a:rPr lang="en-US" smtClean="0"/>
-            </a:fld>
-            <a:endParaRPr lang="en-US"/>
-          </a:p>
-        </p:txBody>
-      </p:sp>
-      <p:sp>
-        <p:nvSpPr>
-          <p:cNvPr id="5" name="Footer Placeholder 4"/>
-          <p:cNvSpPr>
-            <a:spLocks noGrp="1"/>
+            <a:spLocks noGrp="1" noChangeArrowheads="1"/>
           </p:cNvSpPr>
           <p:nvPr>
             <p:ph type="ftr" sz="quarter" idx="3"/>
           </p:nvPr>
         </p:nvSpPr>
-        <p:spPr>
+        <p:spPr bwMode="auto">
           <a:xfrm>
-            <a:off x="3028955" y="6356359"/>
-            <a:ext cx="3086105" cy="365126"/>
+            <a:off x="5943600" y="6477000"/>
+            <a:ext cx="2895600" cy="304800"/>
           </a:xfrm>
           <a:prstGeom prst="rect">
             <a:avLst/>
           </a:prstGeom>
+          <a:noFill/>
+          <a:ln>
+            <a:noFill/>
+          </a:ln>
+          <a:effectLst/>
+          <a:extLst>
+            <a:ext uri="{909E8E84-426E-40DD-AFC4-6F175D3DCCD1}">
+              <a14:hiddenFill xmlns:a14="http://schemas.microsoft.com/office/drawing/2010/main">
+                <a:solidFill>
+                  <a:schemeClr val="accent1"/>
+                </a:solidFill>
+              </a14:hiddenFill>
+            </a:ext>
+            <a:ext uri="{91240B29-F687-4F45-9708-019B960494DF}">
+              <a14:hiddenLine xmlns:a14="http://schemas.microsoft.com/office/drawing/2010/main" w="9525">
+                <a:solidFill>
+                  <a:schemeClr val="tx1"/>
+                </a:solidFill>
+                <a:miter lim="800000"/>
+                <a:headEnd/>
+                <a:tailEnd/>
+              </a14:hiddenLine>
+            </a:ext>
+            <a:ext uri="{AF507438-7753-43E0-B8FC-AC1667EBCBE1}">
+              <a14:hiddenEffects xmlns:a14="http://schemas.microsoft.com/office/drawing/2010/main">
+                <a:effectLst>
+                  <a:outerShdw dist="35921" dir="2700000" algn="ctr" rotWithShape="0">
+                    <a:schemeClr val="bg2"/>
+                  </a:outerShdw>
+                </a:effectLst>
+              </a14:hiddenEffects>
+            </a:ext>
+          </a:extLst>
         </p:spPr>
         <p:txBody>
-          <a:bodyPr vert="horz" lIns="91440" tIns="45720" rIns="91440" bIns="45720" rtlCol="0" anchor="ctr"/>
+          <a:bodyPr vert="horz" wrap="square" lIns="91440" tIns="45720" rIns="91440" bIns="45720" numCol="1" anchor="t" anchorCtr="0" compatLnSpc="1">
+            <a:prstTxWarp prst="textNoShape">
+              <a:avLst/>
+            </a:prstTxWarp>
+          </a:bodyPr>
           <a:lstStyle>
-            <a:lvl1pPr algn="ctr">
-              <a:defRPr sz="1200">
-                <a:solidFill>
-                  <a:schemeClr val="tx1">
-                    <a:tint val="75000"/>
-                  </a:schemeClr>
-                </a:solidFill>
+            <a:lvl1pPr algn="r" eaLnBrk="1" hangingPunct="1">
+              <a:defRPr sz="1200" b="1">
+                <a:latin typeface="+mn-lt"/>
+                <a:ea typeface="굴림" pitchFamily="50" charset="-127"/>
               </a:defRPr>
             </a:lvl1pPr>
           </a:lstStyle>
           <a:p>
-            <a:endParaRPr lang="en-US"/>
+            <a:r>
+              <a:rPr lang="en-US" altLang="ko-KR"/>
+              <a:t>Company Logo</a:t>
+            </a:r>
           </a:p>
         </p:txBody>
       </p:sp>
       <p:sp>
         <p:nvSpPr>
-          <p:cNvPr id="6" name="Slide Number Placeholder 5"/>
+          <p:cNvPr id="12313" name="Rectangle 25"/>
           <p:cNvSpPr>
-            <a:spLocks noGrp="1"/>
+            <a:spLocks noGrp="1" noChangeArrowheads="1"/>
           </p:cNvSpPr>
           <p:nvPr>
             <p:ph type="sldNum" sz="quarter" idx="4"/>
           </p:nvPr>
         </p:nvSpPr>
-        <p:spPr>
+        <p:spPr bwMode="auto">
           <a:xfrm>
-            <a:off x="6457960" y="6356359"/>
-            <a:ext cx="2057403" cy="365126"/>
+            <a:off x="3276600" y="6477000"/>
+            <a:ext cx="2133600" cy="304800"/>
           </a:xfrm>
           <a:prstGeom prst="rect">
             <a:avLst/>
           </a:prstGeom>
+          <a:noFill/>
+          <a:ln>
+            <a:noFill/>
+          </a:ln>
+          <a:effectLst/>
+          <a:extLst>
+            <a:ext uri="{909E8E84-426E-40DD-AFC4-6F175D3DCCD1}">
+              <a14:hiddenFill xmlns:a14="http://schemas.microsoft.com/office/drawing/2010/main">
+                <a:solidFill>
+                  <a:schemeClr val="accent1"/>
+                </a:solidFill>
+              </a14:hiddenFill>
+            </a:ext>
+            <a:ext uri="{91240B29-F687-4F45-9708-019B960494DF}">
+              <a14:hiddenLine xmlns:a14="http://schemas.microsoft.com/office/drawing/2010/main" w="9525">
+                <a:solidFill>
+                  <a:schemeClr val="tx1"/>
+                </a:solidFill>
+                <a:miter lim="800000"/>
+                <a:headEnd/>
+                <a:tailEnd/>
+              </a14:hiddenLine>
+            </a:ext>
+            <a:ext uri="{AF507438-7753-43E0-B8FC-AC1667EBCBE1}">
+              <a14:hiddenEffects xmlns:a14="http://schemas.microsoft.com/office/drawing/2010/main">
+                <a:effectLst>
+                  <a:outerShdw dist="35921" dir="2700000" algn="ctr" rotWithShape="0">
+                    <a:schemeClr val="bg2"/>
+                  </a:outerShdw>
+                </a:effectLst>
+              </a14:hiddenEffects>
+            </a:ext>
+          </a:extLst>
         </p:spPr>
         <p:txBody>
-          <a:bodyPr vert="horz" lIns="91440" tIns="45720" rIns="91440" bIns="45720" rtlCol="0" anchor="ctr"/>
+          <a:bodyPr vert="horz" wrap="square" lIns="91440" tIns="45720" rIns="91440" bIns="45720" numCol="1" anchor="t" anchorCtr="0" compatLnSpc="1">
+            <a:prstTxWarp prst="textNoShape">
+              <a:avLst/>
+            </a:prstTxWarp>
+          </a:bodyPr>
           <a:lstStyle>
-            <a:lvl1pPr algn="r">
-              <a:defRPr sz="1200">
-                <a:solidFill>
-                  <a:schemeClr val="tx1">
-                    <a:tint val="75000"/>
-                  </a:schemeClr>
-                </a:solidFill>
+            <a:lvl1pPr algn="ctr" eaLnBrk="1" hangingPunct="1">
+              <a:defRPr sz="1200" b="1">
+                <a:latin typeface="+mn-lt"/>
+                <a:ea typeface="굴림" pitchFamily="50" charset="-127"/>
               </a:defRPr>
             </a:lvl1pPr>
           </a:lstStyle>
           <a:p>
-            <a:fld id="{B3561BA9-CDCF-4958-B8AB-66F3BF063E13}" type="slidenum">
-              <a:rPr lang="en-US" smtClean="0"/>
+            <a:fld id="{9AC44FBD-1D49-4AFD-B350-6C33E011DFF3}" type="slidenum">
+              <a:rPr lang="ko-KR" altLang="en-US"/>
+              <a:pPr/>
+              <a:t>‹#›</a:t>
             </a:fld>
-            <a:endParaRPr lang="en-US"/>
+            <a:endParaRPr lang="en-US" altLang="ko-KR"/>
           </a:p>
         </p:txBody>
       </p:sp>
@@ -3105,123 +3209,258 @@
   </p:cSld>
   <p:clrMap bg1="lt1" tx1="dk1" bg2="lt2" tx2="dk2" accent1="accent1" accent2="accent2" accent3="accent3" accent4="accent4" accent5="accent5" accent6="accent6" hlink="hlink" folHlink="folHlink"/>
   <p:sldLayoutIdLst>
-    <p:sldLayoutId id="2147483649" r:id="rId1"/>
-    <p:sldLayoutId id="2147483650" r:id="rId2"/>
-    <p:sldLayoutId id="2147483651" r:id="rId3"/>
-    <p:sldLayoutId id="2147483652" r:id="rId4"/>
-    <p:sldLayoutId id="2147483653" r:id="rId5"/>
-    <p:sldLayoutId id="2147483654" r:id="rId6"/>
-    <p:sldLayoutId id="2147483655" r:id="rId7"/>
-    <p:sldLayoutId id="2147483656" r:id="rId8"/>
-    <p:sldLayoutId id="2147483657" r:id="rId9"/>
-    <p:sldLayoutId id="2147483658" r:id="rId10"/>
-    <p:sldLayoutId id="2147483659" r:id="rId11"/>
+    <p:sldLayoutId id="2147483657" r:id="rId1"/>
+    <p:sldLayoutId id="2147483658" r:id="rId2"/>
+    <p:sldLayoutId id="2147483659" r:id="rId3"/>
+    <p:sldLayoutId id="2147483660" r:id="rId4"/>
+    <p:sldLayoutId id="2147483661" r:id="rId5"/>
+    <p:sldLayoutId id="2147483662" r:id="rId6"/>
+    <p:sldLayoutId id="2147483663" r:id="rId7"/>
+    <p:sldLayoutId id="2147483664" r:id="rId8"/>
   </p:sldLayoutIdLst>
+  <p:timing>
+    <p:tnLst>
+      <p:par>
+        <p:cTn id="1" dur="indefinite" restart="never" nodeType="tmRoot"/>
+      </p:par>
+    </p:tnLst>
+  </p:timing>
+  <p:hf sldNum="0" hdr="0"/>
   <p:txStyles>
     <p:titleStyle>
-      <a:lvl1pPr algn="l" defTabSz="914400" rtl="0" eaLnBrk="1" latinLnBrk="0" hangingPunct="1">
-        <a:lnSpc>
-          <a:spcPct val="90000"/>
-        </a:lnSpc>
+      <a:lvl1pPr algn="ctr" rtl="0" eaLnBrk="1" fontAlgn="base" hangingPunct="1">
         <a:spcBef>
           <a:spcPct val="0"/>
         </a:spcBef>
-        <a:buNone/>
-        <a:defRPr sz="4400" kern="1200">
+        <a:spcAft>
+          <a:spcPct val="0"/>
+        </a:spcAft>
+        <a:defRPr sz="3200" b="1" kern="1200">
           <a:solidFill>
-            <a:schemeClr val="tx1"/>
+            <a:schemeClr val="bg1"/>
           </a:solidFill>
           <a:latin typeface="+mj-lt"/>
           <a:ea typeface="+mj-ea"/>
           <a:cs typeface="+mj-cs"/>
         </a:defRPr>
       </a:lvl1pPr>
+      <a:lvl2pPr algn="ctr" rtl="0" eaLnBrk="1" fontAlgn="base" hangingPunct="1">
+        <a:spcBef>
+          <a:spcPct val="0"/>
+        </a:spcBef>
+        <a:spcAft>
+          <a:spcPct val="0"/>
+        </a:spcAft>
+        <a:defRPr sz="3200" b="1">
+          <a:solidFill>
+            <a:schemeClr val="bg1"/>
+          </a:solidFill>
+          <a:latin typeface="Verdana" panose="020B0604030504040204" pitchFamily="34" charset="0"/>
+        </a:defRPr>
+      </a:lvl2pPr>
+      <a:lvl3pPr algn="ctr" rtl="0" eaLnBrk="1" fontAlgn="base" hangingPunct="1">
+        <a:spcBef>
+          <a:spcPct val="0"/>
+        </a:spcBef>
+        <a:spcAft>
+          <a:spcPct val="0"/>
+        </a:spcAft>
+        <a:defRPr sz="3200" b="1">
+          <a:solidFill>
+            <a:schemeClr val="bg1"/>
+          </a:solidFill>
+          <a:latin typeface="Verdana" panose="020B0604030504040204" pitchFamily="34" charset="0"/>
+        </a:defRPr>
+      </a:lvl3pPr>
+      <a:lvl4pPr algn="ctr" rtl="0" eaLnBrk="1" fontAlgn="base" hangingPunct="1">
+        <a:spcBef>
+          <a:spcPct val="0"/>
+        </a:spcBef>
+        <a:spcAft>
+          <a:spcPct val="0"/>
+        </a:spcAft>
+        <a:defRPr sz="3200" b="1">
+          <a:solidFill>
+            <a:schemeClr val="bg1"/>
+          </a:solidFill>
+          <a:latin typeface="Verdana" panose="020B0604030504040204" pitchFamily="34" charset="0"/>
+        </a:defRPr>
+      </a:lvl4pPr>
+      <a:lvl5pPr algn="ctr" rtl="0" eaLnBrk="1" fontAlgn="base" hangingPunct="1">
+        <a:spcBef>
+          <a:spcPct val="0"/>
+        </a:spcBef>
+        <a:spcAft>
+          <a:spcPct val="0"/>
+        </a:spcAft>
+        <a:defRPr sz="3200" b="1">
+          <a:solidFill>
+            <a:schemeClr val="bg1"/>
+          </a:solidFill>
+          <a:latin typeface="Verdana" panose="020B0604030504040204" pitchFamily="34" charset="0"/>
+        </a:defRPr>
+      </a:lvl5pPr>
+      <a:lvl6pPr marL="457200" algn="ctr" rtl="0" eaLnBrk="1" fontAlgn="base" hangingPunct="1">
+        <a:spcBef>
+          <a:spcPct val="0"/>
+        </a:spcBef>
+        <a:spcAft>
+          <a:spcPct val="0"/>
+        </a:spcAft>
+        <a:defRPr sz="3200" b="1">
+          <a:solidFill>
+            <a:schemeClr val="bg1"/>
+          </a:solidFill>
+          <a:latin typeface="Verdana" panose="020B0604030504040204" pitchFamily="34" charset="0"/>
+        </a:defRPr>
+      </a:lvl6pPr>
+      <a:lvl7pPr marL="914400" algn="ctr" rtl="0" eaLnBrk="1" fontAlgn="base" hangingPunct="1">
+        <a:spcBef>
+          <a:spcPct val="0"/>
+        </a:spcBef>
+        <a:spcAft>
+          <a:spcPct val="0"/>
+        </a:spcAft>
+        <a:defRPr sz="3200" b="1">
+          <a:solidFill>
+            <a:schemeClr val="bg1"/>
+          </a:solidFill>
+          <a:latin typeface="Verdana" panose="020B0604030504040204" pitchFamily="34" charset="0"/>
+        </a:defRPr>
+      </a:lvl7pPr>
+      <a:lvl8pPr marL="1371600" algn="ctr" rtl="0" eaLnBrk="1" fontAlgn="base" hangingPunct="1">
+        <a:spcBef>
+          <a:spcPct val="0"/>
+        </a:spcBef>
+        <a:spcAft>
+          <a:spcPct val="0"/>
+        </a:spcAft>
+        <a:defRPr sz="3200" b="1">
+          <a:solidFill>
+            <a:schemeClr val="bg1"/>
+          </a:solidFill>
+          <a:latin typeface="Verdana" panose="020B0604030504040204" pitchFamily="34" charset="0"/>
+        </a:defRPr>
+      </a:lvl8pPr>
+      <a:lvl9pPr marL="1828800" algn="ctr" rtl="0" eaLnBrk="1" fontAlgn="base" hangingPunct="1">
+        <a:spcBef>
+          <a:spcPct val="0"/>
+        </a:spcBef>
+        <a:spcAft>
+          <a:spcPct val="0"/>
+        </a:spcAft>
+        <a:defRPr sz="3200" b="1">
+          <a:solidFill>
+            <a:schemeClr val="bg1"/>
+          </a:solidFill>
+          <a:latin typeface="Verdana" panose="020B0604030504040204" pitchFamily="34" charset="0"/>
+        </a:defRPr>
+      </a:lvl9pPr>
     </p:titleStyle>
     <p:bodyStyle>
-      <a:lvl1pPr marL="228600" indent="-228600" algn="l" defTabSz="914400" rtl="0" eaLnBrk="1" latinLnBrk="0" hangingPunct="1">
-        <a:lnSpc>
-          <a:spcPct val="90000"/>
-        </a:lnSpc>
+      <a:lvl1pPr marL="342900" indent="-342900" algn="l" rtl="0" eaLnBrk="1" fontAlgn="base" hangingPunct="1">
         <a:spcBef>
-          <a:spcPts val="1000"/>
+          <a:spcPct val="20000"/>
         </a:spcBef>
-        <a:buFont typeface="Arial" panose="02080604020202020204" charset="0"/>
-        <a:buChar char="•"/>
-        <a:defRPr sz="2800" kern="1200">
+        <a:spcAft>
+          <a:spcPct val="0"/>
+        </a:spcAft>
+        <a:buClr>
+          <a:schemeClr val="accent1"/>
+        </a:buClr>
+        <a:buFont typeface="Wingdings" panose="05000000000000000000" pitchFamily="2" charset="2"/>
+        <a:buChar char="v"/>
+        <a:defRPr sz="2800" b="1" kern="1200">
           <a:solidFill>
-            <a:schemeClr val="tx1"/>
+            <a:schemeClr val="accent1"/>
           </a:solidFill>
           <a:latin typeface="+mn-lt"/>
           <a:ea typeface="+mn-ea"/>
           <a:cs typeface="+mn-cs"/>
         </a:defRPr>
       </a:lvl1pPr>
-      <a:lvl2pPr marL="685800" indent="-228600" algn="l" defTabSz="914400" rtl="0" eaLnBrk="1" latinLnBrk="0" hangingPunct="1">
-        <a:lnSpc>
-          <a:spcPct val="90000"/>
-        </a:lnSpc>
+      <a:lvl2pPr marL="742950" indent="-285750" algn="l" rtl="0" eaLnBrk="1" fontAlgn="base" hangingPunct="1">
         <a:spcBef>
-          <a:spcPts val="500"/>
+          <a:spcPct val="20000"/>
         </a:spcBef>
-        <a:buFont typeface="Arial" panose="02080604020202020204" charset="0"/>
-        <a:buChar char="•"/>
+        <a:spcAft>
+          <a:spcPct val="0"/>
+        </a:spcAft>
+        <a:buClr>
+          <a:schemeClr val="tx2"/>
+        </a:buClr>
+        <a:buSzPct val="60000"/>
+        <a:buFont typeface="Wingdings" panose="05000000000000000000" pitchFamily="2" charset="2"/>
+        <a:buChar char="n"/>
         <a:defRPr sz="2400" kern="1200">
           <a:solidFill>
-            <a:schemeClr val="tx1"/>
+            <a:schemeClr val="tx2"/>
           </a:solidFill>
           <a:latin typeface="+mn-lt"/>
           <a:ea typeface="+mn-ea"/>
           <a:cs typeface="+mn-cs"/>
         </a:defRPr>
       </a:lvl2pPr>
-      <a:lvl3pPr marL="1143000" indent="-228600" algn="l" defTabSz="914400" rtl="0" eaLnBrk="1" latinLnBrk="0" hangingPunct="1">
-        <a:lnSpc>
-          <a:spcPct val="90000"/>
-        </a:lnSpc>
+      <a:lvl3pPr marL="1143000" indent="-228600" algn="l" rtl="0" eaLnBrk="1" fontAlgn="base" hangingPunct="1">
         <a:spcBef>
-          <a:spcPts val="500"/>
+          <a:spcPct val="20000"/>
         </a:spcBef>
-        <a:buFont typeface="Arial" panose="02080604020202020204" charset="0"/>
-        <a:buChar char="•"/>
-        <a:defRPr sz="2000" kern="1200">
+        <a:spcAft>
+          <a:spcPct val="0"/>
+        </a:spcAft>
+        <a:buClr>
+          <a:schemeClr val="folHlink"/>
+        </a:buClr>
+        <a:buSzPct val="60000"/>
+        <a:buFont typeface="Wingdings" panose="05000000000000000000" pitchFamily="2" charset="2"/>
+        <a:buChar char="n"/>
+        <a:defRPr sz="2400" kern="1200">
           <a:solidFill>
-            <a:schemeClr val="tx1"/>
+            <a:schemeClr val="tx2"/>
           </a:solidFill>
           <a:latin typeface="+mn-lt"/>
           <a:ea typeface="+mn-ea"/>
           <a:cs typeface="+mn-cs"/>
         </a:defRPr>
       </a:lvl3pPr>
-      <a:lvl4pPr marL="1600200" indent="-228600" algn="l" defTabSz="914400" rtl="0" eaLnBrk="1" latinLnBrk="0" hangingPunct="1">
-        <a:lnSpc>
-          <a:spcPct val="90000"/>
-        </a:lnSpc>
+      <a:lvl4pPr marL="1600200" indent="-228600" algn="l" rtl="0" eaLnBrk="1" fontAlgn="base" hangingPunct="1">
         <a:spcBef>
-          <a:spcPts val="500"/>
+          <a:spcPct val="20000"/>
         </a:spcBef>
-        <a:buFont typeface="Arial" panose="02080604020202020204" charset="0"/>
-        <a:buChar char="•"/>
-        <a:defRPr sz="1800" kern="1200">
+        <a:spcAft>
+          <a:spcPct val="0"/>
+        </a:spcAft>
+        <a:buClr>
+          <a:schemeClr val="tx2"/>
+        </a:buClr>
+        <a:buSzPct val="60000"/>
+        <a:buFont typeface="Wingdings" panose="05000000000000000000" pitchFamily="2" charset="2"/>
+        <a:buChar char="n"/>
+        <a:defRPr sz="2000" kern="1200">
           <a:solidFill>
-            <a:schemeClr val="tx1"/>
+            <a:schemeClr val="tx2"/>
           </a:solidFill>
           <a:latin typeface="+mn-lt"/>
           <a:ea typeface="+mn-ea"/>
           <a:cs typeface="+mn-cs"/>
         </a:defRPr>
       </a:lvl4pPr>
-      <a:lvl5pPr marL="2057400" indent="-228600" algn="l" defTabSz="914400" rtl="0" eaLnBrk="1" latinLnBrk="0" hangingPunct="1">
-        <a:lnSpc>
-          <a:spcPct val="90000"/>
-        </a:lnSpc>
+      <a:lvl5pPr marL="2057400" indent="-228600" algn="l" rtl="0" eaLnBrk="1" fontAlgn="base" hangingPunct="1">
         <a:spcBef>
-          <a:spcPts val="500"/>
+          <a:spcPct val="20000"/>
         </a:spcBef>
-        <a:buFont typeface="Arial" panose="02080604020202020204" charset="0"/>
-        <a:buChar char="•"/>
-        <a:defRPr sz="1800" kern="1200">
+        <a:spcAft>
+          <a:spcPct val="0"/>
+        </a:spcAft>
+        <a:buClr>
+          <a:schemeClr val="folHlink"/>
+        </a:buClr>
+        <a:buSzPct val="60000"/>
+        <a:buFont typeface="Wingdings" panose="05000000000000000000" pitchFamily="2" charset="2"/>
+        <a:buChar char="n"/>
+        <a:defRPr sz="2000" kern="1200">
           <a:solidFill>
-            <a:schemeClr val="tx1"/>
+            <a:schemeClr val="tx2"/>
           </a:solidFill>
           <a:latin typeface="+mn-lt"/>
           <a:ea typeface="+mn-ea"/>
@@ -3235,7 +3474,7 @@
         <a:spcBef>
           <a:spcPts val="500"/>
         </a:spcBef>
-        <a:buFont typeface="Arial" panose="02080604020202020204" charset="0"/>
+        <a:buFont typeface="Arial" panose="020B0604020202020204" pitchFamily="34" charset="0"/>
         <a:buChar char="•"/>
         <a:defRPr sz="1800" kern="1200">
           <a:solidFill>
@@ -3253,7 +3492,7 @@
         <a:spcBef>
           <a:spcPts val="500"/>
         </a:spcBef>
-        <a:buFont typeface="Arial" panose="02080604020202020204" charset="0"/>
+        <a:buFont typeface="Arial" panose="020B0604020202020204" pitchFamily="34" charset="0"/>
         <a:buChar char="•"/>
         <a:defRPr sz="1800" kern="1200">
           <a:solidFill>
@@ -3271,7 +3510,7 @@
         <a:spcBef>
           <a:spcPts val="500"/>
         </a:spcBef>
-        <a:buFont typeface="Arial" panose="02080604020202020204" charset="0"/>
+        <a:buFont typeface="Arial" panose="020B0604020202020204" pitchFamily="34" charset="0"/>
         <a:buChar char="•"/>
         <a:defRPr sz="1800" kern="1200">
           <a:solidFill>
@@ -3289,7 +3528,7 @@
         <a:spcBef>
           <a:spcPts val="500"/>
         </a:spcBef>
-        <a:buFont typeface="Arial" panose="02080604020202020204" charset="0"/>
+        <a:buFont typeface="Arial" panose="020B0604020202020204" pitchFamily="34" charset="0"/>
         <a:buChar char="•"/>
         <a:defRPr sz="1800" kern="1200">
           <a:solidFill>
@@ -3409,12 +3648,19 @@
         <p:cNvGrpSpPr/>
         <p:nvPr/>
       </p:nvGrpSpPr>
-      <p:grpSpPr/>
+      <p:grpSpPr>
+        <a:xfrm>
+          <a:off x="0" y="0"/>
+          <a:ext cx="0" cy="0"/>
+          <a:chOff x="0" y="0"/>
+          <a:chExt cx="0" cy="0"/>
+        </a:xfrm>
+      </p:grpSpPr>
       <p:sp>
         <p:nvSpPr>
-          <p:cNvPr id="2" name="Title 1"/>
+          <p:cNvPr id="34820" name="Rectangle 4"/>
           <p:cNvSpPr>
-            <a:spLocks noGrp="1"/>
+            <a:spLocks noGrp="1" noChangeArrowheads="1"/>
           </p:cNvSpPr>
           <p:nvPr>
             <p:ph type="ctrTitle"/>
@@ -3423,20 +3669,35 @@
         <p:spPr/>
         <p:txBody>
           <a:bodyPr/>
-          <a:p>
-            <a:r>
-              <a:rPr lang="x-none" altLang=""/>
-              <a:t>hitchhiking express</a:t>
-            </a:r>
-            <a:endParaRPr lang="x-none" altLang=""/>
+          <a:lstStyle/>
+          <a:p>
+            <a:r>
+              <a:rPr lang="en-US" altLang="zh-CN" dirty="0" smtClean="0"/>
+              <a:t>H</a:t>
+            </a:r>
+            <a:r>
+              <a:rPr lang="x-none" altLang="" dirty="0" smtClean="0"/>
+              <a:t>itchhiking </a:t>
+            </a:r>
+            <a:r>
+              <a:rPr lang="en-US" altLang="zh-CN" b="0" dirty="0" smtClean="0"/>
+              <a:t>E</a:t>
+            </a:r>
+            <a:r>
+              <a:rPr lang="x-none" altLang="" b="0" dirty="0" smtClean="0"/>
+              <a:t>xpress</a:t>
+            </a:r>
+            <a:endParaRPr lang="ko-KR" altLang="en-US" b="0" dirty="0">
+              <a:ea typeface="굴림" pitchFamily="50" charset="-127"/>
+            </a:endParaRPr>
           </a:p>
         </p:txBody>
       </p:sp>
       <p:sp>
         <p:nvSpPr>
-          <p:cNvPr id="3" name="Subtitle 2"/>
+          <p:cNvPr id="34821" name="Rectangle 5"/>
           <p:cNvSpPr>
-            <a:spLocks noGrp="1"/>
+            <a:spLocks noGrp="1" noChangeArrowheads="1"/>
           </p:cNvSpPr>
           <p:nvPr>
             <p:ph type="subTitle" idx="1"/>
@@ -3445,27 +3706,73 @@
         <p:spPr/>
         <p:txBody>
           <a:bodyPr/>
-          <a:p>
-            <a:r>
-              <a:rPr lang="x-none" altLang=""/>
-              <a:t>Group 5</a:t>
-            </a:r>
-            <a:endParaRPr lang="x-none" altLang=""/>
-          </a:p>
-          <a:p>
-            <a:r>
-              <a:rPr lang="x-none" altLang=""/>
-              <a:t>...</a:t>
-            </a:r>
-            <a:endParaRPr lang="x-none" altLang=""/>
+          <a:lstStyle/>
+          <a:p>
+            <a:r>
+              <a:rPr lang="en-US" altLang="ko-KR" dirty="0" smtClean="0">
+                <a:ea typeface="굴림" pitchFamily="50" charset="-127"/>
+              </a:rPr>
+              <a:t>www.hitchhikexpress.com</a:t>
+            </a:r>
+            <a:endParaRPr lang="ko-KR" altLang="en-US" dirty="0">
+              <a:ea typeface="굴림" pitchFamily="50" charset="-127"/>
+            </a:endParaRPr>
           </a:p>
         </p:txBody>
       </p:sp>
+      <p:pic>
+        <p:nvPicPr>
+          <p:cNvPr id="34822" name="Picture 6" descr="original_metal_w(s)"/>
+          <p:cNvPicPr>
+            <a:picLocks noChangeAspect="1" noChangeArrowheads="1" noCrop="1"/>
+          </p:cNvPicPr>
+          <p:nvPr/>
+        </p:nvPicPr>
+        <p:blipFill>
+          <a:blip r:embed="rId2">
+            <a:extLst>
+              <a:ext uri="{28A0092B-C50C-407E-A947-70E740481C1C}">
+                <a14:useLocalDpi xmlns:a14="http://schemas.microsoft.com/office/drawing/2010/main" val="0"/>
+              </a:ext>
+            </a:extLst>
+          </a:blip>
+          <a:srcRect/>
+          <a:stretch>
+            <a:fillRect/>
+          </a:stretch>
+        </p:blipFill>
+        <p:spPr bwMode="auto">
+          <a:xfrm>
+            <a:off x="6391275" y="5186363"/>
+            <a:ext cx="1152525" cy="1117600"/>
+          </a:xfrm>
+          <a:prstGeom prst="rect">
+            <a:avLst/>
+          </a:prstGeom>
+          <a:noFill/>
+          <a:extLst>
+            <a:ext uri="{909E8E84-426E-40DD-AFC4-6F175D3DCCD1}">
+              <a14:hiddenFill xmlns:a14="http://schemas.microsoft.com/office/drawing/2010/main">
+                <a:solidFill>
+                  <a:srgbClr val="FFFFFF"/>
+                </a:solidFill>
+              </a14:hiddenFill>
+            </a:ext>
+          </a:extLst>
+        </p:spPr>
+      </p:pic>
     </p:spTree>
   </p:cSld>
   <p:clrMapOvr>
     <a:masterClrMapping/>
   </p:clrMapOvr>
+  <p:timing>
+    <p:tnLst>
+      <p:par>
+        <p:cTn id="1" dur="indefinite" restart="never" nodeType="tmRoot"/>
+      </p:par>
+    </p:tnLst>
+  </p:timing>
 </p:sld>
 </file>
 
@@ -3478,12 +3785,19 @@
         <p:cNvGrpSpPr/>
         <p:nvPr/>
       </p:nvGrpSpPr>
-      <p:grpSpPr/>
+      <p:grpSpPr>
+        <a:xfrm>
+          <a:off x="0" y="0"/>
+          <a:ext cx="0" cy="0"/>
+          <a:chOff x="0" y="0"/>
+          <a:chExt cx="0" cy="0"/>
+        </a:xfrm>
+      </p:grpSpPr>
       <p:sp>
         <p:nvSpPr>
-          <p:cNvPr id="2" name="Title 1"/>
+          <p:cNvPr id="37890" name="Rectangle 2"/>
           <p:cNvSpPr>
-            <a:spLocks noGrp="1"/>
+            <a:spLocks noGrp="1" noChangeArrowheads="1"/>
           </p:cNvSpPr>
           <p:nvPr>
             <p:ph type="title"/>
@@ -3492,170 +3806,529 @@
         <p:spPr/>
         <p:txBody>
           <a:bodyPr/>
-          <a:p>
-            <a:r>
-              <a:rPr lang="x-none" altLang=""/>
-              <a:t>INTRO</a:t>
-            </a:r>
-            <a:endParaRPr lang="x-none" altLang=""/>
+          <a:lstStyle/>
+          <a:p>
+            <a:r>
+              <a:rPr lang="en-US" altLang="" dirty="0" smtClean="0"/>
+              <a:t>Introduction</a:t>
+            </a:r>
+            <a:endParaRPr lang="ko-KR" altLang="en-US" dirty="0">
+              <a:ea typeface="굴림" pitchFamily="50" charset="-127"/>
+            </a:endParaRPr>
           </a:p>
         </p:txBody>
       </p:sp>
       <p:sp>
         <p:nvSpPr>
-          <p:cNvPr id="3" name="Content Placeholder 2"/>
+          <p:cNvPr id="37891" name="Rectangle 3"/>
           <p:cNvSpPr>
-            <a:spLocks noGrp="1"/>
+            <a:spLocks noGrp="1" noChangeArrowheads="1"/>
           </p:cNvSpPr>
           <p:nvPr>
-            <p:ph idx="1"/>
+            <p:ph type="body" idx="1"/>
           </p:nvPr>
         </p:nvSpPr>
         <p:spPr/>
         <p:txBody>
           <a:bodyPr/>
-          <a:p>
-            <a:r>
-              <a:rPr lang="x-none" altLang="en-US">
-                <a:sym typeface="+mn-ea"/>
+          <a:lstStyle/>
+          <a:p>
+            <a:pPr>
+              <a:buClr>
+                <a:srgbClr val="FFC000"/>
+              </a:buClr>
+              <a:buFont typeface="Wingdings" panose="05000000000000000000" pitchFamily="2" charset="2"/>
+              <a:buChar char="Ü"/>
+            </a:pPr>
+            <a:r>
+              <a:rPr lang="en-US" altLang="ko-KR" dirty="0" smtClean="0">
+                <a:solidFill>
+                  <a:srgbClr val="FFC000"/>
+                </a:solidFill>
+                <a:ea typeface="굴림" pitchFamily="50" charset="-127"/>
               </a:rPr>
-              <a:t>hitchhiker</a:t>
-            </a:r>
-            <a:endParaRPr lang="x-none" altLang="en-US">
-              <a:sym typeface="+mn-ea"/>
+              <a:t>Hitchhiker</a:t>
+            </a:r>
+            <a:endParaRPr lang="en-US" altLang="ko-KR" dirty="0">
+              <a:ea typeface="굴림" pitchFamily="50" charset="-127"/>
             </a:endParaRPr>
           </a:p>
           <a:p>
-            <a:r>
-              <a:rPr lang="x-none" altLang=""/>
-              <a:t>package</a:t>
-            </a:r>
-            <a:endParaRPr lang="x-none" altLang=""/>
-          </a:p>
-          <a:p>
-            <a:endParaRPr lang="x-none" altLang=""/>
+            <a:pPr>
+              <a:buClr>
+                <a:schemeClr val="accent2"/>
+              </a:buClr>
+              <a:buFont typeface="Wingdings" panose="05000000000000000000" pitchFamily="2" charset="2"/>
+              <a:buChar char="Ü"/>
+            </a:pPr>
+            <a:r>
+              <a:rPr lang="en-US" altLang="ko-KR" dirty="0" smtClean="0">
+                <a:solidFill>
+                  <a:schemeClr val="accent2"/>
+                </a:solidFill>
+                <a:ea typeface="굴림" pitchFamily="50" charset="-127"/>
+              </a:rPr>
+              <a:t>Car</a:t>
+            </a:r>
+            <a:r>
+              <a:rPr lang="en-US" altLang="ko-KR" dirty="0" smtClean="0">
+                <a:solidFill>
+                  <a:srgbClr val="FFC000"/>
+                </a:solidFill>
+                <a:ea typeface="굴림" pitchFamily="50" charset="-127"/>
+              </a:rPr>
+              <a:t> </a:t>
+            </a:r>
+          </a:p>
+          <a:p>
+            <a:pPr>
+              <a:buClr>
+                <a:schemeClr val="tx1"/>
+              </a:buClr>
+              <a:buFont typeface="Wingdings" panose="05000000000000000000" pitchFamily="2" charset="2"/>
+              <a:buChar char="Ü"/>
+            </a:pPr>
+            <a:r>
+              <a:rPr lang="en-US" altLang="ko-KR" dirty="0" smtClean="0">
+                <a:solidFill>
+                  <a:schemeClr val="tx1"/>
+                </a:solidFill>
+                <a:ea typeface="굴림" pitchFamily="50" charset="-127"/>
+              </a:rPr>
+              <a:t>Package</a:t>
+            </a:r>
           </a:p>
         </p:txBody>
       </p:sp>
-      <p:pic>
-        <p:nvPicPr>
-          <p:cNvPr id="5" name="Picture 4"/>
-          <p:cNvPicPr>
-            <a:picLocks noChangeAspect="1"/>
-          </p:cNvPicPr>
+      <p:grpSp>
+        <p:nvGrpSpPr>
+          <p:cNvPr id="17" name="组合 16"/>
+          <p:cNvGrpSpPr/>
           <p:nvPr/>
-        </p:nvPicPr>
-        <p:blipFill>
-          <a:blip r:embed="rId1">
-            <a:clrChange>
-              <a:clrFrom>
-                <a:srgbClr val="FFFFFF">
-                  <a:alpha val="100000"/>
-                </a:srgbClr>
-              </a:clrFrom>
-              <a:clrTo>
-                <a:srgbClr val="FFFFFF">
-                  <a:alpha val="100000"/>
-                  <a:alpha val="0"/>
-                </a:srgbClr>
-              </a:clrTo>
-            </a:clrChange>
-          </a:blip>
-          <a:stretch>
-            <a:fillRect/>
-          </a:stretch>
-        </p:blipFill>
-        <p:spPr>
+        </p:nvGrpSpPr>
+        <p:grpSpPr>
           <a:xfrm>
-            <a:off x="1410335" y="2894965"/>
-            <a:ext cx="3161665" cy="3266440"/>
+            <a:off x="6324600" y="3429000"/>
+            <a:ext cx="2362200" cy="2427287"/>
+            <a:chOff x="5508842" y="1053860"/>
+            <a:chExt cx="2362200" cy="2427287"/>
           </a:xfrm>
-          <a:prstGeom prst="rect">
-            <a:avLst/>
-          </a:prstGeom>
-        </p:spPr>
-      </p:pic>
-      <p:pic>
-        <p:nvPicPr>
-          <p:cNvPr id="6" name="Picture 5"/>
-          <p:cNvPicPr>
-            <a:picLocks noChangeAspect="1"/>
-          </p:cNvPicPr>
+        </p:grpSpPr>
+        <p:sp>
+          <p:nvSpPr>
+            <p:cNvPr id="2" name="圆角矩形 1"/>
+            <p:cNvSpPr/>
+            <p:nvPr/>
+          </p:nvSpPr>
+          <p:spPr bwMode="auto">
+            <a:xfrm>
+              <a:off x="5508842" y="1053860"/>
+              <a:ext cx="2362200" cy="2362200"/>
+            </a:xfrm>
+            <a:prstGeom prst="roundRect">
+              <a:avLst/>
+            </a:prstGeom>
+            <a:solidFill>
+              <a:srgbClr val="2009CD">
+                <a:alpha val="49804"/>
+              </a:srgbClr>
+            </a:solidFill>
+            <a:ln>
+              <a:noFill/>
+            </a:ln>
+          </p:spPr>
+          <p:style>
+            <a:lnRef idx="0">
+              <a:scrgbClr r="0" g="0" b="0"/>
+            </a:lnRef>
+            <a:fillRef idx="0">
+              <a:scrgbClr r="0" g="0" b="0"/>
+            </a:fillRef>
+            <a:effectRef idx="0">
+              <a:scrgbClr r="0" g="0" b="0"/>
+            </a:effectRef>
+            <a:fontRef idx="minor">
+              <a:schemeClr val="lt1"/>
+            </a:fontRef>
+          </p:style>
+          <p:txBody>
+            <a:bodyPr vert="horz" wrap="square" lIns="91440" tIns="45720" rIns="91440" bIns="45720" numCol="1" rtlCol="0" anchor="t" anchorCtr="0" compatLnSpc="1">
+              <a:prstTxWarp prst="textNoShape">
+                <a:avLst/>
+              </a:prstTxWarp>
+            </a:bodyPr>
+            <a:lstStyle/>
+            <a:p>
+              <a:pPr marL="0" marR="0" indent="0" algn="l" defTabSz="914400" rtl="0" eaLnBrk="0" fontAlgn="base" latinLnBrk="0" hangingPunct="0">
+                <a:lnSpc>
+                  <a:spcPct val="100000"/>
+                </a:lnSpc>
+                <a:spcBef>
+                  <a:spcPct val="0"/>
+                </a:spcBef>
+                <a:spcAft>
+                  <a:spcPct val="0"/>
+                </a:spcAft>
+                <a:buClrTx/>
+                <a:buSzTx/>
+                <a:buFontTx/>
+                <a:buNone/>
+                <a:tabLst/>
+              </a:pPr>
+              <a:endParaRPr kumimoji="0" lang="en-US" sz="1800" b="0" i="0" u="none" strike="noStrike" cap="none" normalizeH="0" baseline="0" smtClean="0">
+                <a:ln>
+                  <a:noFill/>
+                </a:ln>
+                <a:solidFill>
+                  <a:schemeClr val="tx1"/>
+                </a:solidFill>
+                <a:effectLst/>
+                <a:latin typeface="Times New Roman" panose="02020603050405020304" pitchFamily="18" charset="0"/>
+              </a:endParaRPr>
+            </a:p>
+          </p:txBody>
+        </p:sp>
+        <p:pic>
+          <p:nvPicPr>
+            <p:cNvPr id="7" name="Picture 4"/>
+            <p:cNvPicPr>
+              <a:picLocks noChangeAspect="1"/>
+            </p:cNvPicPr>
+            <p:nvPr/>
+          </p:nvPicPr>
+          <p:blipFill>
+            <a:blip r:embed="rId3">
+              <a:clrChange>
+                <a:clrFrom>
+                  <a:srgbClr val="FFFFFF">
+                    <a:alpha val="100000"/>
+                  </a:srgbClr>
+                </a:clrFrom>
+                <a:clrTo>
+                  <a:srgbClr val="FFFFFF">
+                    <a:alpha val="100000"/>
+                    <a:alpha val="0"/>
+                  </a:srgbClr>
+                </a:clrTo>
+              </a:clrChange>
+              <a:extLst>
+                <a:ext uri="{BEBA8EAE-BF5A-486C-A8C5-ECC9F3942E4B}">
+                  <a14:imgProps xmlns:a14="http://schemas.microsoft.com/office/drawing/2010/main">
+                    <a14:imgLayer r:embed="rId4">
+                      <a14:imgEffect>
+                        <a14:backgroundRemoval t="10000" b="90000" l="10000" r="90000"/>
+                      </a14:imgEffect>
+                      <a14:imgEffect>
+                        <a14:artisticPencilGrayscale/>
+                      </a14:imgEffect>
+                    </a14:imgLayer>
+                  </a14:imgProps>
+                </a:ext>
+              </a:extLst>
+            </a:blip>
+            <a:stretch>
+              <a:fillRect/>
+            </a:stretch>
+          </p:blipFill>
+          <p:spPr>
+            <a:xfrm>
+              <a:off x="5551644" y="1129107"/>
+              <a:ext cx="2276596" cy="2352040"/>
+            </a:xfrm>
+            <a:prstGeom prst="rect">
+              <a:avLst/>
+            </a:prstGeom>
+          </p:spPr>
+        </p:pic>
+      </p:grpSp>
+      <p:grpSp>
+        <p:nvGrpSpPr>
+          <p:cNvPr id="6" name="组合 5"/>
+          <p:cNvGrpSpPr/>
           <p:nvPr/>
-        </p:nvPicPr>
-        <p:blipFill>
-          <a:blip r:embed="rId2">
-            <a:clrChange>
-              <a:clrFrom>
-                <a:srgbClr val="FFFFFF">
-                  <a:alpha val="100000"/>
-                </a:srgbClr>
-              </a:clrFrom>
-              <a:clrTo>
-                <a:srgbClr val="FFFFFF">
-                  <a:alpha val="100000"/>
-                  <a:alpha val="0"/>
-                </a:srgbClr>
-              </a:clrTo>
-            </a:clrChange>
-          </a:blip>
-          <a:stretch>
-            <a:fillRect/>
-          </a:stretch>
-        </p:blipFill>
-        <p:spPr>
+        </p:nvGrpSpPr>
+        <p:grpSpPr>
           <a:xfrm>
-            <a:off x="3992245" y="1183005"/>
-            <a:ext cx="3392805" cy="1555750"/>
+            <a:off x="457200" y="3438472"/>
+            <a:ext cx="2407504" cy="2362200"/>
+            <a:chOff x="945296" y="3973513"/>
+            <a:chExt cx="2407504" cy="2362200"/>
           </a:xfrm>
-          <a:prstGeom prst="rect">
-            <a:avLst/>
-          </a:prstGeom>
-        </p:spPr>
-      </p:pic>
-      <p:pic>
-        <p:nvPicPr>
-          <p:cNvPr id="7" name="Picture 6"/>
-          <p:cNvPicPr>
-            <a:picLocks noChangeAspect="1"/>
-          </p:cNvPicPr>
+        </p:grpSpPr>
+        <p:sp>
+          <p:nvSpPr>
+            <p:cNvPr id="10" name="圆角矩形 9"/>
+            <p:cNvSpPr/>
+            <p:nvPr/>
+          </p:nvSpPr>
+          <p:spPr bwMode="auto">
+            <a:xfrm>
+              <a:off x="967948" y="3973513"/>
+              <a:ext cx="2362200" cy="2362200"/>
+            </a:xfrm>
+            <a:prstGeom prst="roundRect">
+              <a:avLst/>
+            </a:prstGeom>
+            <a:solidFill>
+              <a:srgbClr val="FF0000">
+                <a:alpha val="50000"/>
+              </a:srgbClr>
+            </a:solidFill>
+            <a:ln>
+              <a:noFill/>
+            </a:ln>
+          </p:spPr>
+          <p:style>
+            <a:lnRef idx="0">
+              <a:scrgbClr r="0" g="0" b="0"/>
+            </a:lnRef>
+            <a:fillRef idx="0">
+              <a:scrgbClr r="0" g="0" b="0"/>
+            </a:fillRef>
+            <a:effectRef idx="0">
+              <a:scrgbClr r="0" g="0" b="0"/>
+            </a:effectRef>
+            <a:fontRef idx="minor">
+              <a:schemeClr val="lt1"/>
+            </a:fontRef>
+          </p:style>
+          <p:txBody>
+            <a:bodyPr vert="horz" wrap="square" lIns="91440" tIns="45720" rIns="91440" bIns="45720" numCol="1" rtlCol="0" anchor="t" anchorCtr="0" compatLnSpc="1">
+              <a:prstTxWarp prst="textNoShape">
+                <a:avLst/>
+              </a:prstTxWarp>
+            </a:bodyPr>
+            <a:lstStyle/>
+            <a:p>
+              <a:pPr marL="0" marR="0" indent="0" algn="l" defTabSz="914400" rtl="0" eaLnBrk="0" fontAlgn="base" latinLnBrk="0" hangingPunct="0">
+                <a:lnSpc>
+                  <a:spcPct val="100000"/>
+                </a:lnSpc>
+                <a:spcBef>
+                  <a:spcPct val="0"/>
+                </a:spcBef>
+                <a:spcAft>
+                  <a:spcPct val="0"/>
+                </a:spcAft>
+                <a:buClrTx/>
+                <a:buSzTx/>
+                <a:buFontTx/>
+                <a:buNone/>
+                <a:tabLst/>
+              </a:pPr>
+              <a:endParaRPr kumimoji="0" lang="en-US" sz="1800" b="0" i="0" u="none" strike="noStrike" cap="none" normalizeH="0" baseline="0" smtClean="0">
+                <a:ln>
+                  <a:noFill/>
+                </a:ln>
+                <a:solidFill>
+                  <a:schemeClr val="tx1"/>
+                </a:solidFill>
+                <a:effectLst/>
+                <a:latin typeface="Times New Roman" panose="02020603050405020304" pitchFamily="18" charset="0"/>
+              </a:endParaRPr>
+            </a:p>
+          </p:txBody>
+        </p:sp>
+        <p:pic>
+          <p:nvPicPr>
+            <p:cNvPr id="15" name="Picture 5"/>
+            <p:cNvPicPr>
+              <a:picLocks noChangeAspect="1"/>
+            </p:cNvPicPr>
+            <p:nvPr/>
+          </p:nvPicPr>
+          <p:blipFill>
+            <a:blip r:embed="rId5">
+              <a:clrChange>
+                <a:clrFrom>
+                  <a:srgbClr val="FFFFFF">
+                    <a:alpha val="100000"/>
+                  </a:srgbClr>
+                </a:clrFrom>
+                <a:clrTo>
+                  <a:srgbClr val="FFFFFF">
+                    <a:alpha val="100000"/>
+                    <a:alpha val="0"/>
+                  </a:srgbClr>
+                </a:clrTo>
+              </a:clrChange>
+              <a:extLst>
+                <a:ext uri="{BEBA8EAE-BF5A-486C-A8C5-ECC9F3942E4B}">
+                  <a14:imgProps xmlns:a14="http://schemas.microsoft.com/office/drawing/2010/main">
+                    <a14:imgLayer r:embed="rId6">
+                      <a14:imgEffect>
+                        <a14:artisticPencilSketch/>
+                      </a14:imgEffect>
+                    </a14:imgLayer>
+                  </a14:imgProps>
+                </a:ext>
+              </a:extLst>
+            </a:blip>
+            <a:stretch>
+              <a:fillRect/>
+            </a:stretch>
+          </p:blipFill>
+          <p:spPr>
+            <a:xfrm>
+              <a:off x="945296" y="4602640"/>
+              <a:ext cx="2407504" cy="1103946"/>
+            </a:xfrm>
+            <a:prstGeom prst="rect">
+              <a:avLst/>
+            </a:prstGeom>
+          </p:spPr>
+        </p:pic>
+      </p:grpSp>
+      <p:grpSp>
+        <p:nvGrpSpPr>
+          <p:cNvPr id="8" name="组合 7"/>
+          <p:cNvGrpSpPr/>
           <p:nvPr/>
-        </p:nvPicPr>
-        <p:blipFill>
-          <a:blip r:embed="rId3">
-            <a:clrChange>
-              <a:clrFrom>
-                <a:srgbClr val="FFFFFF">
-                  <a:alpha val="100000"/>
-                </a:srgbClr>
-              </a:clrFrom>
-              <a:clrTo>
-                <a:srgbClr val="FFFFFF">
-                  <a:alpha val="100000"/>
-                  <a:alpha val="0"/>
-                </a:srgbClr>
-              </a:clrTo>
-            </a:clrChange>
-          </a:blip>
-          <a:stretch>
-            <a:fillRect/>
-          </a:stretch>
-        </p:blipFill>
-        <p:spPr>
+        </p:nvGrpSpPr>
+        <p:grpSpPr>
           <a:xfrm>
-            <a:off x="6253480" y="3087370"/>
-            <a:ext cx="2156460" cy="3331845"/>
+            <a:off x="3380825" y="3429000"/>
+            <a:ext cx="2362200" cy="2362200"/>
+            <a:chOff x="5387758" y="3796506"/>
+            <a:chExt cx="2362200" cy="2362200"/>
           </a:xfrm>
-          <a:prstGeom prst="rect">
-            <a:avLst/>
-          </a:prstGeom>
-        </p:spPr>
-      </p:pic>
+        </p:grpSpPr>
+        <p:sp>
+          <p:nvSpPr>
+            <p:cNvPr id="13" name="圆角矩形 12"/>
+            <p:cNvSpPr/>
+            <p:nvPr/>
+          </p:nvSpPr>
+          <p:spPr bwMode="auto">
+            <a:xfrm>
+              <a:off x="5387758" y="3796506"/>
+              <a:ext cx="2362200" cy="2362200"/>
+            </a:xfrm>
+            <a:prstGeom prst="roundRect">
+              <a:avLst/>
+            </a:prstGeom>
+            <a:solidFill>
+              <a:srgbClr val="FFFF00">
+                <a:alpha val="50000"/>
+              </a:srgbClr>
+            </a:solidFill>
+            <a:ln>
+              <a:noFill/>
+            </a:ln>
+          </p:spPr>
+          <p:style>
+            <a:lnRef idx="0">
+              <a:scrgbClr r="0" g="0" b="0"/>
+            </a:lnRef>
+            <a:fillRef idx="0">
+              <a:scrgbClr r="0" g="0" b="0"/>
+            </a:fillRef>
+            <a:effectRef idx="0">
+              <a:scrgbClr r="0" g="0" b="0"/>
+            </a:effectRef>
+            <a:fontRef idx="minor">
+              <a:schemeClr val="lt1"/>
+            </a:fontRef>
+          </p:style>
+          <p:txBody>
+            <a:bodyPr vert="horz" wrap="square" lIns="91440" tIns="45720" rIns="91440" bIns="45720" numCol="1" rtlCol="0" anchor="t" anchorCtr="0" compatLnSpc="1">
+              <a:prstTxWarp prst="textNoShape">
+                <a:avLst/>
+              </a:prstTxWarp>
+            </a:bodyPr>
+            <a:lstStyle/>
+            <a:p>
+              <a:pPr marL="0" marR="0" indent="0" algn="l" defTabSz="914400" rtl="0" eaLnBrk="0" fontAlgn="base" latinLnBrk="0" hangingPunct="0">
+                <a:lnSpc>
+                  <a:spcPct val="100000"/>
+                </a:lnSpc>
+                <a:spcBef>
+                  <a:spcPct val="0"/>
+                </a:spcBef>
+                <a:spcAft>
+                  <a:spcPct val="0"/>
+                </a:spcAft>
+                <a:buClrTx/>
+                <a:buSzTx/>
+                <a:buFontTx/>
+                <a:buNone/>
+                <a:tabLst/>
+              </a:pPr>
+              <a:endParaRPr kumimoji="0" lang="en-US" sz="1800" b="0" i="0" u="none" strike="noStrike" cap="none" normalizeH="0" baseline="0" smtClean="0">
+                <a:ln>
+                  <a:noFill/>
+                </a:ln>
+                <a:solidFill>
+                  <a:schemeClr val="tx1"/>
+                </a:solidFill>
+                <a:effectLst/>
+                <a:latin typeface="Times New Roman" panose="02020603050405020304" pitchFamily="18" charset="0"/>
+              </a:endParaRPr>
+            </a:p>
+          </p:txBody>
+        </p:sp>
+        <p:pic>
+          <p:nvPicPr>
+            <p:cNvPr id="16" name="Picture 6"/>
+            <p:cNvPicPr>
+              <a:picLocks noChangeAspect="1"/>
+            </p:cNvPicPr>
+            <p:nvPr/>
+          </p:nvPicPr>
+          <p:blipFill>
+            <a:blip r:embed="rId7">
+              <a:clrChange>
+                <a:clrFrom>
+                  <a:srgbClr val="FFFFFF">
+                    <a:alpha val="100000"/>
+                  </a:srgbClr>
+                </a:clrFrom>
+                <a:clrTo>
+                  <a:srgbClr val="FFFFFF">
+                    <a:alpha val="100000"/>
+                    <a:alpha val="0"/>
+                  </a:srgbClr>
+                </a:clrTo>
+              </a:clrChange>
+              <a:extLst>
+                <a:ext uri="{BEBA8EAE-BF5A-486C-A8C5-ECC9F3942E4B}">
+                  <a14:imgProps xmlns:a14="http://schemas.microsoft.com/office/drawing/2010/main">
+                    <a14:imgLayer r:embed="rId8">
+                      <a14:imgEffect>
+                        <a14:backgroundRemoval t="2517" b="89931" l="8127" r="89753"/>
+                      </a14:imgEffect>
+                    </a14:imgLayer>
+                  </a14:imgProps>
+                </a:ext>
+              </a:extLst>
+            </a:blip>
+            <a:stretch>
+              <a:fillRect/>
+            </a:stretch>
+          </p:blipFill>
+          <p:spPr>
+            <a:xfrm>
+              <a:off x="5867400" y="3966324"/>
+              <a:ext cx="1371600" cy="2119195"/>
+            </a:xfrm>
+            <a:prstGeom prst="rect">
+              <a:avLst/>
+            </a:prstGeom>
+          </p:spPr>
+        </p:pic>
+      </p:grpSp>
     </p:spTree>
   </p:cSld>
   <p:clrMapOvr>
     <a:masterClrMapping/>
   </p:clrMapOvr>
+  <p:timing>
+    <p:tnLst>
+      <p:par>
+        <p:cTn id="1" dur="indefinite" restart="never" nodeType="tmRoot"/>
+      </p:par>
+    </p:tnLst>
+  </p:timing>
 </p:sld>
 </file>
 
@@ -3668,10 +4341,17 @@
         <p:cNvGrpSpPr/>
         <p:nvPr/>
       </p:nvGrpSpPr>
-      <p:grpSpPr/>
+      <p:grpSpPr>
+        <a:xfrm>
+          <a:off x="0" y="0"/>
+          <a:ext cx="0" cy="0"/>
+          <a:chOff x="0" y="0"/>
+          <a:chExt cx="0" cy="0"/>
+        </a:xfrm>
+      </p:grpSpPr>
       <p:sp>
         <p:nvSpPr>
-          <p:cNvPr id="2" name="Title 1"/>
+          <p:cNvPr id="2" name="标题 1"/>
           <p:cNvSpPr>
             <a:spLocks noGrp="1"/>
           </p:cNvSpPr>
@@ -3682,56 +4362,536 @@
         <p:spPr/>
         <p:txBody>
           <a:bodyPr/>
-          <a:p>
-            <a:r>
-              <a:rPr lang="x-none" altLang=""/>
+          <a:lstStyle/>
+          <a:p>
+            <a:r>
+              <a:rPr lang="en-US" dirty="0" smtClean="0"/>
               <a:t>WHY</a:t>
             </a:r>
-            <a:endParaRPr lang="x-none" altLang=""/>
+            <a:endParaRPr lang="en-US" dirty="0"/>
+          </a:p>
+        </p:txBody>
+      </p:sp>
+      <p:grpSp>
+        <p:nvGrpSpPr>
+          <p:cNvPr id="18" name="组合 17"/>
+          <p:cNvGrpSpPr/>
+          <p:nvPr/>
+        </p:nvGrpSpPr>
+        <p:grpSpPr>
+          <a:xfrm>
+            <a:off x="3467100" y="1600200"/>
+            <a:ext cx="2362200" cy="2362200"/>
+            <a:chOff x="3733800" y="1268412"/>
+            <a:chExt cx="2362200" cy="2362200"/>
+          </a:xfrm>
+        </p:grpSpPr>
+        <p:sp>
+          <p:nvSpPr>
+            <p:cNvPr id="10" name="圆角矩形 9"/>
+            <p:cNvSpPr/>
+            <p:nvPr/>
+          </p:nvSpPr>
+          <p:spPr bwMode="auto">
+            <a:xfrm>
+              <a:off x="3733800" y="1268412"/>
+              <a:ext cx="2362200" cy="2362200"/>
+            </a:xfrm>
+            <a:prstGeom prst="roundRect">
+              <a:avLst/>
+            </a:prstGeom>
+            <a:solidFill>
+              <a:schemeClr val="accent1">
+                <a:lumMod val="75000"/>
+                <a:alpha val="49804"/>
+              </a:schemeClr>
+            </a:solidFill>
+            <a:ln>
+              <a:noFill/>
+            </a:ln>
+          </p:spPr>
+          <p:style>
+            <a:lnRef idx="0">
+              <a:scrgbClr r="0" g="0" b="0"/>
+            </a:lnRef>
+            <a:fillRef idx="0">
+              <a:scrgbClr r="0" g="0" b="0"/>
+            </a:fillRef>
+            <a:effectRef idx="0">
+              <a:scrgbClr r="0" g="0" b="0"/>
+            </a:effectRef>
+            <a:fontRef idx="minor">
+              <a:schemeClr val="lt1"/>
+            </a:fontRef>
+          </p:style>
+          <p:txBody>
+            <a:bodyPr vert="horz" wrap="square" lIns="91440" tIns="45720" rIns="91440" bIns="45720" numCol="1" rtlCol="0" anchor="t" anchorCtr="0" compatLnSpc="1">
+              <a:prstTxWarp prst="textNoShape">
+                <a:avLst/>
+              </a:prstTxWarp>
+            </a:bodyPr>
+            <a:lstStyle/>
+            <a:p>
+              <a:pPr marL="0" marR="0" indent="0" algn="l" defTabSz="914400" rtl="0" eaLnBrk="0" fontAlgn="base" latinLnBrk="0" hangingPunct="0">
+                <a:lnSpc>
+                  <a:spcPct val="100000"/>
+                </a:lnSpc>
+                <a:spcBef>
+                  <a:spcPct val="0"/>
+                </a:spcBef>
+                <a:spcAft>
+                  <a:spcPct val="0"/>
+                </a:spcAft>
+                <a:buClrTx/>
+                <a:buSzTx/>
+                <a:buFontTx/>
+                <a:buNone/>
+                <a:tabLst/>
+              </a:pPr>
+              <a:endParaRPr kumimoji="0" lang="en-US" sz="1800" b="0" i="0" u="none" strike="noStrike" cap="none" normalizeH="0" baseline="0" smtClean="0">
+                <a:ln>
+                  <a:noFill/>
+                </a:ln>
+                <a:solidFill>
+                  <a:schemeClr val="tx1"/>
+                </a:solidFill>
+                <a:effectLst/>
+                <a:latin typeface="Times New Roman" panose="02020603050405020304" pitchFamily="18" charset="0"/>
+              </a:endParaRPr>
+            </a:p>
+          </p:txBody>
+        </p:sp>
+        <p:sp>
+          <p:nvSpPr>
+            <p:cNvPr id="11" name="矩形 10"/>
+            <p:cNvSpPr/>
+            <p:nvPr/>
+          </p:nvSpPr>
+          <p:spPr>
+            <a:xfrm>
+              <a:off x="4130069" y="1849347"/>
+              <a:ext cx="1569661" cy="1200329"/>
+            </a:xfrm>
+            <a:prstGeom prst="rect">
+              <a:avLst/>
+            </a:prstGeom>
+            <a:noFill/>
+          </p:spPr>
+          <p:txBody>
+            <a:bodyPr wrap="none" lIns="91440" tIns="45720" rIns="91440" bIns="45720">
+              <a:spAutoFit/>
+              <a:scene3d>
+                <a:camera prst="orthographicFront"/>
+                <a:lightRig rig="soft" dir="t">
+                  <a:rot lat="0" lon="0" rev="15600000"/>
+                </a:lightRig>
+              </a:scene3d>
+              <a:sp3d extrusionH="57150" prstMaterial="softEdge">
+                <a:bevelT w="25400" h="38100"/>
+              </a:sp3d>
+            </a:bodyPr>
+            <a:lstStyle/>
+            <a:p>
+              <a:pPr algn="ctr"/>
+              <a:r>
+                <a:rPr lang="en-US" altLang="zh-CN" sz="7200" b="1" cap="none" spc="0" dirty="0" smtClean="0">
+                  <a:ln/>
+                  <a:solidFill>
+                    <a:schemeClr val="accent4"/>
+                  </a:solidFill>
+                  <a:effectLst/>
+                </a:rPr>
+                <a:t>$20</a:t>
+              </a:r>
+              <a:endParaRPr lang="zh-CN" altLang="en-US" sz="7200" b="1" cap="none" spc="0" dirty="0">
+                <a:ln/>
+                <a:solidFill>
+                  <a:schemeClr val="accent4"/>
+                </a:solidFill>
+                <a:effectLst/>
+              </a:endParaRPr>
+            </a:p>
+          </p:txBody>
+        </p:sp>
+      </p:grpSp>
+      <p:sp>
+        <p:nvSpPr>
+          <p:cNvPr id="20" name="圆角矩形 19"/>
+          <p:cNvSpPr/>
+          <p:nvPr/>
+        </p:nvSpPr>
+        <p:spPr bwMode="auto">
+          <a:xfrm>
+            <a:off x="609598" y="4572000"/>
+            <a:ext cx="8077201" cy="1181100"/>
+          </a:xfrm>
+          <a:prstGeom prst="roundRect">
+            <a:avLst/>
+          </a:prstGeom>
+          <a:solidFill>
+            <a:srgbClr val="FFFF00">
+              <a:alpha val="49804"/>
+            </a:srgbClr>
+          </a:solidFill>
+          <a:ln>
+            <a:noFill/>
+          </a:ln>
+        </p:spPr>
+        <p:style>
+          <a:lnRef idx="0">
+            <a:scrgbClr r="0" g="0" b="0"/>
+          </a:lnRef>
+          <a:fillRef idx="0">
+            <a:scrgbClr r="0" g="0" b="0"/>
+          </a:fillRef>
+          <a:effectRef idx="0">
+            <a:scrgbClr r="0" g="0" b="0"/>
+          </a:effectRef>
+          <a:fontRef idx="minor">
+            <a:schemeClr val="lt1"/>
+          </a:fontRef>
+        </p:style>
+        <p:txBody>
+          <a:bodyPr vert="horz" wrap="square" lIns="91440" tIns="45720" rIns="91440" bIns="45720" numCol="1" rtlCol="0" anchor="t" anchorCtr="0" compatLnSpc="1">
+            <a:prstTxWarp prst="textNoShape">
+              <a:avLst/>
+            </a:prstTxWarp>
+          </a:bodyPr>
+          <a:lstStyle/>
+          <a:p>
+            <a:pPr marL="0" marR="0" indent="0" algn="l" defTabSz="914400" rtl="0" eaLnBrk="0" fontAlgn="base" latinLnBrk="0" hangingPunct="0">
+              <a:lnSpc>
+                <a:spcPct val="100000"/>
+              </a:lnSpc>
+              <a:spcBef>
+                <a:spcPct val="0"/>
+              </a:spcBef>
+              <a:spcAft>
+                <a:spcPct val="0"/>
+              </a:spcAft>
+              <a:buClrTx/>
+              <a:buSzTx/>
+              <a:buFontTx/>
+              <a:buNone/>
+              <a:tabLst/>
+            </a:pPr>
+            <a:endParaRPr kumimoji="0" lang="en-US" sz="1800" b="0" i="0" u="none" strike="noStrike" cap="none" normalizeH="0" baseline="0" smtClean="0">
+              <a:ln>
+                <a:noFill/>
+              </a:ln>
+              <a:solidFill>
+                <a:schemeClr val="tx1"/>
+              </a:solidFill>
+              <a:effectLst/>
+              <a:latin typeface="Times New Roman" panose="02020603050405020304" pitchFamily="18" charset="0"/>
+            </a:endParaRPr>
           </a:p>
         </p:txBody>
       </p:sp>
       <p:sp>
         <p:nvSpPr>
-          <p:cNvPr id="3" name="Content Placeholder 2"/>
-          <p:cNvSpPr>
-            <a:spLocks noGrp="1"/>
-          </p:cNvSpPr>
-          <p:nvPr>
-            <p:ph idx="1"/>
-          </p:nvPr>
+          <p:cNvPr id="19" name="矩形 18"/>
+          <p:cNvSpPr/>
+          <p:nvPr/>
         </p:nvSpPr>
-        <p:spPr/>
+        <p:spPr>
+          <a:xfrm>
+            <a:off x="1626930" y="4745503"/>
+            <a:ext cx="6274282" cy="830997"/>
+          </a:xfrm>
+          <a:prstGeom prst="rect">
+            <a:avLst/>
+          </a:prstGeom>
+        </p:spPr>
         <p:txBody>
-          <a:bodyPr/>
-          <a:p>
-            <a:r>
-              <a:rPr lang="" altLang="en-US"/>
-              <a:t>$150</a:t>
-            </a:r>
-            <a:endParaRPr lang="" altLang="en-US"/>
-          </a:p>
-          <a:p>
-            <a:r>
-              <a:rPr lang="" altLang="en-US"/>
-              <a:t>$20</a:t>
-            </a:r>
-            <a:endParaRPr lang="" altLang="en-US"/>
-          </a:p>
-          <a:p>
-            <a:r>
-              <a:rPr lang="" altLang="en-US"/>
-              <a:t>inconvenient</a:t>
-            </a:r>
-            <a:endParaRPr lang="" altLang="en-US"/>
+          <a:bodyPr wrap="none">
+            <a:spAutoFit/>
+          </a:bodyPr>
+          <a:lstStyle/>
+          <a:p>
+            <a:r>
+              <a:rPr lang="x-none" altLang="" sz="4800" b="1" dirty="0" smtClean="0">
+                <a:solidFill>
+                  <a:srgbClr val="FF0000"/>
+                </a:solidFill>
+              </a:rPr>
+              <a:t>We care about the cost.</a:t>
+            </a:r>
+            <a:endParaRPr lang="x-none" altLang="" sz="4800" b="1" dirty="0">
+              <a:solidFill>
+                <a:srgbClr val="FF0000"/>
+              </a:solidFill>
+            </a:endParaRPr>
           </a:p>
         </p:txBody>
       </p:sp>
+      <p:grpSp>
+        <p:nvGrpSpPr>
+          <p:cNvPr id="4" name="组合 3"/>
+          <p:cNvGrpSpPr/>
+          <p:nvPr/>
+        </p:nvGrpSpPr>
+        <p:grpSpPr>
+          <a:xfrm>
+            <a:off x="6324600" y="1600200"/>
+            <a:ext cx="2362200" cy="2362200"/>
+            <a:chOff x="6324600" y="1600200"/>
+            <a:chExt cx="2362200" cy="2362200"/>
+          </a:xfrm>
+        </p:grpSpPr>
+        <p:sp>
+          <p:nvSpPr>
+            <p:cNvPr id="12" name="圆角矩形 11"/>
+            <p:cNvSpPr/>
+            <p:nvPr/>
+          </p:nvSpPr>
+          <p:spPr bwMode="auto">
+            <a:xfrm>
+              <a:off x="6324600" y="1600200"/>
+              <a:ext cx="2362200" cy="2362200"/>
+            </a:xfrm>
+            <a:prstGeom prst="roundRect">
+              <a:avLst/>
+            </a:prstGeom>
+            <a:solidFill>
+              <a:srgbClr val="FF0000">
+                <a:alpha val="49804"/>
+              </a:srgbClr>
+            </a:solidFill>
+            <a:ln>
+              <a:noFill/>
+            </a:ln>
+          </p:spPr>
+          <p:style>
+            <a:lnRef idx="0">
+              <a:scrgbClr r="0" g="0" b="0"/>
+            </a:lnRef>
+            <a:fillRef idx="0">
+              <a:scrgbClr r="0" g="0" b="0"/>
+            </a:fillRef>
+            <a:effectRef idx="0">
+              <a:scrgbClr r="0" g="0" b="0"/>
+            </a:effectRef>
+            <a:fontRef idx="minor">
+              <a:schemeClr val="lt1"/>
+            </a:fontRef>
+          </p:style>
+          <p:txBody>
+            <a:bodyPr vert="horz" wrap="square" lIns="91440" tIns="45720" rIns="91440" bIns="45720" numCol="1" rtlCol="0" anchor="t" anchorCtr="0" compatLnSpc="1">
+              <a:prstTxWarp prst="textNoShape">
+                <a:avLst/>
+              </a:prstTxWarp>
+            </a:bodyPr>
+            <a:lstStyle/>
+            <a:p>
+              <a:pPr marL="0" marR="0" indent="0" algn="l" defTabSz="914400" rtl="0" eaLnBrk="0" fontAlgn="base" latinLnBrk="0" hangingPunct="0">
+                <a:lnSpc>
+                  <a:spcPct val="100000"/>
+                </a:lnSpc>
+                <a:spcBef>
+                  <a:spcPct val="0"/>
+                </a:spcBef>
+                <a:spcAft>
+                  <a:spcPct val="0"/>
+                </a:spcAft>
+                <a:buClrTx/>
+                <a:buSzTx/>
+                <a:buFontTx/>
+                <a:buNone/>
+                <a:tabLst/>
+              </a:pPr>
+              <a:endParaRPr kumimoji="0" lang="en-US" sz="1800" b="0" i="0" u="none" strike="noStrike" cap="none" normalizeH="0" baseline="0" smtClean="0">
+                <a:ln>
+                  <a:noFill/>
+                </a:ln>
+                <a:solidFill>
+                  <a:schemeClr val="tx1"/>
+                </a:solidFill>
+                <a:effectLst/>
+                <a:latin typeface="Times New Roman" panose="02020603050405020304" pitchFamily="18" charset="0"/>
+              </a:endParaRPr>
+            </a:p>
+          </p:txBody>
+        </p:sp>
+        <p:pic>
+          <p:nvPicPr>
+            <p:cNvPr id="3" name="图片 2"/>
+            <p:cNvPicPr>
+              <a:picLocks noChangeAspect="1"/>
+            </p:cNvPicPr>
+            <p:nvPr/>
+          </p:nvPicPr>
+          <p:blipFill>
+            <a:blip r:embed="rId2">
+              <a:extLst>
+                <a:ext uri="{BEBA8EAE-BF5A-486C-A8C5-ECC9F3942E4B}">
+                  <a14:imgProps xmlns:a14="http://schemas.microsoft.com/office/drawing/2010/main">
+                    <a14:imgLayer r:embed="rId3">
+                      <a14:imgEffect>
+                        <a14:backgroundRemoval t="0" b="99733" l="0" r="100000"/>
+                      </a14:imgEffect>
+                    </a14:imgLayer>
+                  </a14:imgProps>
+                </a:ext>
+                <a:ext uri="{28A0092B-C50C-407E-A947-70E740481C1C}">
+                  <a14:useLocalDpi xmlns:a14="http://schemas.microsoft.com/office/drawing/2010/main" val="0"/>
+                </a:ext>
+              </a:extLst>
+            </a:blip>
+            <a:stretch>
+              <a:fillRect/>
+            </a:stretch>
+          </p:blipFill>
+          <p:spPr>
+            <a:xfrm>
+              <a:off x="6571968" y="1759494"/>
+              <a:ext cx="1867464" cy="1967412"/>
+            </a:xfrm>
+            <a:prstGeom prst="rect">
+              <a:avLst/>
+            </a:prstGeom>
+          </p:spPr>
+        </p:pic>
+      </p:grpSp>
+      <p:grpSp>
+        <p:nvGrpSpPr>
+          <p:cNvPr id="6" name="组合 5"/>
+          <p:cNvGrpSpPr/>
+          <p:nvPr/>
+        </p:nvGrpSpPr>
+        <p:grpSpPr>
+          <a:xfrm>
+            <a:off x="539399" y="1600200"/>
+            <a:ext cx="2502602" cy="2362200"/>
+            <a:chOff x="539399" y="1600200"/>
+            <a:chExt cx="2502602" cy="2362200"/>
+          </a:xfrm>
+        </p:grpSpPr>
+        <p:sp>
+          <p:nvSpPr>
+            <p:cNvPr id="7" name="圆角矩形 6"/>
+            <p:cNvSpPr/>
+            <p:nvPr/>
+          </p:nvSpPr>
+          <p:spPr bwMode="auto">
+            <a:xfrm>
+              <a:off x="609600" y="1600200"/>
+              <a:ext cx="2362200" cy="2362200"/>
+            </a:xfrm>
+            <a:prstGeom prst="roundRect">
+              <a:avLst/>
+            </a:prstGeom>
+            <a:solidFill>
+              <a:schemeClr val="bg2">
+                <a:lumMod val="10000"/>
+                <a:alpha val="49804"/>
+              </a:schemeClr>
+            </a:solidFill>
+            <a:ln>
+              <a:noFill/>
+            </a:ln>
+          </p:spPr>
+          <p:style>
+            <a:lnRef idx="0">
+              <a:scrgbClr r="0" g="0" b="0"/>
+            </a:lnRef>
+            <a:fillRef idx="0">
+              <a:scrgbClr r="0" g="0" b="0"/>
+            </a:fillRef>
+            <a:effectRef idx="0">
+              <a:scrgbClr r="0" g="0" b="0"/>
+            </a:effectRef>
+            <a:fontRef idx="minor">
+              <a:schemeClr val="lt1"/>
+            </a:fontRef>
+          </p:style>
+          <p:txBody>
+            <a:bodyPr vert="horz" wrap="square" lIns="91440" tIns="45720" rIns="91440" bIns="45720" numCol="1" rtlCol="0" anchor="t" anchorCtr="0" compatLnSpc="1">
+              <a:prstTxWarp prst="textNoShape">
+                <a:avLst/>
+              </a:prstTxWarp>
+            </a:bodyPr>
+            <a:lstStyle/>
+            <a:p>
+              <a:pPr marL="0" marR="0" indent="0" algn="l" defTabSz="914400" rtl="0" eaLnBrk="0" fontAlgn="base" latinLnBrk="0" hangingPunct="0">
+                <a:lnSpc>
+                  <a:spcPct val="100000"/>
+                </a:lnSpc>
+                <a:spcBef>
+                  <a:spcPct val="0"/>
+                </a:spcBef>
+                <a:spcAft>
+                  <a:spcPct val="0"/>
+                </a:spcAft>
+                <a:buClrTx/>
+                <a:buSzTx/>
+                <a:buFontTx/>
+                <a:buNone/>
+                <a:tabLst/>
+              </a:pPr>
+              <a:endParaRPr kumimoji="0" lang="en-US" sz="1800" b="0" i="0" u="none" strike="noStrike" cap="none" normalizeH="0" baseline="0" smtClean="0">
+                <a:ln>
+                  <a:noFill/>
+                </a:ln>
+                <a:solidFill>
+                  <a:schemeClr val="tx1"/>
+                </a:solidFill>
+                <a:effectLst/>
+                <a:latin typeface="Times New Roman" panose="02020603050405020304" pitchFamily="18" charset="0"/>
+              </a:endParaRPr>
+            </a:p>
+          </p:txBody>
+        </p:sp>
+        <p:pic>
+          <p:nvPicPr>
+            <p:cNvPr id="5" name="图片 4"/>
+            <p:cNvPicPr>
+              <a:picLocks noChangeAspect="1"/>
+            </p:cNvPicPr>
+            <p:nvPr/>
+          </p:nvPicPr>
+          <p:blipFill rotWithShape="1">
+            <a:blip r:embed="rId4">
+              <a:extLst>
+                <a:ext uri="{28A0092B-C50C-407E-A947-70E740481C1C}">
+                  <a14:useLocalDpi xmlns:a14="http://schemas.microsoft.com/office/drawing/2010/main" val="0"/>
+                </a:ext>
+              </a:extLst>
+            </a:blip>
+            <a:srcRect r="6530" b="9223"/>
+            <a:stretch/>
+          </p:blipFill>
+          <p:spPr>
+            <a:xfrm>
+              <a:off x="539399" y="1759494"/>
+              <a:ext cx="2502602" cy="2043610"/>
+            </a:xfrm>
+            <a:prstGeom prst="rect">
+              <a:avLst/>
+            </a:prstGeom>
+            <a:effectLst>
+              <a:softEdge rad="127000"/>
+            </a:effectLst>
+          </p:spPr>
+        </p:pic>
+      </p:grpSp>
     </p:spTree>
+    <p:extLst>
+      <p:ext uri="{BB962C8B-B14F-4D97-AF65-F5344CB8AC3E}">
+        <p14:creationId xmlns:p14="http://schemas.microsoft.com/office/powerpoint/2010/main" val="3472656782"/>
+      </p:ext>
+    </p:extLst>
   </p:cSld>
   <p:clrMapOvr>
     <a:masterClrMapping/>
   </p:clrMapOvr>
+  <p:timing>
+    <p:tnLst>
+      <p:par>
+        <p:cTn id="1" dur="indefinite" restart="never" nodeType="tmRoot"/>
+      </p:par>
+    </p:tnLst>
+  </p:timing>
 </p:sld>
 </file>
 
@@ -3744,10 +4904,17 @@
         <p:cNvGrpSpPr/>
         <p:nvPr/>
       </p:nvGrpSpPr>
-      <p:grpSpPr/>
+      <p:grpSpPr>
+        <a:xfrm>
+          <a:off x="0" y="0"/>
+          <a:ext cx="0" cy="0"/>
+          <a:chOff x="0" y="0"/>
+          <a:chExt cx="0" cy="0"/>
+        </a:xfrm>
+      </p:grpSpPr>
       <p:sp>
         <p:nvSpPr>
-          <p:cNvPr id="2" name="Title 1"/>
+          <p:cNvPr id="2" name="标题 1"/>
           <p:cNvSpPr>
             <a:spLocks noGrp="1"/>
           </p:cNvSpPr>
@@ -3758,48 +4925,95 @@
         <p:spPr/>
         <p:txBody>
           <a:bodyPr/>
-          <a:p>
-            <a:r>
-              <a:rPr lang="en-US" altLang="en-US">
+          <a:lstStyle/>
+          <a:p>
+            <a:r>
+              <a:rPr lang="en-US" altLang="en-US" dirty="0" smtClean="0">
                 <a:sym typeface="+mn-ea"/>
               </a:rPr>
               <a:t>H</a:t>
             </a:r>
             <a:r>
-              <a:rPr lang="x-none" altLang="en-US">
+              <a:rPr lang="x-none" altLang="en-US" dirty="0" smtClean="0">
                 <a:sym typeface="+mn-ea"/>
               </a:rPr>
               <a:t>OW</a:t>
             </a:r>
-            <a:endParaRPr lang="x-none" altLang="en-US">
-              <a:sym typeface="+mn-ea"/>
-            </a:endParaRPr>
+            <a:r>
+              <a:rPr lang="en-US" altLang="en-US" dirty="0" smtClean="0">
+                <a:sym typeface="+mn-ea"/>
+              </a:rPr>
+              <a:t> </a:t>
+            </a:r>
+            <a:r>
+              <a:rPr lang="en-US" altLang="zh-CN" dirty="0" smtClean="0">
+                <a:sym typeface="+mn-ea"/>
+              </a:rPr>
+              <a:t>IT WORK</a:t>
+            </a:r>
+            <a:endParaRPr lang="en-US" dirty="0"/>
           </a:p>
         </p:txBody>
       </p:sp>
-      <p:sp>
-        <p:nvSpPr>
-          <p:cNvPr id="3" name="Content Placeholder 2"/>
-          <p:cNvSpPr>
-            <a:spLocks noGrp="1"/>
-          </p:cNvSpPr>
+      <p:pic>
+        <p:nvPicPr>
+          <p:cNvPr id="13" name="内容占位符 3"/>
+          <p:cNvPicPr>
+            <a:picLocks noGrp="1" noChangeAspect="1"/>
+          </p:cNvPicPr>
           <p:nvPr>
             <p:ph idx="1"/>
           </p:nvPr>
-        </p:nvSpPr>
-        <p:spPr/>
-        <p:txBody>
-          <a:bodyPr/>
-          <a:p>
-            <a:endParaRPr lang="" altLang="en-US"/>
-          </a:p>
-        </p:txBody>
-      </p:sp>
+        </p:nvPicPr>
+        <p:blipFill>
+          <a:blip r:embed="rId2">
+            <a:clrChange>
+              <a:clrFrom>
+                <a:srgbClr val="FFFFFF"/>
+              </a:clrFrom>
+              <a:clrTo>
+                <a:srgbClr val="FFFFFF">
+                  <a:alpha val="0"/>
+                </a:srgbClr>
+              </a:clrTo>
+            </a:clrChange>
+            <a:extLst>
+              <a:ext uri="{28A0092B-C50C-407E-A947-70E740481C1C}">
+                <a14:useLocalDpi xmlns:a14="http://schemas.microsoft.com/office/drawing/2010/main" val="0"/>
+              </a:ext>
+            </a:extLst>
+          </a:blip>
+          <a:stretch>
+            <a:fillRect/>
+          </a:stretch>
+        </p:blipFill>
+        <p:spPr>
+          <a:xfrm>
+            <a:off x="354013" y="969529"/>
+            <a:ext cx="8610600" cy="6421871"/>
+          </a:xfrm>
+          <a:prstGeom prst="rect">
+            <a:avLst/>
+          </a:prstGeom>
+        </p:spPr>
+      </p:pic>
     </p:spTree>
+    <p:extLst>
+      <p:ext uri="{BB962C8B-B14F-4D97-AF65-F5344CB8AC3E}">
+        <p14:creationId xmlns:p14="http://schemas.microsoft.com/office/powerpoint/2010/main" val="2366075486"/>
+      </p:ext>
+    </p:extLst>
   </p:cSld>
   <p:clrMapOvr>
     <a:masterClrMapping/>
   </p:clrMapOvr>
+  <p:timing>
+    <p:tnLst>
+      <p:par>
+        <p:cTn id="1" dur="indefinite" restart="never" nodeType="tmRoot"/>
+      </p:par>
+    </p:tnLst>
+  </p:timing>
 </p:sld>
 </file>
 
@@ -3812,10 +5026,17 @@
         <p:cNvGrpSpPr/>
         <p:nvPr/>
       </p:nvGrpSpPr>
-      <p:grpSpPr/>
+      <p:grpSpPr>
+        <a:xfrm>
+          <a:off x="0" y="0"/>
+          <a:ext cx="0" cy="0"/>
+          <a:chOff x="0" y="0"/>
+          <a:chExt cx="0" cy="0"/>
+        </a:xfrm>
+      </p:grpSpPr>
       <p:sp>
         <p:nvSpPr>
-          <p:cNvPr id="2" name="Title 1"/>
+          <p:cNvPr id="2" name="标题 1"/>
           <p:cNvSpPr>
             <a:spLocks noGrp="1"/>
           </p:cNvSpPr>
@@ -3823,41 +5044,611 @@
             <p:ph type="title"/>
           </p:nvPr>
         </p:nvSpPr>
-        <p:spPr/>
+        <p:spPr>
+          <a:xfrm>
+            <a:off x="179388" y="188913"/>
+            <a:ext cx="8785225" cy="725487"/>
+          </a:xfrm>
+        </p:spPr>
         <p:txBody>
           <a:bodyPr/>
-          <a:p>
-            <a:r>
-              <a:rPr lang="x-none" altLang=""/>
-              <a:t>WHO</a:t>
-            </a:r>
-            <a:endParaRPr lang="x-none" altLang=""/>
+          <a:lstStyle/>
+          <a:p>
+            <a:r>
+              <a:rPr lang="en-US" dirty="0" smtClean="0"/>
+              <a:t>Advantages</a:t>
+            </a:r>
+            <a:endParaRPr lang="en-US" dirty="0"/>
           </a:p>
         </p:txBody>
       </p:sp>
-      <p:sp>
-        <p:nvSpPr>
-          <p:cNvPr id="3" name="Content Placeholder 2"/>
-          <p:cNvSpPr>
-            <a:spLocks noGrp="1"/>
-          </p:cNvSpPr>
-          <p:nvPr>
-            <p:ph idx="1"/>
-          </p:nvPr>
-        </p:nvSpPr>
-        <p:spPr/>
-        <p:txBody>
-          <a:bodyPr/>
-          <a:p>
-            <a:endParaRPr lang="" altLang="en-US"/>
-          </a:p>
-        </p:txBody>
-      </p:sp>
+      <p:grpSp>
+        <p:nvGrpSpPr>
+          <p:cNvPr id="17" name="组合 16"/>
+          <p:cNvGrpSpPr/>
+          <p:nvPr/>
+        </p:nvGrpSpPr>
+        <p:grpSpPr>
+          <a:xfrm>
+            <a:off x="1371600" y="1371600"/>
+            <a:ext cx="2362200" cy="2362200"/>
+            <a:chOff x="762000" y="1268412"/>
+            <a:chExt cx="2362200" cy="2362200"/>
+          </a:xfrm>
+        </p:grpSpPr>
+        <p:sp>
+          <p:nvSpPr>
+            <p:cNvPr id="7" name="圆角矩形 6"/>
+            <p:cNvSpPr/>
+            <p:nvPr/>
+          </p:nvSpPr>
+          <p:spPr bwMode="auto">
+            <a:xfrm>
+              <a:off x="762000" y="1268412"/>
+              <a:ext cx="2362200" cy="2362200"/>
+            </a:xfrm>
+            <a:prstGeom prst="roundRect">
+              <a:avLst/>
+            </a:prstGeom>
+            <a:solidFill>
+              <a:schemeClr val="bg2">
+                <a:lumMod val="10000"/>
+                <a:alpha val="49804"/>
+              </a:schemeClr>
+            </a:solidFill>
+            <a:ln>
+              <a:noFill/>
+            </a:ln>
+          </p:spPr>
+          <p:style>
+            <a:lnRef idx="0">
+              <a:scrgbClr r="0" g="0" b="0"/>
+            </a:lnRef>
+            <a:fillRef idx="0">
+              <a:scrgbClr r="0" g="0" b="0"/>
+            </a:fillRef>
+            <a:effectRef idx="0">
+              <a:scrgbClr r="0" g="0" b="0"/>
+            </a:effectRef>
+            <a:fontRef idx="minor">
+              <a:schemeClr val="lt1"/>
+            </a:fontRef>
+          </p:style>
+          <p:txBody>
+            <a:bodyPr vert="horz" wrap="square" lIns="91440" tIns="45720" rIns="91440" bIns="45720" numCol="1" rtlCol="0" anchor="t" anchorCtr="0" compatLnSpc="1">
+              <a:prstTxWarp prst="textNoShape">
+                <a:avLst/>
+              </a:prstTxWarp>
+            </a:bodyPr>
+            <a:lstStyle/>
+            <a:p>
+              <a:pPr marL="0" marR="0" indent="0" algn="l" defTabSz="914400" rtl="0" eaLnBrk="0" fontAlgn="base" latinLnBrk="0" hangingPunct="0">
+                <a:lnSpc>
+                  <a:spcPct val="100000"/>
+                </a:lnSpc>
+                <a:spcBef>
+                  <a:spcPct val="0"/>
+                </a:spcBef>
+                <a:spcAft>
+                  <a:spcPct val="0"/>
+                </a:spcAft>
+                <a:buClrTx/>
+                <a:buSzTx/>
+                <a:buFontTx/>
+                <a:buNone/>
+                <a:tabLst/>
+              </a:pPr>
+              <a:endParaRPr kumimoji="0" lang="en-US" sz="1800" b="0" i="0" u="none" strike="noStrike" cap="none" normalizeH="0" baseline="0" smtClean="0">
+                <a:ln>
+                  <a:noFill/>
+                </a:ln>
+                <a:solidFill>
+                  <a:schemeClr val="tx1"/>
+                </a:solidFill>
+                <a:effectLst/>
+                <a:latin typeface="Times New Roman" panose="02020603050405020304" pitchFamily="18" charset="0"/>
+              </a:endParaRPr>
+            </a:p>
+          </p:txBody>
+        </p:sp>
+        <p:sp>
+          <p:nvSpPr>
+            <p:cNvPr id="9" name="矩形 8"/>
+            <p:cNvSpPr/>
+            <p:nvPr/>
+          </p:nvSpPr>
+          <p:spPr>
+            <a:xfrm>
+              <a:off x="910605" y="1849347"/>
+              <a:ext cx="2064989" cy="1107996"/>
+            </a:xfrm>
+            <a:prstGeom prst="rect">
+              <a:avLst/>
+            </a:prstGeom>
+            <a:noFill/>
+          </p:spPr>
+          <p:txBody>
+            <a:bodyPr wrap="none" lIns="91440" tIns="45720" rIns="91440" bIns="45720">
+              <a:spAutoFit/>
+              <a:scene3d>
+                <a:camera prst="orthographicFront"/>
+                <a:lightRig rig="soft" dir="t">
+                  <a:rot lat="0" lon="0" rev="15600000"/>
+                </a:lightRig>
+              </a:scene3d>
+              <a:sp3d extrusionH="57150" prstMaterial="softEdge">
+                <a:bevelT w="25400" h="38100"/>
+              </a:sp3d>
+            </a:bodyPr>
+            <a:lstStyle/>
+            <a:p>
+              <a:pPr algn="ctr"/>
+              <a:r>
+                <a:rPr lang="en-US" altLang="" sz="6600" dirty="0" smtClean="0"/>
+                <a:t>CO</a:t>
+              </a:r>
+              <a:r>
+                <a:rPr lang="en-US" altLang="" sz="6600" baseline="-25000" dirty="0" smtClean="0"/>
+                <a:t>2</a:t>
+              </a:r>
+              <a:r>
+                <a:rPr lang="zh-CN" altLang="en-US" sz="6600" dirty="0" smtClean="0"/>
+                <a:t>↓</a:t>
+              </a:r>
+              <a:endParaRPr lang="zh-CN" altLang="en-US" sz="6600" b="1" cap="none" spc="0" dirty="0">
+                <a:ln/>
+                <a:solidFill>
+                  <a:schemeClr val="accent4"/>
+                </a:solidFill>
+                <a:effectLst/>
+              </a:endParaRPr>
+            </a:p>
+          </p:txBody>
+        </p:sp>
+      </p:grpSp>
+      <p:grpSp>
+        <p:nvGrpSpPr>
+          <p:cNvPr id="18" name="组合 17"/>
+          <p:cNvGrpSpPr/>
+          <p:nvPr/>
+        </p:nvGrpSpPr>
+        <p:grpSpPr>
+          <a:xfrm>
+            <a:off x="5410200" y="4038599"/>
+            <a:ext cx="2362200" cy="2362200"/>
+            <a:chOff x="3733800" y="1268412"/>
+            <a:chExt cx="2362200" cy="2362200"/>
+          </a:xfrm>
+        </p:grpSpPr>
+        <p:sp>
+          <p:nvSpPr>
+            <p:cNvPr id="10" name="圆角矩形 9"/>
+            <p:cNvSpPr/>
+            <p:nvPr/>
+          </p:nvSpPr>
+          <p:spPr bwMode="auto">
+            <a:xfrm>
+              <a:off x="3733800" y="1268412"/>
+              <a:ext cx="2362200" cy="2362200"/>
+            </a:xfrm>
+            <a:prstGeom prst="roundRect">
+              <a:avLst/>
+            </a:prstGeom>
+            <a:solidFill>
+              <a:schemeClr val="tx1">
+                <a:lumMod val="60000"/>
+                <a:lumOff val="40000"/>
+                <a:alpha val="49804"/>
+              </a:schemeClr>
+            </a:solidFill>
+            <a:ln>
+              <a:noFill/>
+            </a:ln>
+          </p:spPr>
+          <p:style>
+            <a:lnRef idx="0">
+              <a:scrgbClr r="0" g="0" b="0"/>
+            </a:lnRef>
+            <a:fillRef idx="0">
+              <a:scrgbClr r="0" g="0" b="0"/>
+            </a:fillRef>
+            <a:effectRef idx="0">
+              <a:scrgbClr r="0" g="0" b="0"/>
+            </a:effectRef>
+            <a:fontRef idx="minor">
+              <a:schemeClr val="lt1"/>
+            </a:fontRef>
+          </p:style>
+          <p:txBody>
+            <a:bodyPr vert="horz" wrap="square" lIns="91440" tIns="45720" rIns="91440" bIns="45720" numCol="1" rtlCol="0" anchor="t" anchorCtr="0" compatLnSpc="1">
+              <a:prstTxWarp prst="textNoShape">
+                <a:avLst/>
+              </a:prstTxWarp>
+            </a:bodyPr>
+            <a:lstStyle/>
+            <a:p>
+              <a:pPr marL="0" marR="0" indent="0" algn="l" defTabSz="914400" rtl="0" eaLnBrk="0" fontAlgn="base" latinLnBrk="0" hangingPunct="0">
+                <a:lnSpc>
+                  <a:spcPct val="100000"/>
+                </a:lnSpc>
+                <a:spcBef>
+                  <a:spcPct val="0"/>
+                </a:spcBef>
+                <a:spcAft>
+                  <a:spcPct val="0"/>
+                </a:spcAft>
+                <a:buClrTx/>
+                <a:buSzTx/>
+                <a:buFontTx/>
+                <a:buNone/>
+                <a:tabLst/>
+              </a:pPr>
+              <a:endParaRPr kumimoji="0" lang="en-US" sz="1800" b="0" i="0" u="none" strike="noStrike" cap="none" normalizeH="0" baseline="0" smtClean="0">
+                <a:ln>
+                  <a:noFill/>
+                </a:ln>
+                <a:solidFill>
+                  <a:schemeClr val="tx1"/>
+                </a:solidFill>
+                <a:effectLst/>
+                <a:latin typeface="Times New Roman" panose="02020603050405020304" pitchFamily="18" charset="0"/>
+              </a:endParaRPr>
+            </a:p>
+          </p:txBody>
+        </p:sp>
+        <p:sp>
+          <p:nvSpPr>
+            <p:cNvPr id="11" name="矩形 10"/>
+            <p:cNvSpPr/>
+            <p:nvPr/>
+          </p:nvSpPr>
+          <p:spPr>
+            <a:xfrm>
+              <a:off x="3764585" y="1849347"/>
+              <a:ext cx="2300630" cy="923330"/>
+            </a:xfrm>
+            <a:prstGeom prst="rect">
+              <a:avLst/>
+            </a:prstGeom>
+            <a:noFill/>
+          </p:spPr>
+          <p:txBody>
+            <a:bodyPr wrap="none" lIns="91440" tIns="45720" rIns="91440" bIns="45720">
+              <a:spAutoFit/>
+              <a:scene3d>
+                <a:camera prst="orthographicFront"/>
+                <a:lightRig rig="soft" dir="t">
+                  <a:rot lat="0" lon="0" rev="15600000"/>
+                </a:lightRig>
+              </a:scene3d>
+              <a:sp3d extrusionH="57150" prstMaterial="softEdge">
+                <a:bevelT w="25400" h="38100"/>
+              </a:sp3d>
+            </a:bodyPr>
+            <a:lstStyle/>
+            <a:p>
+              <a:pPr algn="ctr"/>
+              <a:r>
+                <a:rPr lang="en-US" sz="5400" dirty="0" smtClean="0"/>
+                <a:t>flexible</a:t>
+              </a:r>
+              <a:endParaRPr lang="zh-CN" altLang="en-US" sz="5400" b="1" cap="none" spc="0" dirty="0">
+                <a:ln/>
+                <a:solidFill>
+                  <a:schemeClr val="accent4"/>
+                </a:solidFill>
+                <a:effectLst/>
+              </a:endParaRPr>
+            </a:p>
+          </p:txBody>
+        </p:sp>
+      </p:grpSp>
+      <p:grpSp>
+        <p:nvGrpSpPr>
+          <p:cNvPr id="13" name="组合 12"/>
+          <p:cNvGrpSpPr/>
+          <p:nvPr/>
+        </p:nvGrpSpPr>
+        <p:grpSpPr>
+          <a:xfrm>
+            <a:off x="4371753" y="1371599"/>
+            <a:ext cx="2362200" cy="2362200"/>
+            <a:chOff x="6324600" y="1600200"/>
+            <a:chExt cx="2362200" cy="2362200"/>
+          </a:xfrm>
+        </p:grpSpPr>
+        <p:sp>
+          <p:nvSpPr>
+            <p:cNvPr id="12" name="圆角矩形 11"/>
+            <p:cNvSpPr/>
+            <p:nvPr/>
+          </p:nvSpPr>
+          <p:spPr bwMode="auto">
+            <a:xfrm>
+              <a:off x="6324600" y="1600200"/>
+              <a:ext cx="2362200" cy="2362200"/>
+            </a:xfrm>
+            <a:prstGeom prst="roundRect">
+              <a:avLst/>
+            </a:prstGeom>
+            <a:solidFill>
+              <a:srgbClr val="FFFF00">
+                <a:alpha val="49804"/>
+              </a:srgbClr>
+            </a:solidFill>
+            <a:ln>
+              <a:noFill/>
+            </a:ln>
+          </p:spPr>
+          <p:style>
+            <a:lnRef idx="0">
+              <a:scrgbClr r="0" g="0" b="0"/>
+            </a:lnRef>
+            <a:fillRef idx="0">
+              <a:scrgbClr r="0" g="0" b="0"/>
+            </a:fillRef>
+            <a:effectRef idx="0">
+              <a:scrgbClr r="0" g="0" b="0"/>
+            </a:effectRef>
+            <a:fontRef idx="minor">
+              <a:schemeClr val="lt1"/>
+            </a:fontRef>
+          </p:style>
+          <p:txBody>
+            <a:bodyPr vert="horz" wrap="square" lIns="91440" tIns="45720" rIns="91440" bIns="45720" numCol="1" rtlCol="0" anchor="t" anchorCtr="0" compatLnSpc="1">
+              <a:prstTxWarp prst="textNoShape">
+                <a:avLst/>
+              </a:prstTxWarp>
+            </a:bodyPr>
+            <a:lstStyle/>
+            <a:p>
+              <a:endParaRPr kumimoji="0" lang="en-US" sz="4400" b="0" i="0" u="none" strike="noStrike" cap="none" normalizeH="0" baseline="0" dirty="0" smtClean="0">
+                <a:ln>
+                  <a:noFill/>
+                </a:ln>
+                <a:solidFill>
+                  <a:schemeClr val="tx1"/>
+                </a:solidFill>
+                <a:effectLst/>
+                <a:latin typeface="Times New Roman" panose="02020603050405020304" pitchFamily="18" charset="0"/>
+              </a:endParaRPr>
+            </a:p>
+          </p:txBody>
+        </p:sp>
+        <p:pic>
+          <p:nvPicPr>
+            <p:cNvPr id="4" name="图片 3"/>
+            <p:cNvPicPr>
+              <a:picLocks noChangeAspect="1"/>
+            </p:cNvPicPr>
+            <p:nvPr/>
+          </p:nvPicPr>
+          <p:blipFill>
+            <a:blip r:embed="rId2">
+              <a:extLst>
+                <a:ext uri="{28A0092B-C50C-407E-A947-70E740481C1C}">
+                  <a14:useLocalDpi xmlns:a14="http://schemas.microsoft.com/office/drawing/2010/main" val="0"/>
+                </a:ext>
+              </a:extLst>
+            </a:blip>
+            <a:stretch>
+              <a:fillRect/>
+            </a:stretch>
+          </p:blipFill>
+          <p:spPr>
+            <a:xfrm>
+              <a:off x="6705600" y="2743200"/>
+              <a:ext cx="762000" cy="762000"/>
+            </a:xfrm>
+            <a:prstGeom prst="rect">
+              <a:avLst/>
+            </a:prstGeom>
+          </p:spPr>
+        </p:pic>
+        <p:pic>
+          <p:nvPicPr>
+            <p:cNvPr id="14" name="图片 13"/>
+            <p:cNvPicPr>
+              <a:picLocks noChangeAspect="1"/>
+            </p:cNvPicPr>
+            <p:nvPr/>
+          </p:nvPicPr>
+          <p:blipFill>
+            <a:blip r:embed="rId2">
+              <a:extLst>
+                <a:ext uri="{28A0092B-C50C-407E-A947-70E740481C1C}">
+                  <a14:useLocalDpi xmlns:a14="http://schemas.microsoft.com/office/drawing/2010/main" val="0"/>
+                </a:ext>
+              </a:extLst>
+            </a:blip>
+            <a:stretch>
+              <a:fillRect/>
+            </a:stretch>
+          </p:blipFill>
+          <p:spPr>
+            <a:xfrm>
+              <a:off x="7591647" y="2743201"/>
+              <a:ext cx="762000" cy="762000"/>
+            </a:xfrm>
+            <a:prstGeom prst="rect">
+              <a:avLst/>
+            </a:prstGeom>
+          </p:spPr>
+        </p:pic>
+        <p:pic>
+          <p:nvPicPr>
+            <p:cNvPr id="15" name="图片 14"/>
+            <p:cNvPicPr>
+              <a:picLocks noChangeAspect="1"/>
+            </p:cNvPicPr>
+            <p:nvPr/>
+          </p:nvPicPr>
+          <p:blipFill>
+            <a:blip r:embed="rId2">
+              <a:extLst>
+                <a:ext uri="{28A0092B-C50C-407E-A947-70E740481C1C}">
+                  <a14:useLocalDpi xmlns:a14="http://schemas.microsoft.com/office/drawing/2010/main" val="0"/>
+                </a:ext>
+              </a:extLst>
+            </a:blip>
+            <a:stretch>
+              <a:fillRect/>
+            </a:stretch>
+          </p:blipFill>
+          <p:spPr>
+            <a:xfrm>
+              <a:off x="7124700" y="1981200"/>
+              <a:ext cx="762000" cy="762000"/>
+            </a:xfrm>
+            <a:prstGeom prst="rect">
+              <a:avLst/>
+            </a:prstGeom>
+          </p:spPr>
+        </p:pic>
+      </p:grpSp>
+      <p:grpSp>
+        <p:nvGrpSpPr>
+          <p:cNvPr id="8" name="组合 7"/>
+          <p:cNvGrpSpPr/>
+          <p:nvPr/>
+        </p:nvGrpSpPr>
+        <p:grpSpPr>
+          <a:xfrm>
+            <a:off x="2390553" y="4038599"/>
+            <a:ext cx="2362200" cy="2362200"/>
+            <a:chOff x="4191000" y="4539342"/>
+            <a:chExt cx="2362200" cy="2362200"/>
+          </a:xfrm>
+        </p:grpSpPr>
+        <p:sp>
+          <p:nvSpPr>
+            <p:cNvPr id="21" name="圆角矩形 20"/>
+            <p:cNvSpPr/>
+            <p:nvPr/>
+          </p:nvSpPr>
+          <p:spPr bwMode="auto">
+            <a:xfrm>
+              <a:off x="4191000" y="4539342"/>
+              <a:ext cx="2362200" cy="2362200"/>
+            </a:xfrm>
+            <a:prstGeom prst="roundRect">
+              <a:avLst/>
+            </a:prstGeom>
+            <a:solidFill>
+              <a:srgbClr val="FFC000">
+                <a:alpha val="49804"/>
+              </a:srgbClr>
+            </a:solidFill>
+            <a:ln>
+              <a:noFill/>
+            </a:ln>
+          </p:spPr>
+          <p:style>
+            <a:lnRef idx="0">
+              <a:scrgbClr r="0" g="0" b="0"/>
+            </a:lnRef>
+            <a:fillRef idx="0">
+              <a:scrgbClr r="0" g="0" b="0"/>
+            </a:fillRef>
+            <a:effectRef idx="0">
+              <a:scrgbClr r="0" g="0" b="0"/>
+            </a:effectRef>
+            <a:fontRef idx="minor">
+              <a:schemeClr val="lt1"/>
+            </a:fontRef>
+          </p:style>
+          <p:txBody>
+            <a:bodyPr vert="horz" wrap="square" lIns="91440" tIns="45720" rIns="91440" bIns="45720" numCol="1" rtlCol="0" anchor="t" anchorCtr="0" compatLnSpc="1">
+              <a:prstTxWarp prst="textNoShape">
+                <a:avLst/>
+              </a:prstTxWarp>
+            </a:bodyPr>
+            <a:lstStyle/>
+            <a:p>
+              <a:endParaRPr kumimoji="0" lang="en-US" sz="4400" b="0" i="0" u="none" strike="noStrike" cap="none" normalizeH="0" baseline="0" dirty="0" smtClean="0">
+                <a:ln>
+                  <a:noFill/>
+                </a:ln>
+                <a:solidFill>
+                  <a:schemeClr val="tx1"/>
+                </a:solidFill>
+                <a:effectLst/>
+                <a:latin typeface="Times New Roman" panose="02020603050405020304" pitchFamily="18" charset="0"/>
+              </a:endParaRPr>
+            </a:p>
+          </p:txBody>
+        </p:sp>
+        <p:pic>
+          <p:nvPicPr>
+            <p:cNvPr id="6" name="图片 5"/>
+            <p:cNvPicPr>
+              <a:picLocks noChangeAspect="1"/>
+            </p:cNvPicPr>
+            <p:nvPr/>
+          </p:nvPicPr>
+          <p:blipFill>
+            <a:blip r:embed="rId3">
+              <a:extLst>
+                <a:ext uri="{BEBA8EAE-BF5A-486C-A8C5-ECC9F3942E4B}">
+                  <a14:imgProps xmlns:a14="http://schemas.microsoft.com/office/drawing/2010/main">
+                    <a14:imgLayer r:embed="rId4">
+                      <a14:imgEffect>
+                        <a14:backgroundRemoval t="0" b="100000" l="0" r="100000">
+                          <a14:foregroundMark x1="22222" y1="12889" x2="22222" y2="12889"/>
+                          <a14:foregroundMark x1="48000" y1="14222" x2="48000" y2="14222"/>
+                          <a14:foregroundMark x1="49778" y1="32000" x2="49778" y2="32000"/>
+                          <a14:foregroundMark x1="85333" y1="7556" x2="85333" y2="7556"/>
+                          <a14:foregroundMark x1="85333" y1="8000" x2="85333" y2="8000"/>
+                          <a14:foregroundMark x1="83556" y1="16444" x2="83556" y2="16444"/>
+                          <a14:foregroundMark x1="92889" y1="32000" x2="92889" y2="32000"/>
+                          <a14:foregroundMark x1="88889" y1="36000" x2="88889" y2="36000"/>
+                          <a14:foregroundMark x1="84444" y1="39556" x2="84444" y2="39556"/>
+                          <a14:foregroundMark x1="83111" y1="38667" x2="83111" y2="38667"/>
+                          <a14:foregroundMark x1="80000" y1="48889" x2="80000" y2="48889"/>
+                          <a14:foregroundMark x1="80444" y1="49333" x2="85778" y2="40444"/>
+                          <a14:foregroundMark x1="83556" y1="36444" x2="83556" y2="36444"/>
+                        </a14:backgroundRemoval>
+                      </a14:imgEffect>
+                    </a14:imgLayer>
+                  </a14:imgProps>
+                </a:ext>
+                <a:ext uri="{28A0092B-C50C-407E-A947-70E740481C1C}">
+                  <a14:useLocalDpi xmlns:a14="http://schemas.microsoft.com/office/drawing/2010/main" val="0"/>
+                </a:ext>
+              </a:extLst>
+            </a:blip>
+            <a:stretch>
+              <a:fillRect/>
+            </a:stretch>
+          </p:blipFill>
+          <p:spPr>
+            <a:xfrm>
+              <a:off x="4378646" y="4761961"/>
+              <a:ext cx="1970990" cy="1970990"/>
+            </a:xfrm>
+            <a:prstGeom prst="rect">
+              <a:avLst/>
+            </a:prstGeom>
+          </p:spPr>
+        </p:pic>
+      </p:grpSp>
     </p:spTree>
+    <p:extLst>
+      <p:ext uri="{BB962C8B-B14F-4D97-AF65-F5344CB8AC3E}">
+        <p14:creationId xmlns:p14="http://schemas.microsoft.com/office/powerpoint/2010/main" val="930651800"/>
+      </p:ext>
+    </p:extLst>
   </p:cSld>
   <p:clrMapOvr>
     <a:masterClrMapping/>
   </p:clrMapOvr>
+  <p:timing>
+    <p:tnLst>
+      <p:par>
+        <p:cTn id="1" dur="indefinite" restart="never" nodeType="tmRoot"/>
+      </p:par>
+    </p:tnLst>
+  </p:timing>
 </p:sld>
 </file>
 
@@ -3870,10 +5661,17 @@
         <p:cNvGrpSpPr/>
         <p:nvPr/>
       </p:nvGrpSpPr>
-      <p:grpSpPr/>
+      <p:grpSpPr>
+        <a:xfrm>
+          <a:off x="0" y="0"/>
+          <a:ext cx="0" cy="0"/>
+          <a:chOff x="0" y="0"/>
+          <a:chExt cx="0" cy="0"/>
+        </a:xfrm>
+      </p:grpSpPr>
       <p:sp>
         <p:nvSpPr>
-          <p:cNvPr id="2" name="Title 1"/>
+          <p:cNvPr id="2" name="标题 1"/>
           <p:cNvSpPr>
             <a:spLocks noGrp="1"/>
           </p:cNvSpPr>
@@ -3884,18 +5682,19 @@
         <p:spPr/>
         <p:txBody>
           <a:bodyPr/>
-          <a:p>
-            <a:r>
-              <a:rPr lang="x-none" altLang=""/>
-              <a:t>Feasibility</a:t>
-            </a:r>
-            <a:endParaRPr lang="x-none" altLang=""/>
+          <a:lstStyle/>
+          <a:p>
+            <a:r>
+              <a:rPr lang="en-US" dirty="0" smtClean="0"/>
+              <a:t>Concern </a:t>
+            </a:r>
+            <a:endParaRPr lang="en-US" dirty="0"/>
           </a:p>
         </p:txBody>
       </p:sp>
       <p:sp>
         <p:nvSpPr>
-          <p:cNvPr id="3" name="Content Placeholder 2"/>
+          <p:cNvPr id="3" name="内容占位符 2"/>
           <p:cNvSpPr>
             <a:spLocks noGrp="1"/>
           </p:cNvSpPr>
@@ -3906,20 +5705,555 @@
         <p:spPr/>
         <p:txBody>
           <a:bodyPr/>
-          <a:p>
-            <a:r>
-              <a:rPr lang="x-none" altLang=""/>
-              <a:t>We care about the cost.</a:t>
-            </a:r>
-            <a:endParaRPr lang="x-none" altLang=""/>
+          <a:lstStyle/>
+          <a:p>
+            <a:r>
+              <a:rPr lang="en-US" dirty="0" smtClean="0">
+                <a:solidFill>
+                  <a:schemeClr val="tx2"/>
+                </a:solidFill>
+              </a:rPr>
+              <a:t>Safety</a:t>
+            </a:r>
+            <a:endParaRPr lang="en-US" dirty="0">
+              <a:solidFill>
+                <a:schemeClr val="tx2"/>
+              </a:solidFill>
+            </a:endParaRPr>
+          </a:p>
+          <a:p>
+            <a:r>
+              <a:rPr lang="en-US" b="0" dirty="0" smtClean="0">
+                <a:solidFill>
+                  <a:schemeClr val="tx2"/>
+                </a:solidFill>
+              </a:rPr>
+              <a:t> - machine detect</a:t>
+            </a:r>
+          </a:p>
+          <a:p>
+            <a:endParaRPr lang="en-US" b="0" dirty="0" smtClean="0">
+              <a:solidFill>
+                <a:schemeClr val="tx2"/>
+              </a:solidFill>
+            </a:endParaRPr>
+          </a:p>
+          <a:p>
+            <a:r>
+              <a:rPr lang="en-US" dirty="0" smtClean="0">
+                <a:solidFill>
+                  <a:schemeClr val="tx2"/>
+                </a:solidFill>
+              </a:rPr>
+              <a:t>Waiting time</a:t>
+            </a:r>
+            <a:endParaRPr lang="en-US" dirty="0">
+              <a:solidFill>
+                <a:schemeClr val="tx2"/>
+              </a:solidFill>
+            </a:endParaRPr>
+          </a:p>
+          <a:p>
+            <a:r>
+              <a:rPr lang="en-US" b="0" dirty="0" smtClean="0">
+                <a:solidFill>
+                  <a:schemeClr val="tx2"/>
+                </a:solidFill>
+              </a:rPr>
+              <a:t> </a:t>
+            </a:r>
+            <a:r>
+              <a:rPr lang="en-US" altLang="zh-CN" b="0" dirty="0" smtClean="0">
+                <a:solidFill>
+                  <a:schemeClr val="tx2"/>
+                </a:solidFill>
+              </a:rPr>
+              <a:t>- cooperate with taxi</a:t>
+            </a:r>
+            <a:endParaRPr lang="en-US" b="0" dirty="0" smtClean="0">
+              <a:solidFill>
+                <a:schemeClr val="tx2"/>
+              </a:solidFill>
+            </a:endParaRPr>
+          </a:p>
+          <a:p>
+            <a:endParaRPr lang="en-US" b="0" dirty="0" smtClean="0">
+              <a:solidFill>
+                <a:schemeClr val="tx2"/>
+              </a:solidFill>
+            </a:endParaRPr>
+          </a:p>
+          <a:p>
+            <a:r>
+              <a:rPr lang="en-US" dirty="0" smtClean="0">
+                <a:solidFill>
+                  <a:schemeClr val="tx2"/>
+                </a:solidFill>
+              </a:rPr>
+              <a:t>Reliability </a:t>
+            </a:r>
+            <a:endParaRPr lang="en-US" dirty="0">
+              <a:solidFill>
+                <a:schemeClr val="tx2"/>
+              </a:solidFill>
+            </a:endParaRPr>
+          </a:p>
+          <a:p>
+            <a:r>
+              <a:rPr lang="en-US" b="0" dirty="0" smtClean="0">
+                <a:solidFill>
+                  <a:schemeClr val="tx2"/>
+                </a:solidFill>
+              </a:rPr>
+              <a:t> - user agreement</a:t>
+            </a:r>
           </a:p>
         </p:txBody>
       </p:sp>
+      <p:grpSp>
+        <p:nvGrpSpPr>
+          <p:cNvPr id="11" name="组合 10"/>
+          <p:cNvGrpSpPr/>
+          <p:nvPr/>
+        </p:nvGrpSpPr>
+        <p:grpSpPr>
+          <a:xfrm>
+            <a:off x="4315948" y="4229100"/>
+            <a:ext cx="2362200" cy="2362200"/>
+            <a:chOff x="8153400" y="3170422"/>
+            <a:chExt cx="2362200" cy="2362200"/>
+          </a:xfrm>
+        </p:grpSpPr>
+        <p:sp>
+          <p:nvSpPr>
+            <p:cNvPr id="10" name="圆角矩形 9"/>
+            <p:cNvSpPr/>
+            <p:nvPr/>
+          </p:nvSpPr>
+          <p:spPr bwMode="auto">
+            <a:xfrm>
+              <a:off x="8153400" y="3170422"/>
+              <a:ext cx="2362200" cy="2362200"/>
+            </a:xfrm>
+            <a:prstGeom prst="roundRect">
+              <a:avLst/>
+            </a:prstGeom>
+            <a:solidFill>
+              <a:srgbClr val="FFFF00">
+                <a:alpha val="49804"/>
+              </a:srgbClr>
+            </a:solidFill>
+            <a:ln>
+              <a:noFill/>
+            </a:ln>
+          </p:spPr>
+          <p:style>
+            <a:lnRef idx="0">
+              <a:scrgbClr r="0" g="0" b="0"/>
+            </a:lnRef>
+            <a:fillRef idx="0">
+              <a:scrgbClr r="0" g="0" b="0"/>
+            </a:fillRef>
+            <a:effectRef idx="0">
+              <a:scrgbClr r="0" g="0" b="0"/>
+            </a:effectRef>
+            <a:fontRef idx="minor">
+              <a:schemeClr val="lt1"/>
+            </a:fontRef>
+          </p:style>
+          <p:txBody>
+            <a:bodyPr vert="horz" wrap="square" lIns="91440" tIns="45720" rIns="91440" bIns="45720" numCol="1" rtlCol="0" anchor="t" anchorCtr="0" compatLnSpc="1">
+              <a:prstTxWarp prst="textNoShape">
+                <a:avLst/>
+              </a:prstTxWarp>
+            </a:bodyPr>
+            <a:lstStyle/>
+            <a:p>
+              <a:pPr marL="0" marR="0" indent="0" algn="l" defTabSz="914400" rtl="0" eaLnBrk="0" fontAlgn="base" latinLnBrk="0" hangingPunct="0">
+                <a:lnSpc>
+                  <a:spcPct val="100000"/>
+                </a:lnSpc>
+                <a:spcBef>
+                  <a:spcPct val="0"/>
+                </a:spcBef>
+                <a:spcAft>
+                  <a:spcPct val="0"/>
+                </a:spcAft>
+                <a:buClrTx/>
+                <a:buSzTx/>
+                <a:buFontTx/>
+                <a:buNone/>
+                <a:tabLst/>
+              </a:pPr>
+              <a:endParaRPr kumimoji="0" lang="en-US" sz="1800" b="0" i="0" u="none" strike="noStrike" cap="none" normalizeH="0" baseline="0" smtClean="0">
+                <a:ln>
+                  <a:noFill/>
+                </a:ln>
+                <a:solidFill>
+                  <a:schemeClr val="tx1"/>
+                </a:solidFill>
+                <a:effectLst/>
+                <a:latin typeface="Times New Roman" panose="02020603050405020304" pitchFamily="18" charset="0"/>
+              </a:endParaRPr>
+            </a:p>
+          </p:txBody>
+        </p:sp>
+        <p:pic>
+          <p:nvPicPr>
+            <p:cNvPr id="7" name="图片 6"/>
+            <p:cNvPicPr>
+              <a:picLocks noChangeAspect="1"/>
+            </p:cNvPicPr>
+            <p:nvPr/>
+          </p:nvPicPr>
+          <p:blipFill>
+            <a:blip r:embed="rId3">
+              <a:clrChange>
+                <a:clrFrom>
+                  <a:srgbClr val="F5F2EB"/>
+                </a:clrFrom>
+                <a:clrTo>
+                  <a:srgbClr val="F5F2EB">
+                    <a:alpha val="0"/>
+                  </a:srgbClr>
+                </a:clrTo>
+              </a:clrChange>
+              <a:extLst>
+                <a:ext uri="{BEBA8EAE-BF5A-486C-A8C5-ECC9F3942E4B}">
+                  <a14:imgProps xmlns:a14="http://schemas.microsoft.com/office/drawing/2010/main">
+                    <a14:imgLayer r:embed="rId4">
+                      <a14:imgEffect>
+                        <a14:backgroundRemoval t="0" b="100000" l="0" r="100000">
+                          <a14:foregroundMark x1="17500" y1="87500" x2="17500" y2="87500"/>
+                          <a14:foregroundMark x1="18000" y1="88000" x2="83500" y2="88500"/>
+                          <a14:backgroundMark x1="25500" y1="83000" x2="25500" y2="83000"/>
+                        </a14:backgroundRemoval>
+                      </a14:imgEffect>
+                    </a14:imgLayer>
+                  </a14:imgProps>
+                </a:ext>
+                <a:ext uri="{28A0092B-C50C-407E-A947-70E740481C1C}">
+                  <a14:useLocalDpi xmlns:a14="http://schemas.microsoft.com/office/drawing/2010/main" val="0"/>
+                </a:ext>
+              </a:extLst>
+            </a:blip>
+            <a:stretch>
+              <a:fillRect/>
+            </a:stretch>
+          </p:blipFill>
+          <p:spPr>
+            <a:xfrm>
+              <a:off x="8267700" y="3344640"/>
+              <a:ext cx="2133600" cy="2133600"/>
+            </a:xfrm>
+            <a:prstGeom prst="rect">
+              <a:avLst/>
+            </a:prstGeom>
+          </p:spPr>
+        </p:pic>
+      </p:grpSp>
+      <p:grpSp>
+        <p:nvGrpSpPr>
+          <p:cNvPr id="13" name="组合 12"/>
+          <p:cNvGrpSpPr/>
+          <p:nvPr/>
+        </p:nvGrpSpPr>
+        <p:grpSpPr>
+          <a:xfrm>
+            <a:off x="6419178" y="2615406"/>
+            <a:ext cx="2362200" cy="2362200"/>
+            <a:chOff x="7962900" y="1981200"/>
+            <a:chExt cx="2362200" cy="2362200"/>
+          </a:xfrm>
+        </p:grpSpPr>
+        <p:sp>
+          <p:nvSpPr>
+            <p:cNvPr id="12" name="圆角矩形 11"/>
+            <p:cNvSpPr/>
+            <p:nvPr/>
+          </p:nvSpPr>
+          <p:spPr bwMode="auto">
+            <a:xfrm>
+              <a:off x="7962900" y="1981200"/>
+              <a:ext cx="2362200" cy="2362200"/>
+            </a:xfrm>
+            <a:prstGeom prst="roundRect">
+              <a:avLst/>
+            </a:prstGeom>
+            <a:solidFill>
+              <a:schemeClr val="bg1">
+                <a:lumMod val="50000"/>
+                <a:alpha val="49804"/>
+              </a:schemeClr>
+            </a:solidFill>
+            <a:ln>
+              <a:noFill/>
+            </a:ln>
+          </p:spPr>
+          <p:style>
+            <a:lnRef idx="0">
+              <a:scrgbClr r="0" g="0" b="0"/>
+            </a:lnRef>
+            <a:fillRef idx="0">
+              <a:scrgbClr r="0" g="0" b="0"/>
+            </a:fillRef>
+            <a:effectRef idx="0">
+              <a:scrgbClr r="0" g="0" b="0"/>
+            </a:effectRef>
+            <a:fontRef idx="minor">
+              <a:schemeClr val="lt1"/>
+            </a:fontRef>
+          </p:style>
+          <p:txBody>
+            <a:bodyPr vert="horz" wrap="square" lIns="91440" tIns="45720" rIns="91440" bIns="45720" numCol="1" rtlCol="0" anchor="t" anchorCtr="0" compatLnSpc="1">
+              <a:prstTxWarp prst="textNoShape">
+                <a:avLst/>
+              </a:prstTxWarp>
+            </a:bodyPr>
+            <a:lstStyle/>
+            <a:p>
+              <a:pPr marL="0" marR="0" indent="0" algn="l" defTabSz="914400" rtl="0" eaLnBrk="0" fontAlgn="base" latinLnBrk="0" hangingPunct="0">
+                <a:lnSpc>
+                  <a:spcPct val="100000"/>
+                </a:lnSpc>
+                <a:spcBef>
+                  <a:spcPct val="0"/>
+                </a:spcBef>
+                <a:spcAft>
+                  <a:spcPct val="0"/>
+                </a:spcAft>
+                <a:buClrTx/>
+                <a:buSzTx/>
+                <a:buFontTx/>
+                <a:buNone/>
+                <a:tabLst/>
+              </a:pPr>
+              <a:endParaRPr kumimoji="0" lang="en-US" sz="1800" b="0" i="0" u="none" strike="noStrike" cap="none" normalizeH="0" baseline="0" smtClean="0">
+                <a:ln>
+                  <a:noFill/>
+                </a:ln>
+                <a:solidFill>
+                  <a:schemeClr val="tx1"/>
+                </a:solidFill>
+                <a:effectLst/>
+                <a:latin typeface="Times New Roman" panose="02020603050405020304" pitchFamily="18" charset="0"/>
+              </a:endParaRPr>
+            </a:p>
+          </p:txBody>
+        </p:sp>
+        <p:pic>
+          <p:nvPicPr>
+            <p:cNvPr id="5" name="图片 4"/>
+            <p:cNvPicPr>
+              <a:picLocks noChangeAspect="1"/>
+            </p:cNvPicPr>
+            <p:nvPr/>
+          </p:nvPicPr>
+          <p:blipFill rotWithShape="1">
+            <a:blip r:embed="rId5" cstate="print">
+              <a:extLst>
+                <a:ext uri="{BEBA8EAE-BF5A-486C-A8C5-ECC9F3942E4B}">
+                  <a14:imgProps xmlns:a14="http://schemas.microsoft.com/office/drawing/2010/main">
+                    <a14:imgLayer r:embed="rId6">
+                      <a14:imgEffect>
+                        <a14:backgroundRemoval t="2637" b="96973" l="1465" r="100000">
+                          <a14:foregroundMark x1="39551" y1="29688" x2="39551" y2="29688"/>
+                          <a14:foregroundMark x1="25000" y1="55859" x2="25000" y2="55859"/>
+                          <a14:foregroundMark x1="39453" y1="30078" x2="31055" y2="34473"/>
+                          <a14:foregroundMark x1="35449" y1="34180" x2="24707" y2="50098"/>
+                          <a14:foregroundMark x1="26367" y1="50000" x2="46191" y2="72949"/>
+                          <a14:foregroundMark x1="45996" y1="72559" x2="68945" y2="62402"/>
+                          <a14:foregroundMark x1="68652" y1="62402" x2="70020" y2="34570"/>
+                          <a14:foregroundMark x1="69922" y1="36523" x2="49609" y2="26465"/>
+                          <a14:foregroundMark x1="50098" y1="26660" x2="31836" y2="36719"/>
+                          <a14:foregroundMark x1="28809" y1="47266" x2="35449" y2="32129"/>
+                          <a14:foregroundMark x1="41895" y1="26660" x2="24316" y2="43262"/>
+                          <a14:foregroundMark x1="39160" y1="54395" x2="40234" y2="70020"/>
+                          <a14:foregroundMark x1="39453" y1="54395" x2="33398" y2="71875"/>
+                          <a14:foregroundMark x1="69922" y1="50977" x2="73633" y2="61523"/>
+                          <a14:foregroundMark x1="56836" y1="66113" x2="48926" y2="75977"/>
+                          <a14:foregroundMark x1="56738" y1="69141" x2="59863" y2="72559"/>
+                          <a14:foregroundMark x1="67188" y1="48340" x2="77344" y2="50098"/>
+                          <a14:foregroundMark x1="70605" y1="38770" x2="70605" y2="38770"/>
+                          <a14:foregroundMark x1="63477" y1="34375" x2="64258" y2="30078"/>
+                          <a14:foregroundMark x1="56641" y1="31641" x2="52734" y2="26953"/>
+                          <a14:foregroundMark x1="63086" y1="34180" x2="60547" y2="26074"/>
+                          <a14:foregroundMark x1="37891" y1="51660" x2="44629" y2="48926"/>
+                          <a14:foregroundMark x1="35156" y1="53809" x2="31641" y2="45898"/>
+                          <a14:foregroundMark x1="34082" y1="43164" x2="59473" y2="44238"/>
+                          <a14:foregroundMark x1="49902" y1="34082" x2="57520" y2="64258"/>
+                          <a14:foregroundMark x1="68555" y1="61133" x2="59570" y2="40527"/>
+                          <a14:foregroundMark x1="56836" y1="41602" x2="46875" y2="60254"/>
+                          <a14:foregroundMark x1="61035" y1="66602" x2="66211" y2="49023"/>
+                          <a14:foregroundMark x1="65527" y1="56836" x2="55176" y2="50781"/>
+                          <a14:foregroundMark x1="60840" y1="66504" x2="50977" y2="62402"/>
+                          <a14:foregroundMark x1="38965" y1="51270" x2="33105" y2="38281"/>
+                          <a14:foregroundMark x1="70898" y1="48242" x2="68359" y2="40820"/>
+                          <a14:foregroundMark x1="74219" y1="48340" x2="72266" y2="35254"/>
+                          <a14:foregroundMark x1="27344" y1="48340" x2="31250" y2="67285"/>
+                          <a14:foregroundMark x1="60156" y1="71680" x2="68164" y2="65137"/>
+                        </a14:backgroundRemoval>
+                      </a14:imgEffect>
+                    </a14:imgLayer>
+                  </a14:imgProps>
+                </a:ext>
+                <a:ext uri="{28A0092B-C50C-407E-A947-70E740481C1C}">
+                  <a14:useLocalDpi xmlns:a14="http://schemas.microsoft.com/office/drawing/2010/main" val="0"/>
+                </a:ext>
+              </a:extLst>
+            </a:blip>
+            <a:srcRect l="18421" t="18421" r="18421" b="18421"/>
+            <a:stretch/>
+          </p:blipFill>
+          <p:spPr>
+            <a:xfrm>
+              <a:off x="8229600" y="2247900"/>
+              <a:ext cx="1828800" cy="1828800"/>
+            </a:xfrm>
+            <a:prstGeom prst="rect">
+              <a:avLst/>
+            </a:prstGeom>
+          </p:spPr>
+        </p:pic>
+      </p:grpSp>
+      <p:grpSp>
+        <p:nvGrpSpPr>
+          <p:cNvPr id="9" name="组合 8"/>
+          <p:cNvGrpSpPr/>
+          <p:nvPr/>
+        </p:nvGrpSpPr>
+        <p:grpSpPr>
+          <a:xfrm>
+            <a:off x="4572000" y="1027510"/>
+            <a:ext cx="2362200" cy="2362200"/>
+            <a:chOff x="6247108" y="2895600"/>
+            <a:chExt cx="2362200" cy="2362200"/>
+          </a:xfrm>
+        </p:grpSpPr>
+        <p:sp>
+          <p:nvSpPr>
+            <p:cNvPr id="8" name="圆角矩形 7"/>
+            <p:cNvSpPr/>
+            <p:nvPr/>
+          </p:nvSpPr>
+          <p:spPr bwMode="auto">
+            <a:xfrm>
+              <a:off x="6247108" y="2895600"/>
+              <a:ext cx="2362200" cy="2362200"/>
+            </a:xfrm>
+            <a:prstGeom prst="roundRect">
+              <a:avLst/>
+            </a:prstGeom>
+            <a:solidFill>
+              <a:schemeClr val="accent2">
+                <a:lumMod val="60000"/>
+                <a:lumOff val="40000"/>
+                <a:alpha val="49804"/>
+              </a:schemeClr>
+            </a:solidFill>
+            <a:ln>
+              <a:noFill/>
+            </a:ln>
+          </p:spPr>
+          <p:style>
+            <a:lnRef idx="0">
+              <a:scrgbClr r="0" g="0" b="0"/>
+            </a:lnRef>
+            <a:fillRef idx="0">
+              <a:scrgbClr r="0" g="0" b="0"/>
+            </a:fillRef>
+            <a:effectRef idx="0">
+              <a:scrgbClr r="0" g="0" b="0"/>
+            </a:effectRef>
+            <a:fontRef idx="minor">
+              <a:schemeClr val="lt1"/>
+            </a:fontRef>
+          </p:style>
+          <p:txBody>
+            <a:bodyPr vert="horz" wrap="square" lIns="91440" tIns="45720" rIns="91440" bIns="45720" numCol="1" rtlCol="0" anchor="t" anchorCtr="0" compatLnSpc="1">
+              <a:prstTxWarp prst="textNoShape">
+                <a:avLst/>
+              </a:prstTxWarp>
+            </a:bodyPr>
+            <a:lstStyle/>
+            <a:p>
+              <a:pPr marL="0" marR="0" indent="0" algn="l" defTabSz="914400" rtl="0" eaLnBrk="0" fontAlgn="base" latinLnBrk="0" hangingPunct="0">
+                <a:lnSpc>
+                  <a:spcPct val="100000"/>
+                </a:lnSpc>
+                <a:spcBef>
+                  <a:spcPct val="0"/>
+                </a:spcBef>
+                <a:spcAft>
+                  <a:spcPct val="0"/>
+                </a:spcAft>
+                <a:buClrTx/>
+                <a:buSzTx/>
+                <a:buFontTx/>
+                <a:buNone/>
+                <a:tabLst/>
+              </a:pPr>
+              <a:endParaRPr kumimoji="0" lang="en-US" sz="1800" b="0" i="0" u="none" strike="noStrike" cap="none" normalizeH="0" baseline="0" smtClean="0">
+                <a:ln>
+                  <a:noFill/>
+                </a:ln>
+                <a:solidFill>
+                  <a:schemeClr val="tx1"/>
+                </a:solidFill>
+                <a:effectLst/>
+                <a:latin typeface="Times New Roman" panose="02020603050405020304" pitchFamily="18" charset="0"/>
+              </a:endParaRPr>
+            </a:p>
+          </p:txBody>
+        </p:sp>
+        <p:pic>
+          <p:nvPicPr>
+            <p:cNvPr id="6" name="图片 5"/>
+            <p:cNvPicPr>
+              <a:picLocks noChangeAspect="1"/>
+            </p:cNvPicPr>
+            <p:nvPr/>
+          </p:nvPicPr>
+          <p:blipFill>
+            <a:blip r:embed="rId7">
+              <a:extLst>
+                <a:ext uri="{28A0092B-C50C-407E-A947-70E740481C1C}">
+                  <a14:useLocalDpi xmlns:a14="http://schemas.microsoft.com/office/drawing/2010/main" val="0"/>
+                </a:ext>
+              </a:extLst>
+            </a:blip>
+            <a:stretch>
+              <a:fillRect/>
+            </a:stretch>
+          </p:blipFill>
+          <p:spPr>
+            <a:xfrm>
+              <a:off x="6553200" y="3143028"/>
+              <a:ext cx="1750016" cy="1750016"/>
+            </a:xfrm>
+            <a:prstGeom prst="rect">
+              <a:avLst/>
+            </a:prstGeom>
+          </p:spPr>
+        </p:pic>
+      </p:grpSp>
     </p:spTree>
+    <p:extLst>
+      <p:ext uri="{BB962C8B-B14F-4D97-AF65-F5344CB8AC3E}">
+        <p14:creationId xmlns:p14="http://schemas.microsoft.com/office/powerpoint/2010/main" val="1807948020"/>
+      </p:ext>
+    </p:extLst>
   </p:cSld>
   <p:clrMapOvr>
     <a:masterClrMapping/>
   </p:clrMapOvr>
+  <p:timing>
+    <p:tnLst>
+      <p:par>
+        <p:cTn id="1" dur="indefinite" restart="never" nodeType="tmRoot"/>
+      </p:par>
+    </p:tnLst>
+  </p:timing>
 </p:sld>
 </file>
 
@@ -3932,10 +6266,262 @@
         <p:cNvGrpSpPr/>
         <p:nvPr/>
       </p:nvGrpSpPr>
-      <p:grpSpPr/>
+      <p:grpSpPr>
+        <a:xfrm>
+          <a:off x="0" y="0"/>
+          <a:ext cx="0" cy="0"/>
+          <a:chOff x="0" y="0"/>
+          <a:chExt cx="0" cy="0"/>
+        </a:xfrm>
+      </p:grpSpPr>
       <p:sp>
         <p:nvSpPr>
-          <p:cNvPr id="2" name="Title 1"/>
+          <p:cNvPr id="19" name="矩形 18"/>
+          <p:cNvSpPr/>
+          <p:nvPr/>
+        </p:nvSpPr>
+        <p:spPr>
+          <a:xfrm>
+            <a:off x="3624464" y="2841582"/>
+            <a:ext cx="1895071" cy="1015663"/>
+          </a:xfrm>
+          <a:prstGeom prst="rect">
+            <a:avLst/>
+          </a:prstGeom>
+        </p:spPr>
+        <p:txBody>
+          <a:bodyPr wrap="none">
+            <a:spAutoFit/>
+          </a:bodyPr>
+          <a:lstStyle/>
+          <a:p>
+            <a:pPr algn="ctr"/>
+            <a:r>
+              <a:rPr lang="x-none" altLang="" sz="6000" dirty="0" smtClean="0"/>
+              <a:t>Q&amp;A</a:t>
+            </a:r>
+            <a:endParaRPr lang="zh-CN" altLang="en-US" sz="4800" b="1" cap="none" spc="0" dirty="0">
+              <a:ln/>
+              <a:solidFill>
+                <a:schemeClr val="accent4"/>
+              </a:solidFill>
+              <a:effectLst/>
+            </a:endParaRPr>
+          </a:p>
+        </p:txBody>
+      </p:sp>
+    </p:spTree>
+    <p:extLst>
+      <p:ext uri="{BB962C8B-B14F-4D97-AF65-F5344CB8AC3E}">
+        <p14:creationId xmlns:p14="http://schemas.microsoft.com/office/powerpoint/2010/main" val="3763363957"/>
+      </p:ext>
+    </p:extLst>
+  </p:cSld>
+  <p:clrMapOvr>
+    <a:masterClrMapping/>
+  </p:clrMapOvr>
+  <p:timing>
+    <p:tnLst>
+      <p:par>
+        <p:cTn id="1" dur="indefinite" restart="never" nodeType="tmRoot"/>
+      </p:par>
+    </p:tnLst>
+  </p:timing>
+</p:sld>
+</file>
+
+<file path=ppt/slides/slide8.xml><?xml version="1.0" encoding="utf-8"?>
+<p:sld xmlns:a="http://schemas.openxmlformats.org/drawingml/2006/main" xmlns:r="http://schemas.openxmlformats.org/officeDocument/2006/relationships" xmlns:p="http://schemas.openxmlformats.org/presentationml/2006/main">
+  <p:cSld>
+    <p:spTree>
+      <p:nvGrpSpPr>
+        <p:cNvPr id="1" name=""/>
+        <p:cNvGrpSpPr/>
+        <p:nvPr/>
+      </p:nvGrpSpPr>
+      <p:grpSpPr>
+        <a:xfrm>
+          <a:off x="0" y="0"/>
+          <a:ext cx="0" cy="0"/>
+          <a:chOff x="0" y="0"/>
+          <a:chExt cx="0" cy="0"/>
+        </a:xfrm>
+      </p:grpSpPr>
+      <p:sp>
+        <p:nvSpPr>
+          <p:cNvPr id="5" name="页脚占位符 4"/>
+          <p:cNvSpPr>
+            <a:spLocks noGrp="1"/>
+          </p:cNvSpPr>
+          <p:nvPr>
+            <p:ph type="ftr" sz="quarter" idx="11"/>
+          </p:nvPr>
+        </p:nvSpPr>
+        <p:spPr/>
+        <p:txBody>
+          <a:bodyPr/>
+          <a:lstStyle/>
+          <a:p>
+            <a:r>
+              <a:rPr lang="en-US" altLang="ko-KR"/>
+              <a:t>Company Logo</a:t>
+            </a:r>
+          </a:p>
+        </p:txBody>
+      </p:sp>
+      <p:pic>
+        <p:nvPicPr>
+          <p:cNvPr id="40964" name="Picture 4" descr="original_metal_w(s)"/>
+          <p:cNvPicPr>
+            <a:picLocks noChangeAspect="1" noChangeArrowheads="1" noCrop="1"/>
+          </p:cNvPicPr>
+          <p:nvPr/>
+        </p:nvPicPr>
+        <p:blipFill>
+          <a:blip r:embed="rId2">
+            <a:extLst>
+              <a:ext uri="{28A0092B-C50C-407E-A947-70E740481C1C}">
+                <a14:useLocalDpi xmlns:a14="http://schemas.microsoft.com/office/drawing/2010/main" val="0"/>
+              </a:ext>
+            </a:extLst>
+          </a:blip>
+          <a:srcRect/>
+          <a:stretch>
+            <a:fillRect/>
+          </a:stretch>
+        </p:blipFill>
+        <p:spPr bwMode="auto">
+          <a:xfrm>
+            <a:off x="3908425" y="1878013"/>
+            <a:ext cx="1152525" cy="1098550"/>
+          </a:xfrm>
+          <a:prstGeom prst="rect">
+            <a:avLst/>
+          </a:prstGeom>
+          <a:noFill/>
+          <a:ln>
+            <a:noFill/>
+          </a:ln>
+          <a:extLst>
+            <a:ext uri="{909E8E84-426E-40DD-AFC4-6F175D3DCCD1}">
+              <a14:hiddenFill xmlns:a14="http://schemas.microsoft.com/office/drawing/2010/main">
+                <a:solidFill>
+                  <a:srgbClr val="FFFFFF"/>
+                </a:solidFill>
+              </a14:hiddenFill>
+            </a:ext>
+            <a:ext uri="{91240B29-F687-4F45-9708-019B960494DF}">
+              <a14:hiddenLine xmlns:a14="http://schemas.microsoft.com/office/drawing/2010/main" w="9525">
+                <a:solidFill>
+                  <a:srgbClr val="000000"/>
+                </a:solidFill>
+                <a:miter lim="800000"/>
+                <a:headEnd/>
+                <a:tailEnd/>
+              </a14:hiddenLine>
+            </a:ext>
+          </a:extLst>
+        </p:spPr>
+      </p:pic>
+      <p:sp>
+        <p:nvSpPr>
+          <p:cNvPr id="40965" name="WordArt 5"/>
+          <p:cNvSpPr>
+            <a:spLocks noChangeArrowheads="1" noChangeShapeType="1" noTextEdit="1"/>
+          </p:cNvSpPr>
+          <p:nvPr/>
+        </p:nvSpPr>
+        <p:spPr bwMode="auto">
+          <a:xfrm>
+            <a:off x="1619250" y="2852738"/>
+            <a:ext cx="5832475" cy="1512887"/>
+          </a:xfrm>
+          <a:prstGeom prst="rect">
+            <a:avLst/>
+          </a:prstGeom>
+        </p:spPr>
+        <p:txBody>
+          <a:bodyPr wrap="none" fromWordArt="1">
+            <a:prstTxWarp prst="textDeflate">
+              <a:avLst>
+                <a:gd name="adj" fmla="val 9605"/>
+              </a:avLst>
+            </a:prstTxWarp>
+          </a:bodyPr>
+          <a:lstStyle/>
+          <a:p>
+            <a:pPr algn="ctr"/>
+            <a:r>
+              <a:rPr lang="en-US" sz="3600" b="1" kern="10" dirty="0">
+                <a:ln w="38100">
+                  <a:solidFill>
+                    <a:schemeClr val="bg1"/>
+                  </a:solidFill>
+                  <a:round/>
+                  <a:headEnd/>
+                  <a:tailEnd/>
+                </a:ln>
+                <a:gradFill rotWithShape="1">
+                  <a:gsLst>
+                    <a:gs pos="0">
+                      <a:schemeClr val="tx1"/>
+                    </a:gs>
+                    <a:gs pos="100000">
+                      <a:schemeClr val="hlink"/>
+                    </a:gs>
+                  </a:gsLst>
+                  <a:lin ang="0" scaled="1"/>
+                </a:gradFill>
+                <a:effectLst>
+                  <a:outerShdw dist="107763" dir="2700000" algn="ctr" rotWithShape="0">
+                    <a:srgbClr val="868686">
+                      <a:alpha val="50000"/>
+                    </a:srgbClr>
+                  </a:outerShdw>
+                </a:effectLst>
+                <a:latin typeface="Arial" panose="020B0604020202020204" pitchFamily="34" charset="0"/>
+                <a:cs typeface="Arial" panose="020B0604020202020204" pitchFamily="34" charset="0"/>
+              </a:rPr>
+              <a:t>Thank You !</a:t>
+            </a:r>
+          </a:p>
+        </p:txBody>
+      </p:sp>
+    </p:spTree>
+  </p:cSld>
+  <p:clrMapOvr>
+    <a:masterClrMapping/>
+  </p:clrMapOvr>
+  <p:timing>
+    <p:tnLst>
+      <p:par>
+        <p:cTn id="1" dur="indefinite" restart="never" nodeType="tmRoot"/>
+      </p:par>
+    </p:tnLst>
+  </p:timing>
+</p:sld>
+</file>
+
+<file path=ppt/slides/slide9.xml><?xml version="1.0" encoding="utf-8"?>
+<p:sld xmlns:a="http://schemas.openxmlformats.org/drawingml/2006/main" xmlns:r="http://schemas.openxmlformats.org/officeDocument/2006/relationships" xmlns:p="http://schemas.openxmlformats.org/presentationml/2006/main">
+  <p:cSld>
+    <p:spTree>
+      <p:nvGrpSpPr>
+        <p:cNvPr id="1" name=""/>
+        <p:cNvGrpSpPr/>
+        <p:nvPr/>
+      </p:nvGrpSpPr>
+      <p:grpSpPr>
+        <a:xfrm>
+          <a:off x="0" y="0"/>
+          <a:ext cx="0" cy="0"/>
+          <a:chOff x="0" y="0"/>
+          <a:chExt cx="0" cy="0"/>
+        </a:xfrm>
+      </p:grpSpPr>
+      <p:sp>
+        <p:nvSpPr>
+          <p:cNvPr id="2" name="标题 1"/>
           <p:cNvSpPr>
             <a:spLocks noGrp="1"/>
           </p:cNvSpPr>
@@ -3946,152 +6532,265 @@
         <p:spPr/>
         <p:txBody>
           <a:bodyPr/>
-          <a:p>
-            <a:r>
-              <a:rPr lang="x-none" altLang=""/>
-              <a:t>Q&amp;A</a:t>
-            </a:r>
-            <a:endParaRPr lang="x-none" altLang=""/>
+          <a:lstStyle/>
+          <a:p>
+            <a:r>
+              <a:rPr lang="en-US" altLang="zh-CN" dirty="0" smtClean="0"/>
+              <a:t>UI</a:t>
+            </a:r>
+            <a:endParaRPr lang="en-US" dirty="0"/>
           </a:p>
         </p:txBody>
       </p:sp>
-      <p:sp>
-        <p:nvSpPr>
-          <p:cNvPr id="3" name="Content Placeholder 2"/>
-          <p:cNvSpPr>
-            <a:spLocks noGrp="1"/>
-          </p:cNvSpPr>
-          <p:nvPr>
-            <p:ph idx="1"/>
-          </p:nvPr>
-        </p:nvSpPr>
-        <p:spPr/>
-        <p:txBody>
-          <a:bodyPr/>
-          <a:p>
-            <a:endParaRPr lang="" altLang="en-US"/>
-          </a:p>
-        </p:txBody>
-      </p:sp>
+      <p:grpSp>
+        <p:nvGrpSpPr>
+          <p:cNvPr id="5" name="组合 4"/>
+          <p:cNvGrpSpPr/>
+          <p:nvPr/>
+        </p:nvGrpSpPr>
+        <p:grpSpPr>
+          <a:xfrm>
+            <a:off x="125413" y="1185719"/>
+            <a:ext cx="2922587" cy="5360988"/>
+            <a:chOff x="381000" y="304800"/>
+            <a:chExt cx="3855697" cy="6629400"/>
+          </a:xfrm>
+        </p:grpSpPr>
+        <p:pic>
+          <p:nvPicPr>
+            <p:cNvPr id="6" name="图片 5"/>
+            <p:cNvPicPr>
+              <a:picLocks noChangeAspect="1"/>
+            </p:cNvPicPr>
+            <p:nvPr/>
+          </p:nvPicPr>
+          <p:blipFill rotWithShape="1">
+            <a:blip r:embed="rId3" cstate="print">
+              <a:extLst>
+                <a:ext uri="{28A0092B-C50C-407E-A947-70E740481C1C}">
+                  <a14:useLocalDpi xmlns:a14="http://schemas.microsoft.com/office/drawing/2010/main" val="0"/>
+                </a:ext>
+              </a:extLst>
+            </a:blip>
+            <a:srcRect t="3334"/>
+            <a:stretch/>
+          </p:blipFill>
+          <p:spPr>
+            <a:xfrm>
+              <a:off x="381000" y="304800"/>
+              <a:ext cx="3855697" cy="6629400"/>
+            </a:xfrm>
+            <a:prstGeom prst="rect">
+              <a:avLst/>
+            </a:prstGeom>
+          </p:spPr>
+        </p:pic>
+        <p:sp>
+          <p:nvSpPr>
+            <p:cNvPr id="7" name="矩形 6"/>
+            <p:cNvSpPr/>
+            <p:nvPr/>
+          </p:nvSpPr>
+          <p:spPr bwMode="auto">
+            <a:xfrm>
+              <a:off x="457200" y="3276599"/>
+              <a:ext cx="3768695" cy="3346027"/>
+            </a:xfrm>
+            <a:prstGeom prst="rect">
+              <a:avLst/>
+            </a:prstGeom>
+            <a:solidFill>
+              <a:srgbClr val="F0F0F0"/>
+            </a:solidFill>
+            <a:ln w="9525" cap="flat" cmpd="sng" algn="ctr">
+              <a:noFill/>
+              <a:prstDash val="solid"/>
+              <a:round/>
+              <a:headEnd type="none" w="med" len="med"/>
+              <a:tailEnd type="none" w="med" len="med"/>
+            </a:ln>
+            <a:effectLst/>
+            <a:extLst/>
+          </p:spPr>
+          <p:txBody>
+            <a:bodyPr vert="horz" wrap="square" lIns="91440" tIns="45720" rIns="91440" bIns="45720" numCol="1" rtlCol="0" anchor="t" anchorCtr="0" compatLnSpc="1">
+              <a:prstTxWarp prst="textNoShape">
+                <a:avLst/>
+              </a:prstTxWarp>
+            </a:bodyPr>
+            <a:lstStyle/>
+            <a:p>
+              <a:pPr marL="0" marR="0" indent="0" algn="l" defTabSz="914400" rtl="0" eaLnBrk="0" fontAlgn="base" latinLnBrk="0" hangingPunct="0">
+                <a:lnSpc>
+                  <a:spcPct val="100000"/>
+                </a:lnSpc>
+                <a:spcBef>
+                  <a:spcPct val="0"/>
+                </a:spcBef>
+                <a:spcAft>
+                  <a:spcPct val="0"/>
+                </a:spcAft>
+                <a:buClrTx/>
+                <a:buSzTx/>
+                <a:buFontTx/>
+                <a:buNone/>
+                <a:tabLst/>
+              </a:pPr>
+              <a:endParaRPr kumimoji="0" lang="en-US" sz="1800" b="0" i="0" u="none" strike="noStrike" cap="none" normalizeH="0" baseline="0" smtClean="0">
+                <a:ln>
+                  <a:noFill/>
+                </a:ln>
+                <a:solidFill>
+                  <a:schemeClr val="tx1"/>
+                </a:solidFill>
+                <a:effectLst/>
+                <a:latin typeface="Times New Roman" panose="02020603050405020304" pitchFamily="18" charset="0"/>
+              </a:endParaRPr>
+            </a:p>
+          </p:txBody>
+        </p:sp>
+      </p:grpSp>
+      <p:pic>
+        <p:nvPicPr>
+          <p:cNvPr id="8" name="图片 7" descr="C:\Users\Administrator\Desktop\Picture1.png"/>
+          <p:cNvPicPr/>
+          <p:nvPr/>
+        </p:nvPicPr>
+        <p:blipFill>
+          <a:blip r:embed="rId4">
+            <a:extLst>
+              <a:ext uri="{28A0092B-C50C-407E-A947-70E740481C1C}">
+                <a14:useLocalDpi xmlns:a14="http://schemas.microsoft.com/office/drawing/2010/main" val="0"/>
+              </a:ext>
+            </a:extLst>
+          </a:blip>
+          <a:srcRect/>
+          <a:stretch>
+            <a:fillRect/>
+          </a:stretch>
+        </p:blipFill>
+        <p:spPr bwMode="auto">
+          <a:xfrm>
+            <a:off x="2942617" y="1185719"/>
+            <a:ext cx="3153383" cy="5360987"/>
+          </a:xfrm>
+          <a:prstGeom prst="rect">
+            <a:avLst/>
+          </a:prstGeom>
+          <a:noFill/>
+          <a:ln>
+            <a:noFill/>
+          </a:ln>
+        </p:spPr>
+      </p:pic>
+      <p:pic>
+        <p:nvPicPr>
+          <p:cNvPr id="10" name="图片 9"/>
+          <p:cNvPicPr>
+            <a:picLocks noChangeAspect="1"/>
+          </p:cNvPicPr>
+          <p:nvPr/>
+        </p:nvPicPr>
+        <p:blipFill rotWithShape="1">
+          <a:blip r:embed="rId5" cstate="print">
+            <a:extLst>
+              <a:ext uri="{28A0092B-C50C-407E-A947-70E740481C1C}">
+                <a14:useLocalDpi xmlns:a14="http://schemas.microsoft.com/office/drawing/2010/main" val="0"/>
+              </a:ext>
+            </a:extLst>
+          </a:blip>
+          <a:srcRect t="2732"/>
+          <a:stretch/>
+        </p:blipFill>
+        <p:spPr>
+          <a:xfrm>
+            <a:off x="6034936" y="1167788"/>
+            <a:ext cx="3109064" cy="5378918"/>
+          </a:xfrm>
+          <a:prstGeom prst="rect">
+            <a:avLst/>
+          </a:prstGeom>
+        </p:spPr>
+      </p:pic>
     </p:spTree>
+    <p:extLst>
+      <p:ext uri="{BB962C8B-B14F-4D97-AF65-F5344CB8AC3E}">
+        <p14:creationId xmlns:p14="http://schemas.microsoft.com/office/powerpoint/2010/main" val="407634942"/>
+      </p:ext>
+    </p:extLst>
   </p:cSld>
   <p:clrMapOvr>
     <a:masterClrMapping/>
   </p:clrMapOvr>
+  <mc:AlternateContent xmlns:mc="http://schemas.openxmlformats.org/markup-compatibility/2006">
+    <mc:Choice xmlns:p14="http://schemas.microsoft.com/office/powerpoint/2010/main" Requires="p14">
+      <p:transition spd="slow" p14:dur="2000"/>
+    </mc:Choice>
+    <mc:Fallback>
+      <p:transition spd="slow"/>
+    </mc:Fallback>
+  </mc:AlternateContent>
+  <p:timing>
+    <p:tnLst>
+      <p:par>
+        <p:cTn id="1" dur="indefinite" restart="never" nodeType="tmRoot"/>
+      </p:par>
+    </p:tnLst>
+  </p:timing>
 </p:sld>
 </file>
 
 <file path=ppt/theme/theme1.xml><?xml version="1.0" encoding="utf-8"?>
-<a:theme xmlns:a="http://schemas.openxmlformats.org/drawingml/2006/main" name="Office Theme">
+<a:theme xmlns:a="http://schemas.openxmlformats.org/drawingml/2006/main" name="011TGp_Global_light">
   <a:themeElements>
-    <a:clrScheme name="Office">
+    <a:clrScheme name="011TGp_Global_light 4">
       <a:dk1>
-        <a:sysClr val="windowText" lastClr="000000"/>
+        <a:srgbClr val="163794"/>
       </a:dk1>
       <a:lt1>
-        <a:sysClr val="window" lastClr="FFFFFF"/>
+        <a:srgbClr val="FFFFFF"/>
       </a:lt1>
       <a:dk2>
-        <a:srgbClr val="44546A"/>
+        <a:srgbClr val="000000"/>
       </a:dk2>
       <a:lt2>
-        <a:srgbClr val="E7E6E6"/>
+        <a:srgbClr val="DDDDDD"/>
       </a:lt2>
       <a:accent1>
-        <a:srgbClr val="5B9BD5"/>
+        <a:srgbClr val="009999"/>
       </a:accent1>
       <a:accent2>
-        <a:srgbClr val="ED7D31"/>
+        <a:srgbClr val="990000"/>
       </a:accent2>
       <a:accent3>
-        <a:srgbClr val="A5A5A5"/>
+        <a:srgbClr val="FFFFFF"/>
       </a:accent3>
       <a:accent4>
-        <a:srgbClr val="FFC000"/>
+        <a:srgbClr val="112D7E"/>
       </a:accent4>
       <a:accent5>
-        <a:srgbClr val="4472C4"/>
+        <a:srgbClr val="AACACA"/>
       </a:accent5>
       <a:accent6>
-        <a:srgbClr val="70AD47"/>
+        <a:srgbClr val="8A0000"/>
       </a:accent6>
       <a:hlink>
-        <a:srgbClr val="0563C1"/>
+        <a:srgbClr val="6699FF"/>
       </a:hlink>
       <a:folHlink>
-        <a:srgbClr val="954F72"/>
+        <a:srgbClr val="969696"/>
       </a:folHlink>
     </a:clrScheme>
-    <a:fontScheme name="Office">
+    <a:fontScheme name="011TGp_Global_light">
       <a:majorFont>
-        <a:latin typeface="Calibri Light"/>
+        <a:latin typeface="Verdana"/>
         <a:ea typeface=""/>
         <a:cs typeface=""/>
-        <a:font script="Jpan" typeface="ＭＳ Ｐゴシック"/>
-        <a:font script="Hang" typeface="맑은 고딕"/>
-        <a:font script="Hans" typeface="宋体"/>
-        <a:font script="Hant" typeface="新細明體"/>
-        <a:font script="Arab" typeface="Times New Roman"/>
-        <a:font script="Hebr" typeface="Times New Roman"/>
-        <a:font script="Thai" typeface="Angsana New"/>
-        <a:font script="Ethi" typeface="Nyala"/>
-        <a:font script="Beng" typeface="Vrinda"/>
-        <a:font script="Gujr" typeface="Shruti"/>
-        <a:font script="Khmr" typeface="MoolBoran"/>
-        <a:font script="Knda" typeface="Tunga"/>
-        <a:font script="Guru" typeface="Raavi"/>
-        <a:font script="Cans" typeface="Euphemia"/>
-        <a:font script="Cher" typeface="Plantagenet Cherokee"/>
-        <a:font script="Yiii" typeface="Microsoft Yi Baiti"/>
-        <a:font script="Tibt" typeface="Microsoft Himalaya"/>
-        <a:font script="Thaa" typeface="MV Boli"/>
-        <a:font script="Deva" typeface="Mangal"/>
-        <a:font script="Telu" typeface="Gautami"/>
-        <a:font script="Taml" typeface="Latha"/>
-        <a:font script="Syrc" typeface="Estrangelo Edessa"/>
-        <a:font script="Orya" typeface="Kalinga"/>
-        <a:font script="Mlym" typeface="Kartika"/>
-        <a:font script="Laoo" typeface="DokChampa"/>
-        <a:font script="Sinh" typeface="Iskoola Pota"/>
-        <a:font script="Mong" typeface="Mongolian Baiti"/>
-        <a:font script="Viet" typeface="Times New Roman"/>
-        <a:font script="Uigh" typeface="Microsoft Uighur"/>
-        <a:font script="Geor" typeface="Sylfaen"/>
       </a:majorFont>
       <a:minorFont>
-        <a:latin typeface="Calibri"/>
+        <a:latin typeface="Verdana"/>
         <a:ea typeface=""/>
         <a:cs typeface=""/>
-        <a:font script="Jpan" typeface="ＭＳ Ｐゴシック"/>
-        <a:font script="Hang" typeface="맑은 고딕"/>
-        <a:font script="Hans" typeface="宋体"/>
-        <a:font script="Hant" typeface="新細明體"/>
-        <a:font script="Arab" typeface="Arial"/>
-        <a:font script="Hebr" typeface="Arial"/>
-        <a:font script="Thai" typeface="Cordia New"/>
-        <a:font script="Ethi" typeface="Nyala"/>
-        <a:font script="Beng" typeface="Vrinda"/>
-        <a:font script="Gujr" typeface="Shruti"/>
-        <a:font script="Khmr" typeface="DaunPenh"/>
-        <a:font script="Knda" typeface="Tunga"/>
-        <a:font script="Guru" typeface="Raavi"/>
-        <a:font script="Cans" typeface="Euphemia"/>
-        <a:font script="Cher" typeface="Plantagenet Cherokee"/>
-        <a:font script="Yiii" typeface="Microsoft Yi Baiti"/>
-        <a:font script="Tibt" typeface="Microsoft Himalaya"/>
-        <a:font script="Thaa" typeface="MV Boli"/>
-        <a:font script="Deva" typeface="Mangal"/>
-        <a:font script="Telu" typeface="Gautami"/>
-        <a:font script="Taml" typeface="Latha"/>
-        <a:font script="Syrc" typeface="Estrangelo Edessa"/>
-        <a:font script="Orya" typeface="Kalinga"/>
-        <a:font script="Mlym" typeface="Kartika"/>
-        <a:font script="Laoo" typeface="DokChampa"/>
-        <a:font script="Sinh" typeface="Iskoola Pota"/>
-        <a:font script="Mong" typeface="Mongolian Baiti"/>
-        <a:font script="Viet" typeface="Arial"/>
-        <a:font script="Uigh" typeface="Microsoft Uighur"/>
-        <a:font script="Geor" typeface="Sylfaen"/>
       </a:minorFont>
     </a:fontScheme>
     <a:fmtScheme name="Office">
@@ -4232,8 +6931,320 @@
       </a:bgFillStyleLst>
     </a:fmtScheme>
   </a:themeElements>
-  <a:objectDefaults/>
-  <a:extraClrSchemeLst/>
+  <a:objectDefaults>
+    <a:spDef>
+      <a:spPr bwMode="auto">
+        <a:xfrm>
+          <a:off x="0" y="0"/>
+          <a:ext cx="1" cy="1"/>
+        </a:xfrm>
+        <a:custGeom>
+          <a:avLst/>
+          <a:gdLst/>
+          <a:ahLst/>
+          <a:cxnLst/>
+          <a:rect l="0" t="0" r="0" b="0"/>
+          <a:pathLst/>
+        </a:custGeom>
+        <a:solidFill>
+          <a:schemeClr val="accent1"/>
+        </a:solidFill>
+        <a:ln w="9525" cap="flat" cmpd="sng" algn="ctr">
+          <a:solidFill>
+            <a:schemeClr val="tx1"/>
+          </a:solidFill>
+          <a:prstDash val="solid"/>
+          <a:round/>
+          <a:headEnd type="none" w="med" len="med"/>
+          <a:tailEnd type="none" w="med" len="med"/>
+        </a:ln>
+        <a:effectLst/>
+        <a:extLst>
+          <a:ext uri="{AF507438-7753-43E0-B8FC-AC1667EBCBE1}">
+            <a14:hiddenEffects xmlns:a14="http://schemas.microsoft.com/office/drawing/2010/main">
+              <a:effectLst>
+                <a:outerShdw dist="35921" dir="2700000" algn="ctr" rotWithShape="0">
+                  <a:schemeClr val="bg2"/>
+                </a:outerShdw>
+              </a:effectLst>
+            </a14:hiddenEffects>
+          </a:ext>
+        </a:extLst>
+      </a:spPr>
+      <a:bodyPr vert="horz" wrap="square" lIns="91440" tIns="45720" rIns="91440" bIns="45720" numCol="1" anchor="t" anchorCtr="0" compatLnSpc="1">
+        <a:prstTxWarp prst="textNoShape">
+          <a:avLst/>
+        </a:prstTxWarp>
+      </a:bodyPr>
+      <a:lstStyle>
+        <a:defPPr marL="0" marR="0" indent="0" algn="l" defTabSz="914400" rtl="0" eaLnBrk="0" fontAlgn="base" latinLnBrk="0" hangingPunct="0">
+          <a:lnSpc>
+            <a:spcPct val="100000"/>
+          </a:lnSpc>
+          <a:spcBef>
+            <a:spcPct val="0"/>
+          </a:spcBef>
+          <a:spcAft>
+            <a:spcPct val="0"/>
+          </a:spcAft>
+          <a:buClrTx/>
+          <a:buSzTx/>
+          <a:buFontTx/>
+          <a:buNone/>
+          <a:tabLst/>
+          <a:defRPr kumimoji="0" lang="en-US" altLang="en-US" sz="1800" b="0" i="0" u="none" strike="noStrike" cap="none" normalizeH="0" baseline="0" smtClean="0">
+            <a:ln>
+              <a:noFill/>
+            </a:ln>
+            <a:solidFill>
+              <a:schemeClr val="tx1"/>
+            </a:solidFill>
+            <a:effectLst/>
+            <a:latin typeface="Times New Roman" panose="02020603050405020304" pitchFamily="18" charset="0"/>
+          </a:defRPr>
+        </a:defPPr>
+      </a:lstStyle>
+    </a:spDef>
+    <a:lnDef>
+      <a:spPr bwMode="auto">
+        <a:xfrm>
+          <a:off x="0" y="0"/>
+          <a:ext cx="1" cy="1"/>
+        </a:xfrm>
+        <a:custGeom>
+          <a:avLst/>
+          <a:gdLst/>
+          <a:ahLst/>
+          <a:cxnLst/>
+          <a:rect l="0" t="0" r="0" b="0"/>
+          <a:pathLst/>
+        </a:custGeom>
+        <a:solidFill>
+          <a:schemeClr val="accent1"/>
+        </a:solidFill>
+        <a:ln w="9525" cap="flat" cmpd="sng" algn="ctr">
+          <a:solidFill>
+            <a:schemeClr val="tx1"/>
+          </a:solidFill>
+          <a:prstDash val="solid"/>
+          <a:round/>
+          <a:headEnd type="none" w="med" len="med"/>
+          <a:tailEnd type="none" w="med" len="med"/>
+        </a:ln>
+        <a:effectLst/>
+        <a:extLst>
+          <a:ext uri="{AF507438-7753-43E0-B8FC-AC1667EBCBE1}">
+            <a14:hiddenEffects xmlns:a14="http://schemas.microsoft.com/office/drawing/2010/main">
+              <a:effectLst>
+                <a:outerShdw dist="35921" dir="2700000" algn="ctr" rotWithShape="0">
+                  <a:schemeClr val="bg2"/>
+                </a:outerShdw>
+              </a:effectLst>
+            </a14:hiddenEffects>
+          </a:ext>
+        </a:extLst>
+      </a:spPr>
+      <a:bodyPr vert="horz" wrap="square" lIns="91440" tIns="45720" rIns="91440" bIns="45720" numCol="1" anchor="t" anchorCtr="0" compatLnSpc="1">
+        <a:prstTxWarp prst="textNoShape">
+          <a:avLst/>
+        </a:prstTxWarp>
+      </a:bodyPr>
+      <a:lstStyle>
+        <a:defPPr marL="0" marR="0" indent="0" algn="l" defTabSz="914400" rtl="0" eaLnBrk="0" fontAlgn="base" latinLnBrk="0" hangingPunct="0">
+          <a:lnSpc>
+            <a:spcPct val="100000"/>
+          </a:lnSpc>
+          <a:spcBef>
+            <a:spcPct val="0"/>
+          </a:spcBef>
+          <a:spcAft>
+            <a:spcPct val="0"/>
+          </a:spcAft>
+          <a:buClrTx/>
+          <a:buSzTx/>
+          <a:buFontTx/>
+          <a:buNone/>
+          <a:tabLst/>
+          <a:defRPr kumimoji="0" lang="en-US" altLang="en-US" sz="1800" b="0" i="0" u="none" strike="noStrike" cap="none" normalizeH="0" baseline="0" smtClean="0">
+            <a:ln>
+              <a:noFill/>
+            </a:ln>
+            <a:solidFill>
+              <a:schemeClr val="tx1"/>
+            </a:solidFill>
+            <a:effectLst/>
+            <a:latin typeface="Times New Roman" panose="02020603050405020304" pitchFamily="18" charset="0"/>
+          </a:defRPr>
+        </a:defPPr>
+      </a:lstStyle>
+    </a:lnDef>
+  </a:objectDefaults>
+  <a:extraClrSchemeLst>
+    <a:extraClrScheme>
+      <a:clrScheme name="011TGp_Global_light 1">
+        <a:dk1>
+          <a:srgbClr val="666699"/>
+        </a:dk1>
+        <a:lt1>
+          <a:srgbClr val="FFFFFF"/>
+        </a:lt1>
+        <a:dk2>
+          <a:srgbClr val="000000"/>
+        </a:dk2>
+        <a:lt2>
+          <a:srgbClr val="F7F4D5"/>
+        </a:lt2>
+        <a:accent1>
+          <a:srgbClr val="72B88E"/>
+        </a:accent1>
+        <a:accent2>
+          <a:srgbClr val="C78DD7"/>
+        </a:accent2>
+        <a:accent3>
+          <a:srgbClr val="FFFFFF"/>
+        </a:accent3>
+        <a:accent4>
+          <a:srgbClr val="565682"/>
+        </a:accent4>
+        <a:accent5>
+          <a:srgbClr val="BCD8C6"/>
+        </a:accent5>
+        <a:accent6>
+          <a:srgbClr val="B47FC3"/>
+        </a:accent6>
+        <a:hlink>
+          <a:srgbClr val="3197BB"/>
+        </a:hlink>
+        <a:folHlink>
+          <a:srgbClr val="878FA5"/>
+        </a:folHlink>
+      </a:clrScheme>
+      <a:clrMap bg1="lt1" tx1="dk1" bg2="lt2" tx2="dk2" accent1="accent1" accent2="accent2" accent3="accent3" accent4="accent4" accent5="accent5" accent6="accent6" hlink="hlink" folHlink="folHlink"/>
+    </a:extraClrScheme>
+    <a:extraClrScheme>
+      <a:clrScheme name="011TGp_Global_light 2">
+        <a:dk1>
+          <a:srgbClr val="29698D"/>
+        </a:dk1>
+        <a:lt1>
+          <a:srgbClr val="FFFFFF"/>
+        </a:lt1>
+        <a:dk2>
+          <a:srgbClr val="000000"/>
+        </a:dk2>
+        <a:lt2>
+          <a:srgbClr val="D6E1E2"/>
+        </a:lt2>
+        <a:accent1>
+          <a:srgbClr val="FF5050"/>
+        </a:accent1>
+        <a:accent2>
+          <a:srgbClr val="FF9933"/>
+        </a:accent2>
+        <a:accent3>
+          <a:srgbClr val="FFFFFF"/>
+        </a:accent3>
+        <a:accent4>
+          <a:srgbClr val="215978"/>
+        </a:accent4>
+        <a:accent5>
+          <a:srgbClr val="FFB3B3"/>
+        </a:accent5>
+        <a:accent6>
+          <a:srgbClr val="E78A2D"/>
+        </a:accent6>
+        <a:hlink>
+          <a:srgbClr val="00CC99"/>
+        </a:hlink>
+        <a:folHlink>
+          <a:srgbClr val="83A6A7"/>
+        </a:folHlink>
+      </a:clrScheme>
+      <a:clrMap bg1="lt1" tx1="dk1" bg2="lt2" tx2="dk2" accent1="accent1" accent2="accent2" accent3="accent3" accent4="accent4" accent5="accent5" accent6="accent6" hlink="hlink" folHlink="folHlink"/>
+    </a:extraClrScheme>
+    <a:extraClrScheme>
+      <a:clrScheme name="011TGp_Global_light 3">
+        <a:dk1>
+          <a:srgbClr val="1D528D"/>
+        </a:dk1>
+        <a:lt1>
+          <a:srgbClr val="FFFFFF"/>
+        </a:lt1>
+        <a:dk2>
+          <a:srgbClr val="000000"/>
+        </a:dk2>
+        <a:lt2>
+          <a:srgbClr val="DDDDDD"/>
+        </a:lt2>
+        <a:accent1>
+          <a:srgbClr val="0099CC"/>
+        </a:accent1>
+        <a:accent2>
+          <a:srgbClr val="FF9900"/>
+        </a:accent2>
+        <a:accent3>
+          <a:srgbClr val="FFFFFF"/>
+        </a:accent3>
+        <a:accent4>
+          <a:srgbClr val="174578"/>
+        </a:accent4>
+        <a:accent5>
+          <a:srgbClr val="AACAE2"/>
+        </a:accent5>
+        <a:accent6>
+          <a:srgbClr val="E78A00"/>
+        </a:accent6>
+        <a:hlink>
+          <a:srgbClr val="9999FF"/>
+        </a:hlink>
+        <a:folHlink>
+          <a:srgbClr val="969696"/>
+        </a:folHlink>
+      </a:clrScheme>
+      <a:clrMap bg1="lt1" tx1="dk1" bg2="lt2" tx2="dk2" accent1="accent1" accent2="accent2" accent3="accent3" accent4="accent4" accent5="accent5" accent6="accent6" hlink="hlink" folHlink="folHlink"/>
+    </a:extraClrScheme>
+    <a:extraClrScheme>
+      <a:clrScheme name="011TGp_Global_light 4">
+        <a:dk1>
+          <a:srgbClr val="163794"/>
+        </a:dk1>
+        <a:lt1>
+          <a:srgbClr val="FFFFFF"/>
+        </a:lt1>
+        <a:dk2>
+          <a:srgbClr val="000000"/>
+        </a:dk2>
+        <a:lt2>
+          <a:srgbClr val="DDDDDD"/>
+        </a:lt2>
+        <a:accent1>
+          <a:srgbClr val="009999"/>
+        </a:accent1>
+        <a:accent2>
+          <a:srgbClr val="990000"/>
+        </a:accent2>
+        <a:accent3>
+          <a:srgbClr val="FFFFFF"/>
+        </a:accent3>
+        <a:accent4>
+          <a:srgbClr val="112D7E"/>
+        </a:accent4>
+        <a:accent5>
+          <a:srgbClr val="AACACA"/>
+        </a:accent5>
+        <a:accent6>
+          <a:srgbClr val="8A0000"/>
+        </a:accent6>
+        <a:hlink>
+          <a:srgbClr val="6699FF"/>
+        </a:hlink>
+        <a:folHlink>
+          <a:srgbClr val="969696"/>
+        </a:folHlink>
+      </a:clrScheme>
+      <a:clrMap bg1="lt1" tx1="dk1" bg2="lt2" tx2="dk2" accent1="accent1" accent2="accent2" accent3="accent3" accent4="accent4" accent5="accent5" accent6="accent6" hlink="hlink" folHlink="folHlink"/>
+    </a:extraClrScheme>
+  </a:extraClrSchemeLst>
   <a:extLst>
     <a:ext uri="{05A4C25C-085E-4340-85A3-A5531E510DB2}">
       <thm15:themeFamily xmlns:thm15="http://schemas.microsoft.com/office/thememl/2012/main" name="Office Theme" id="{62F939B6-93AF-4DB8-9C6B-D6C7DFDC589F}" vid="{4A3C46E8-61CC-4603-A589-7422A47A8E4A}"/>
@@ -4243,7 +7254,7 @@
 </file>
 
 <file path=ppt/theme/theme2.xml><?xml version="1.0" encoding="utf-8"?>
-<a:theme xmlns:a="http://schemas.openxmlformats.org/drawingml/2006/main" name="Office Theme">
+<a:theme xmlns:a="http://schemas.openxmlformats.org/drawingml/2006/main" name="Office 主题​​">
   <a:themeElements>
     <a:clrScheme name="Office">
       <a:dk1>
@@ -4285,12 +7296,12 @@
     </a:clrScheme>
     <a:fontScheme name="Office">
       <a:majorFont>
-        <a:latin typeface="Calibri Light"/>
+        <a:latin typeface="Calibri Light" panose="020F0302020204030204"/>
         <a:ea typeface=""/>
         <a:cs typeface=""/>
-        <a:font script="Jpan" typeface="ＭＳ Ｐゴシック"/>
+        <a:font script="Jpan" typeface="游ゴシック Light"/>
         <a:font script="Hang" typeface="맑은 고딕"/>
-        <a:font script="Hans" typeface="宋体"/>
+        <a:font script="Hans" typeface="等线 Light"/>
         <a:font script="Hant" typeface="新細明體"/>
         <a:font script="Arab" typeface="Times New Roman"/>
         <a:font script="Hebr" typeface="Times New Roman"/>
@@ -4320,12 +7331,12 @@
         <a:font script="Geor" typeface="Sylfaen"/>
       </a:majorFont>
       <a:minorFont>
-        <a:latin typeface="Calibri"/>
+        <a:latin typeface="Calibri" panose="020F0502020204030204"/>
         <a:ea typeface=""/>
         <a:cs typeface=""/>
-        <a:font script="Jpan" typeface="ＭＳ Ｐゴシック"/>
+        <a:font script="Jpan" typeface="游ゴシック"/>
         <a:font script="Hang" typeface="맑은 고딕"/>
-        <a:font script="Hans" typeface="宋体"/>
+        <a:font script="Hans" typeface="等线"/>
         <a:font script="Hant" typeface="新細明體"/>
         <a:font script="Arab" typeface="Arial"/>
         <a:font script="Hebr" typeface="Arial"/>
